--- a/Presentation.pptx
+++ b/Presentation.pptx
@@ -5,21 +5,22 @@
     <p:sldMasterId id="2147483660" r:id="rId1"/>
   </p:sldMasterIdLst>
   <p:notesMasterIdLst>
-    <p:notesMasterId r:id="rId11"/>
+    <p:notesMasterId r:id="rId12"/>
   </p:notesMasterIdLst>
   <p:handoutMasterIdLst>
-    <p:handoutMasterId r:id="rId12"/>
+    <p:handoutMasterId r:id="rId13"/>
   </p:handoutMasterIdLst>
   <p:sldIdLst>
     <p:sldId id="256" r:id="rId2"/>
     <p:sldId id="278" r:id="rId3"/>
-    <p:sldId id="265" r:id="rId4"/>
-    <p:sldId id="273" r:id="rId5"/>
-    <p:sldId id="275" r:id="rId6"/>
-    <p:sldId id="276" r:id="rId7"/>
-    <p:sldId id="277" r:id="rId8"/>
-    <p:sldId id="274" r:id="rId9"/>
-    <p:sldId id="261" r:id="rId10"/>
+    <p:sldId id="279" r:id="rId4"/>
+    <p:sldId id="265" r:id="rId5"/>
+    <p:sldId id="273" r:id="rId6"/>
+    <p:sldId id="275" r:id="rId7"/>
+    <p:sldId id="276" r:id="rId8"/>
+    <p:sldId id="277" r:id="rId9"/>
+    <p:sldId id="281" r:id="rId10"/>
+    <p:sldId id="280" r:id="rId11"/>
   </p:sldIdLst>
   <p:sldSz cx="12192000" cy="6858000"/>
   <p:notesSz cx="6858000" cy="9144000"/>
@@ -2426,6 +2427,2750 @@
 </pc:chgInfo>
 </file>
 
+<file path=ppt/diagrams/colors1.xml><?xml version="1.0" encoding="utf-8"?>
+<dgm:colorsDef xmlns:dgm="http://schemas.openxmlformats.org/drawingml/2006/diagram" xmlns:a="http://schemas.openxmlformats.org/drawingml/2006/main" uniqueId="urn:microsoft.com/office/officeart/2005/8/colors/accent4_2">
+  <dgm:title val=""/>
+  <dgm:desc val=""/>
+  <dgm:catLst>
+    <dgm:cat type="accent4" pri="11200"/>
+  </dgm:catLst>
+  <dgm:styleLbl name="node0">
+    <dgm:fillClrLst meth="repeat">
+      <a:schemeClr val="accent4"/>
+    </dgm:fillClrLst>
+    <dgm:linClrLst meth="repeat">
+      <a:schemeClr val="lt1"/>
+    </dgm:linClrLst>
+    <dgm:effectClrLst/>
+    <dgm:txLinClrLst/>
+    <dgm:txFillClrLst/>
+    <dgm:txEffectClrLst/>
+  </dgm:styleLbl>
+  <dgm:styleLbl name="node1">
+    <dgm:fillClrLst meth="repeat">
+      <a:schemeClr val="accent4"/>
+    </dgm:fillClrLst>
+    <dgm:linClrLst meth="repeat">
+      <a:schemeClr val="lt1"/>
+    </dgm:linClrLst>
+    <dgm:effectClrLst/>
+    <dgm:txLinClrLst/>
+    <dgm:txFillClrLst/>
+    <dgm:txEffectClrLst/>
+  </dgm:styleLbl>
+  <dgm:styleLbl name="alignNode1">
+    <dgm:fillClrLst meth="repeat">
+      <a:schemeClr val="accent4"/>
+    </dgm:fillClrLst>
+    <dgm:linClrLst meth="repeat">
+      <a:schemeClr val="accent4"/>
+    </dgm:linClrLst>
+    <dgm:effectClrLst/>
+    <dgm:txLinClrLst/>
+    <dgm:txFillClrLst/>
+    <dgm:txEffectClrLst/>
+  </dgm:styleLbl>
+  <dgm:styleLbl name="lnNode1">
+    <dgm:fillClrLst meth="repeat">
+      <a:schemeClr val="accent4"/>
+    </dgm:fillClrLst>
+    <dgm:linClrLst meth="repeat">
+      <a:schemeClr val="lt1"/>
+    </dgm:linClrLst>
+    <dgm:effectClrLst/>
+    <dgm:txLinClrLst/>
+    <dgm:txFillClrLst/>
+    <dgm:txEffectClrLst/>
+  </dgm:styleLbl>
+  <dgm:styleLbl name="vennNode1">
+    <dgm:fillClrLst meth="repeat">
+      <a:schemeClr val="accent4">
+        <a:alpha val="50000"/>
+      </a:schemeClr>
+    </dgm:fillClrLst>
+    <dgm:linClrLst meth="repeat">
+      <a:schemeClr val="lt1"/>
+    </dgm:linClrLst>
+    <dgm:effectClrLst/>
+    <dgm:txLinClrLst/>
+    <dgm:txFillClrLst/>
+    <dgm:txEffectClrLst/>
+  </dgm:styleLbl>
+  <dgm:styleLbl name="node2">
+    <dgm:fillClrLst meth="repeat">
+      <a:schemeClr val="accent4"/>
+    </dgm:fillClrLst>
+    <dgm:linClrLst meth="repeat">
+      <a:schemeClr val="lt1"/>
+    </dgm:linClrLst>
+    <dgm:effectClrLst/>
+    <dgm:txLinClrLst/>
+    <dgm:txFillClrLst/>
+    <dgm:txEffectClrLst/>
+  </dgm:styleLbl>
+  <dgm:styleLbl name="node3">
+    <dgm:fillClrLst meth="repeat">
+      <a:schemeClr val="accent4"/>
+    </dgm:fillClrLst>
+    <dgm:linClrLst meth="repeat">
+      <a:schemeClr val="lt1"/>
+    </dgm:linClrLst>
+    <dgm:effectClrLst/>
+    <dgm:txLinClrLst/>
+    <dgm:txFillClrLst/>
+    <dgm:txEffectClrLst/>
+  </dgm:styleLbl>
+  <dgm:styleLbl name="node4">
+    <dgm:fillClrLst meth="repeat">
+      <a:schemeClr val="accent4"/>
+    </dgm:fillClrLst>
+    <dgm:linClrLst meth="repeat">
+      <a:schemeClr val="lt1"/>
+    </dgm:linClrLst>
+    <dgm:effectClrLst/>
+    <dgm:txLinClrLst/>
+    <dgm:txFillClrLst/>
+    <dgm:txEffectClrLst/>
+  </dgm:styleLbl>
+  <dgm:styleLbl name="fgImgPlace1">
+    <dgm:fillClrLst meth="repeat">
+      <a:schemeClr val="accent4">
+        <a:tint val="50000"/>
+      </a:schemeClr>
+    </dgm:fillClrLst>
+    <dgm:linClrLst meth="repeat">
+      <a:schemeClr val="lt1"/>
+    </dgm:linClrLst>
+    <dgm:effectClrLst/>
+    <dgm:txLinClrLst/>
+    <dgm:txFillClrLst meth="repeat">
+      <a:schemeClr val="lt1"/>
+    </dgm:txFillClrLst>
+    <dgm:txEffectClrLst/>
+  </dgm:styleLbl>
+  <dgm:styleLbl name="alignImgPlace1">
+    <dgm:fillClrLst meth="repeat">
+      <a:schemeClr val="accent4">
+        <a:tint val="50000"/>
+      </a:schemeClr>
+    </dgm:fillClrLst>
+    <dgm:linClrLst meth="repeat">
+      <a:schemeClr val="lt1"/>
+    </dgm:linClrLst>
+    <dgm:effectClrLst/>
+    <dgm:txLinClrLst/>
+    <dgm:txFillClrLst meth="repeat">
+      <a:schemeClr val="lt1"/>
+    </dgm:txFillClrLst>
+    <dgm:txEffectClrLst/>
+  </dgm:styleLbl>
+  <dgm:styleLbl name="bgImgPlace1">
+    <dgm:fillClrLst meth="repeat">
+      <a:schemeClr val="accent4">
+        <a:tint val="50000"/>
+      </a:schemeClr>
+    </dgm:fillClrLst>
+    <dgm:linClrLst meth="repeat">
+      <a:schemeClr val="lt1"/>
+    </dgm:linClrLst>
+    <dgm:effectClrLst/>
+    <dgm:txLinClrLst/>
+    <dgm:txFillClrLst meth="repeat">
+      <a:schemeClr val="lt1"/>
+    </dgm:txFillClrLst>
+    <dgm:txEffectClrLst/>
+  </dgm:styleLbl>
+  <dgm:styleLbl name="sibTrans2D1">
+    <dgm:fillClrLst meth="repeat">
+      <a:schemeClr val="accent4">
+        <a:tint val="60000"/>
+      </a:schemeClr>
+    </dgm:fillClrLst>
+    <dgm:linClrLst meth="repeat">
+      <a:schemeClr val="accent4">
+        <a:tint val="60000"/>
+      </a:schemeClr>
+    </dgm:linClrLst>
+    <dgm:effectClrLst/>
+    <dgm:txLinClrLst/>
+    <dgm:txFillClrLst/>
+    <dgm:txEffectClrLst/>
+  </dgm:styleLbl>
+  <dgm:styleLbl name="fgSibTrans2D1">
+    <dgm:fillClrLst meth="repeat">
+      <a:schemeClr val="accent4">
+        <a:tint val="60000"/>
+      </a:schemeClr>
+    </dgm:fillClrLst>
+    <dgm:linClrLst meth="repeat">
+      <a:schemeClr val="accent4">
+        <a:tint val="60000"/>
+      </a:schemeClr>
+    </dgm:linClrLst>
+    <dgm:effectClrLst/>
+    <dgm:txLinClrLst/>
+    <dgm:txFillClrLst/>
+    <dgm:txEffectClrLst/>
+  </dgm:styleLbl>
+  <dgm:styleLbl name="bgSibTrans2D1">
+    <dgm:fillClrLst meth="repeat">
+      <a:schemeClr val="accent4">
+        <a:tint val="60000"/>
+      </a:schemeClr>
+    </dgm:fillClrLst>
+    <dgm:linClrLst meth="repeat">
+      <a:schemeClr val="accent4">
+        <a:tint val="60000"/>
+      </a:schemeClr>
+    </dgm:linClrLst>
+    <dgm:effectClrLst/>
+    <dgm:txLinClrLst/>
+    <dgm:txFillClrLst/>
+    <dgm:txEffectClrLst/>
+  </dgm:styleLbl>
+  <dgm:styleLbl name="sibTrans1D1">
+    <dgm:fillClrLst meth="repeat">
+      <a:schemeClr val="accent4"/>
+    </dgm:fillClrLst>
+    <dgm:linClrLst meth="repeat">
+      <a:schemeClr val="accent4"/>
+    </dgm:linClrLst>
+    <dgm:effectClrLst/>
+    <dgm:txLinClrLst/>
+    <dgm:txFillClrLst meth="repeat">
+      <a:schemeClr val="tx1"/>
+    </dgm:txFillClrLst>
+    <dgm:txEffectClrLst/>
+  </dgm:styleLbl>
+  <dgm:styleLbl name="callout">
+    <dgm:fillClrLst meth="repeat">
+      <a:schemeClr val="accent4"/>
+    </dgm:fillClrLst>
+    <dgm:linClrLst meth="repeat">
+      <a:schemeClr val="accent4">
+        <a:tint val="50000"/>
+      </a:schemeClr>
+    </dgm:linClrLst>
+    <dgm:effectClrLst/>
+    <dgm:txLinClrLst/>
+    <dgm:txFillClrLst meth="repeat">
+      <a:schemeClr val="tx1"/>
+    </dgm:txFillClrLst>
+    <dgm:txEffectClrLst/>
+  </dgm:styleLbl>
+  <dgm:styleLbl name="asst0">
+    <dgm:fillClrLst meth="repeat">
+      <a:schemeClr val="accent4"/>
+    </dgm:fillClrLst>
+    <dgm:linClrLst meth="repeat">
+      <a:schemeClr val="lt1"/>
+    </dgm:linClrLst>
+    <dgm:effectClrLst/>
+    <dgm:txLinClrLst/>
+    <dgm:txFillClrLst/>
+    <dgm:txEffectClrLst/>
+  </dgm:styleLbl>
+  <dgm:styleLbl name="asst1">
+    <dgm:fillClrLst meth="repeat">
+      <a:schemeClr val="accent4"/>
+    </dgm:fillClrLst>
+    <dgm:linClrLst meth="repeat">
+      <a:schemeClr val="lt1"/>
+    </dgm:linClrLst>
+    <dgm:effectClrLst/>
+    <dgm:txLinClrLst/>
+    <dgm:txFillClrLst/>
+    <dgm:txEffectClrLst/>
+  </dgm:styleLbl>
+  <dgm:styleLbl name="asst2">
+    <dgm:fillClrLst meth="repeat">
+      <a:schemeClr val="accent4"/>
+    </dgm:fillClrLst>
+    <dgm:linClrLst meth="repeat">
+      <a:schemeClr val="lt1"/>
+    </dgm:linClrLst>
+    <dgm:effectClrLst/>
+    <dgm:txLinClrLst/>
+    <dgm:txFillClrLst/>
+    <dgm:txEffectClrLst/>
+  </dgm:styleLbl>
+  <dgm:styleLbl name="asst3">
+    <dgm:fillClrLst meth="repeat">
+      <a:schemeClr val="accent4"/>
+    </dgm:fillClrLst>
+    <dgm:linClrLst meth="repeat">
+      <a:schemeClr val="lt1"/>
+    </dgm:linClrLst>
+    <dgm:effectClrLst/>
+    <dgm:txLinClrLst/>
+    <dgm:txFillClrLst/>
+    <dgm:txEffectClrLst/>
+  </dgm:styleLbl>
+  <dgm:styleLbl name="asst4">
+    <dgm:fillClrLst meth="repeat">
+      <a:schemeClr val="accent4"/>
+    </dgm:fillClrLst>
+    <dgm:linClrLst meth="repeat">
+      <a:schemeClr val="lt1"/>
+    </dgm:linClrLst>
+    <dgm:effectClrLst/>
+    <dgm:txLinClrLst/>
+    <dgm:txFillClrLst/>
+    <dgm:txEffectClrLst/>
+  </dgm:styleLbl>
+  <dgm:styleLbl name="parChTrans2D1">
+    <dgm:fillClrLst meth="repeat">
+      <a:schemeClr val="accent4">
+        <a:tint val="60000"/>
+      </a:schemeClr>
+    </dgm:fillClrLst>
+    <dgm:linClrLst meth="repeat">
+      <a:schemeClr val="accent4">
+        <a:tint val="60000"/>
+      </a:schemeClr>
+    </dgm:linClrLst>
+    <dgm:effectClrLst/>
+    <dgm:txLinClrLst/>
+    <dgm:txFillClrLst meth="repeat">
+      <a:schemeClr val="lt1"/>
+    </dgm:txFillClrLst>
+    <dgm:txEffectClrLst/>
+  </dgm:styleLbl>
+  <dgm:styleLbl name="parChTrans2D2">
+    <dgm:fillClrLst meth="repeat">
+      <a:schemeClr val="accent4"/>
+    </dgm:fillClrLst>
+    <dgm:linClrLst meth="repeat">
+      <a:schemeClr val="accent4"/>
+    </dgm:linClrLst>
+    <dgm:effectClrLst/>
+    <dgm:txLinClrLst/>
+    <dgm:txFillClrLst meth="repeat">
+      <a:schemeClr val="lt1"/>
+    </dgm:txFillClrLst>
+    <dgm:txEffectClrLst/>
+  </dgm:styleLbl>
+  <dgm:styleLbl name="parChTrans2D3">
+    <dgm:fillClrLst meth="repeat">
+      <a:schemeClr val="accent4"/>
+    </dgm:fillClrLst>
+    <dgm:linClrLst meth="repeat">
+      <a:schemeClr val="accent4"/>
+    </dgm:linClrLst>
+    <dgm:effectClrLst/>
+    <dgm:txLinClrLst/>
+    <dgm:txFillClrLst meth="repeat">
+      <a:schemeClr val="lt1"/>
+    </dgm:txFillClrLst>
+    <dgm:txEffectClrLst/>
+  </dgm:styleLbl>
+  <dgm:styleLbl name="parChTrans2D4">
+    <dgm:fillClrLst meth="repeat">
+      <a:schemeClr val="accent4"/>
+    </dgm:fillClrLst>
+    <dgm:linClrLst meth="repeat">
+      <a:schemeClr val="accent4"/>
+    </dgm:linClrLst>
+    <dgm:effectClrLst/>
+    <dgm:txLinClrLst/>
+    <dgm:txFillClrLst meth="repeat">
+      <a:schemeClr val="lt1"/>
+    </dgm:txFillClrLst>
+    <dgm:txEffectClrLst/>
+  </dgm:styleLbl>
+  <dgm:styleLbl name="parChTrans1D1">
+    <dgm:fillClrLst meth="repeat">
+      <a:schemeClr val="accent4"/>
+    </dgm:fillClrLst>
+    <dgm:linClrLst meth="repeat">
+      <a:schemeClr val="accent4">
+        <a:shade val="60000"/>
+      </a:schemeClr>
+    </dgm:linClrLst>
+    <dgm:effectClrLst/>
+    <dgm:txLinClrLst/>
+    <dgm:txFillClrLst meth="repeat">
+      <a:schemeClr val="tx1"/>
+    </dgm:txFillClrLst>
+    <dgm:txEffectClrLst/>
+  </dgm:styleLbl>
+  <dgm:styleLbl name="parChTrans1D2">
+    <dgm:fillClrLst meth="repeat">
+      <a:schemeClr val="accent4"/>
+    </dgm:fillClrLst>
+    <dgm:linClrLst meth="repeat">
+      <a:schemeClr val="accent4">
+        <a:shade val="60000"/>
+      </a:schemeClr>
+    </dgm:linClrLst>
+    <dgm:effectClrLst/>
+    <dgm:txLinClrLst/>
+    <dgm:txFillClrLst meth="repeat">
+      <a:schemeClr val="tx1"/>
+    </dgm:txFillClrLst>
+    <dgm:txEffectClrLst/>
+  </dgm:styleLbl>
+  <dgm:styleLbl name="parChTrans1D3">
+    <dgm:fillClrLst meth="repeat">
+      <a:schemeClr val="accent4"/>
+    </dgm:fillClrLst>
+    <dgm:linClrLst meth="repeat">
+      <a:schemeClr val="accent4">
+        <a:shade val="80000"/>
+      </a:schemeClr>
+    </dgm:linClrLst>
+    <dgm:effectClrLst/>
+    <dgm:txLinClrLst/>
+    <dgm:txFillClrLst meth="repeat">
+      <a:schemeClr val="tx1"/>
+    </dgm:txFillClrLst>
+    <dgm:txEffectClrLst/>
+  </dgm:styleLbl>
+  <dgm:styleLbl name="parChTrans1D4">
+    <dgm:fillClrLst meth="repeat">
+      <a:schemeClr val="accent4"/>
+    </dgm:fillClrLst>
+    <dgm:linClrLst meth="repeat">
+      <a:schemeClr val="accent4">
+        <a:shade val="80000"/>
+      </a:schemeClr>
+    </dgm:linClrLst>
+    <dgm:effectClrLst/>
+    <dgm:txLinClrLst/>
+    <dgm:txFillClrLst meth="repeat">
+      <a:schemeClr val="tx1"/>
+    </dgm:txFillClrLst>
+    <dgm:txEffectClrLst/>
+  </dgm:styleLbl>
+  <dgm:styleLbl name="fgAcc1">
+    <dgm:fillClrLst meth="repeat">
+      <a:schemeClr val="lt1">
+        <a:alpha val="90000"/>
+      </a:schemeClr>
+    </dgm:fillClrLst>
+    <dgm:linClrLst meth="repeat">
+      <a:schemeClr val="accent4"/>
+    </dgm:linClrLst>
+    <dgm:effectClrLst/>
+    <dgm:txLinClrLst/>
+    <dgm:txFillClrLst meth="repeat">
+      <a:schemeClr val="dk1"/>
+    </dgm:txFillClrLst>
+    <dgm:txEffectClrLst/>
+  </dgm:styleLbl>
+  <dgm:styleLbl name="conFgAcc1">
+    <dgm:fillClrLst meth="repeat">
+      <a:schemeClr val="lt1">
+        <a:alpha val="90000"/>
+      </a:schemeClr>
+    </dgm:fillClrLst>
+    <dgm:linClrLst meth="repeat">
+      <a:schemeClr val="accent4"/>
+    </dgm:linClrLst>
+    <dgm:effectClrLst/>
+    <dgm:txLinClrLst/>
+    <dgm:txFillClrLst meth="repeat">
+      <a:schemeClr val="dk1"/>
+    </dgm:txFillClrLst>
+    <dgm:txEffectClrLst/>
+  </dgm:styleLbl>
+  <dgm:styleLbl name="alignAcc1">
+    <dgm:fillClrLst meth="repeat">
+      <a:schemeClr val="lt1">
+        <a:alpha val="90000"/>
+      </a:schemeClr>
+    </dgm:fillClrLst>
+    <dgm:linClrLst meth="repeat">
+      <a:schemeClr val="accent4"/>
+    </dgm:linClrLst>
+    <dgm:effectClrLst/>
+    <dgm:txLinClrLst/>
+    <dgm:txFillClrLst meth="repeat">
+      <a:schemeClr val="dk1"/>
+    </dgm:txFillClrLst>
+    <dgm:txEffectClrLst/>
+  </dgm:styleLbl>
+  <dgm:styleLbl name="trAlignAcc1">
+    <dgm:fillClrLst meth="repeat">
+      <a:schemeClr val="lt1">
+        <a:alpha val="40000"/>
+      </a:schemeClr>
+    </dgm:fillClrLst>
+    <dgm:linClrLst meth="repeat">
+      <a:schemeClr val="accent4"/>
+    </dgm:linClrLst>
+    <dgm:effectClrLst/>
+    <dgm:txLinClrLst/>
+    <dgm:txFillClrLst meth="repeat">
+      <a:schemeClr val="dk1"/>
+    </dgm:txFillClrLst>
+    <dgm:txEffectClrLst/>
+  </dgm:styleLbl>
+  <dgm:styleLbl name="bgAcc1">
+    <dgm:fillClrLst meth="repeat">
+      <a:schemeClr val="lt1">
+        <a:alpha val="90000"/>
+      </a:schemeClr>
+    </dgm:fillClrLst>
+    <dgm:linClrLst meth="repeat">
+      <a:schemeClr val="accent4"/>
+    </dgm:linClrLst>
+    <dgm:effectClrLst/>
+    <dgm:txLinClrLst/>
+    <dgm:txFillClrLst meth="repeat">
+      <a:schemeClr val="dk1"/>
+    </dgm:txFillClrLst>
+    <dgm:txEffectClrLst/>
+  </dgm:styleLbl>
+  <dgm:styleLbl name="solidFgAcc1">
+    <dgm:fillClrLst meth="repeat">
+      <a:schemeClr val="lt1"/>
+    </dgm:fillClrLst>
+    <dgm:linClrLst meth="repeat">
+      <a:schemeClr val="accent4"/>
+    </dgm:linClrLst>
+    <dgm:effectClrLst/>
+    <dgm:txLinClrLst/>
+    <dgm:txFillClrLst meth="repeat">
+      <a:schemeClr val="dk1"/>
+    </dgm:txFillClrLst>
+    <dgm:txEffectClrLst/>
+  </dgm:styleLbl>
+  <dgm:styleLbl name="solidAlignAcc1">
+    <dgm:fillClrLst meth="repeat">
+      <a:schemeClr val="lt1"/>
+    </dgm:fillClrLst>
+    <dgm:linClrLst meth="repeat">
+      <a:schemeClr val="accent4"/>
+    </dgm:linClrLst>
+    <dgm:effectClrLst/>
+    <dgm:txLinClrLst/>
+    <dgm:txFillClrLst meth="repeat">
+      <a:schemeClr val="dk1"/>
+    </dgm:txFillClrLst>
+    <dgm:txEffectClrLst/>
+  </dgm:styleLbl>
+  <dgm:styleLbl name="solidBgAcc1">
+    <dgm:fillClrLst meth="repeat">
+      <a:schemeClr val="lt1"/>
+    </dgm:fillClrLst>
+    <dgm:linClrLst meth="repeat">
+      <a:schemeClr val="accent4"/>
+    </dgm:linClrLst>
+    <dgm:effectClrLst/>
+    <dgm:txLinClrLst/>
+    <dgm:txFillClrLst meth="repeat">
+      <a:schemeClr val="dk1"/>
+    </dgm:txFillClrLst>
+    <dgm:txEffectClrLst/>
+  </dgm:styleLbl>
+  <dgm:styleLbl name="fgAccFollowNode1">
+    <dgm:fillClrLst meth="repeat">
+      <a:schemeClr val="accent4">
+        <a:alpha val="90000"/>
+        <a:tint val="40000"/>
+      </a:schemeClr>
+    </dgm:fillClrLst>
+    <dgm:linClrLst meth="repeat">
+      <a:schemeClr val="accent4">
+        <a:alpha val="90000"/>
+        <a:tint val="40000"/>
+      </a:schemeClr>
+    </dgm:linClrLst>
+    <dgm:effectClrLst/>
+    <dgm:txLinClrLst/>
+    <dgm:txFillClrLst meth="repeat">
+      <a:schemeClr val="dk1"/>
+    </dgm:txFillClrLst>
+    <dgm:txEffectClrLst/>
+  </dgm:styleLbl>
+  <dgm:styleLbl name="alignAccFollowNode1">
+    <dgm:fillClrLst meth="repeat">
+      <a:schemeClr val="accent4">
+        <a:alpha val="90000"/>
+        <a:tint val="40000"/>
+      </a:schemeClr>
+    </dgm:fillClrLst>
+    <dgm:linClrLst meth="repeat">
+      <a:schemeClr val="accent4">
+        <a:alpha val="90000"/>
+        <a:tint val="40000"/>
+      </a:schemeClr>
+    </dgm:linClrLst>
+    <dgm:effectClrLst/>
+    <dgm:txLinClrLst/>
+    <dgm:txFillClrLst meth="repeat">
+      <a:schemeClr val="dk1"/>
+    </dgm:txFillClrLst>
+    <dgm:txEffectClrLst/>
+  </dgm:styleLbl>
+  <dgm:styleLbl name="bgAccFollowNode1">
+    <dgm:fillClrLst meth="repeat">
+      <a:schemeClr val="accent4">
+        <a:alpha val="90000"/>
+        <a:tint val="40000"/>
+      </a:schemeClr>
+    </dgm:fillClrLst>
+    <dgm:linClrLst meth="repeat">
+      <a:schemeClr val="accent4">
+        <a:alpha val="90000"/>
+        <a:tint val="40000"/>
+      </a:schemeClr>
+    </dgm:linClrLst>
+    <dgm:effectClrLst/>
+    <dgm:txLinClrLst/>
+    <dgm:txFillClrLst meth="repeat">
+      <a:schemeClr val="dk1"/>
+    </dgm:txFillClrLst>
+    <dgm:txEffectClrLst/>
+  </dgm:styleLbl>
+  <dgm:styleLbl name="fgAcc0">
+    <dgm:fillClrLst meth="repeat">
+      <a:schemeClr val="lt1">
+        <a:alpha val="90000"/>
+      </a:schemeClr>
+    </dgm:fillClrLst>
+    <dgm:linClrLst meth="repeat">
+      <a:schemeClr val="accent4"/>
+    </dgm:linClrLst>
+    <dgm:effectClrLst/>
+    <dgm:txLinClrLst/>
+    <dgm:txFillClrLst meth="repeat">
+      <a:schemeClr val="dk1"/>
+    </dgm:txFillClrLst>
+    <dgm:txEffectClrLst/>
+  </dgm:styleLbl>
+  <dgm:styleLbl name="fgAcc2">
+    <dgm:fillClrLst meth="repeat">
+      <a:schemeClr val="lt1">
+        <a:alpha val="90000"/>
+      </a:schemeClr>
+    </dgm:fillClrLst>
+    <dgm:linClrLst meth="repeat">
+      <a:schemeClr val="accent4"/>
+    </dgm:linClrLst>
+    <dgm:effectClrLst/>
+    <dgm:txLinClrLst/>
+    <dgm:txFillClrLst meth="repeat">
+      <a:schemeClr val="dk1"/>
+    </dgm:txFillClrLst>
+    <dgm:txEffectClrLst/>
+  </dgm:styleLbl>
+  <dgm:styleLbl name="fgAcc3">
+    <dgm:fillClrLst meth="repeat">
+      <a:schemeClr val="lt1">
+        <a:alpha val="90000"/>
+      </a:schemeClr>
+    </dgm:fillClrLst>
+    <dgm:linClrLst meth="repeat">
+      <a:schemeClr val="accent4"/>
+    </dgm:linClrLst>
+    <dgm:effectClrLst/>
+    <dgm:txLinClrLst/>
+    <dgm:txFillClrLst meth="repeat">
+      <a:schemeClr val="dk1"/>
+    </dgm:txFillClrLst>
+    <dgm:txEffectClrLst/>
+  </dgm:styleLbl>
+  <dgm:styleLbl name="fgAcc4">
+    <dgm:fillClrLst meth="repeat">
+      <a:schemeClr val="lt1">
+        <a:alpha val="90000"/>
+      </a:schemeClr>
+    </dgm:fillClrLst>
+    <dgm:linClrLst meth="repeat">
+      <a:schemeClr val="accent4"/>
+    </dgm:linClrLst>
+    <dgm:effectClrLst/>
+    <dgm:txLinClrLst/>
+    <dgm:txFillClrLst meth="repeat">
+      <a:schemeClr val="dk1"/>
+    </dgm:txFillClrLst>
+    <dgm:txEffectClrLst/>
+  </dgm:styleLbl>
+  <dgm:styleLbl name="bgShp">
+    <dgm:fillClrLst meth="repeat">
+      <a:schemeClr val="accent4">
+        <a:tint val="40000"/>
+      </a:schemeClr>
+    </dgm:fillClrLst>
+    <dgm:linClrLst meth="repeat">
+      <a:schemeClr val="accent4"/>
+    </dgm:linClrLst>
+    <dgm:effectClrLst/>
+    <dgm:txLinClrLst/>
+    <dgm:txFillClrLst meth="repeat">
+      <a:schemeClr val="dk1"/>
+    </dgm:txFillClrLst>
+    <dgm:txEffectClrLst/>
+  </dgm:styleLbl>
+  <dgm:styleLbl name="dkBgShp">
+    <dgm:fillClrLst meth="repeat">
+      <a:schemeClr val="accent4">
+        <a:shade val="80000"/>
+      </a:schemeClr>
+    </dgm:fillClrLst>
+    <dgm:linClrLst meth="repeat">
+      <a:schemeClr val="accent4"/>
+    </dgm:linClrLst>
+    <dgm:effectClrLst/>
+    <dgm:txLinClrLst/>
+    <dgm:txFillClrLst meth="repeat">
+      <a:schemeClr val="lt1"/>
+    </dgm:txFillClrLst>
+    <dgm:txEffectClrLst/>
+  </dgm:styleLbl>
+  <dgm:styleLbl name="trBgShp">
+    <dgm:fillClrLst meth="repeat">
+      <a:schemeClr val="accent4">
+        <a:tint val="50000"/>
+        <a:alpha val="40000"/>
+      </a:schemeClr>
+    </dgm:fillClrLst>
+    <dgm:linClrLst meth="repeat">
+      <a:schemeClr val="accent4"/>
+    </dgm:linClrLst>
+    <dgm:effectClrLst/>
+    <dgm:txLinClrLst/>
+    <dgm:txFillClrLst meth="repeat">
+      <a:schemeClr val="lt1"/>
+    </dgm:txFillClrLst>
+    <dgm:txEffectClrLst/>
+  </dgm:styleLbl>
+  <dgm:styleLbl name="fgShp">
+    <dgm:fillClrLst meth="repeat">
+      <a:schemeClr val="accent4">
+        <a:tint val="60000"/>
+      </a:schemeClr>
+    </dgm:fillClrLst>
+    <dgm:linClrLst meth="repeat">
+      <a:schemeClr val="lt1"/>
+    </dgm:linClrLst>
+    <dgm:effectClrLst/>
+    <dgm:txLinClrLst/>
+    <dgm:txFillClrLst meth="repeat">
+      <a:schemeClr val="dk1"/>
+    </dgm:txFillClrLst>
+    <dgm:txEffectClrLst/>
+  </dgm:styleLbl>
+  <dgm:styleLbl name="revTx">
+    <dgm:fillClrLst meth="repeat">
+      <a:schemeClr val="lt1">
+        <a:alpha val="0"/>
+      </a:schemeClr>
+    </dgm:fillClrLst>
+    <dgm:linClrLst meth="repeat">
+      <a:schemeClr val="dk1">
+        <a:alpha val="0"/>
+      </a:schemeClr>
+    </dgm:linClrLst>
+    <dgm:effectClrLst/>
+    <dgm:txLinClrLst/>
+    <dgm:txFillClrLst meth="repeat">
+      <a:schemeClr val="tx1"/>
+    </dgm:txFillClrLst>
+    <dgm:txEffectClrLst/>
+  </dgm:styleLbl>
+</dgm:colorsDef>
+</file>
+
+<file path=ppt/diagrams/data1.xml><?xml version="1.0" encoding="utf-8"?>
+<dgm:dataModel xmlns:dgm="http://schemas.openxmlformats.org/drawingml/2006/diagram" xmlns:a="http://schemas.openxmlformats.org/drawingml/2006/main">
+  <dgm:ptLst>
+    <dgm:pt modelId="{84FBB351-3DED-C04C-B00F-E4AF02D04842}" type="doc">
+      <dgm:prSet loTypeId="urn:microsoft.com/office/officeart/2005/8/layout/process1" loCatId="process" qsTypeId="urn:microsoft.com/office/officeart/2005/8/quickstyle/simple1" qsCatId="simple" csTypeId="urn:microsoft.com/office/officeart/2005/8/colors/accent4_2" csCatId="accent4" phldr="1"/>
+      <dgm:spPr/>
+      <dgm:t>
+        <a:bodyPr/>
+        <a:lstStyle/>
+        <a:p>
+          <a:endParaRPr lang="de-DE"/>
+        </a:p>
+      </dgm:t>
+    </dgm:pt>
+    <dgm:pt modelId="{5F7381F7-8466-5848-82CF-7C1F0056BD16}">
+      <dgm:prSet custT="1"/>
+      <dgm:spPr/>
+      <dgm:t>
+        <a:bodyPr/>
+        <a:lstStyle/>
+        <a:p>
+          <a:r>
+            <a:rPr lang="de-DE" sz="1800" dirty="0"/>
+            <a:t>Cluster in Docker </a:t>
+          </a:r>
+          <a:endParaRPr lang="de-AT" sz="1800" dirty="0"/>
+        </a:p>
+      </dgm:t>
+    </dgm:pt>
+    <dgm:pt modelId="{03CDC7B2-8766-CD42-B106-39AF57140A0C}" type="parTrans" cxnId="{1847D56B-CF96-074E-BBBE-6EEAF41481BE}">
+      <dgm:prSet/>
+      <dgm:spPr/>
+      <dgm:t>
+        <a:bodyPr/>
+        <a:lstStyle/>
+        <a:p>
+          <a:endParaRPr lang="de-DE"/>
+        </a:p>
+      </dgm:t>
+    </dgm:pt>
+    <dgm:pt modelId="{B5D12AA6-2360-1340-9D89-8E69FD05E544}" type="sibTrans" cxnId="{1847D56B-CF96-074E-BBBE-6EEAF41481BE}">
+      <dgm:prSet/>
+      <dgm:spPr/>
+      <dgm:t>
+        <a:bodyPr/>
+        <a:lstStyle/>
+        <a:p>
+          <a:endParaRPr lang="de-DE"/>
+        </a:p>
+      </dgm:t>
+    </dgm:pt>
+    <dgm:pt modelId="{D137FE1E-3EBE-AB45-9C53-3922B7B2B7F7}">
+      <dgm:prSet custT="1"/>
+      <dgm:spPr/>
+      <dgm:t>
+        <a:bodyPr/>
+        <a:lstStyle/>
+        <a:p>
+          <a:r>
+            <a:rPr lang="de-DE" sz="1800" dirty="0"/>
+            <a:t>Spark SQL </a:t>
+          </a:r>
+          <a:br>
+            <a:rPr lang="de-DE" sz="1800" dirty="0"/>
+          </a:br>
+          <a:r>
+            <a:rPr lang="de-DE" sz="1800" dirty="0"/>
+            <a:t>(Filter, Aggregation..)</a:t>
+          </a:r>
+          <a:endParaRPr lang="de-AT" sz="1800" dirty="0"/>
+        </a:p>
+      </dgm:t>
+    </dgm:pt>
+    <dgm:pt modelId="{17608AD4-2D50-C14D-B925-DBD99E9D69D6}" type="parTrans" cxnId="{E3DD3CA9-9A6C-4140-AE49-73BC8CA168CC}">
+      <dgm:prSet/>
+      <dgm:spPr/>
+      <dgm:t>
+        <a:bodyPr/>
+        <a:lstStyle/>
+        <a:p>
+          <a:endParaRPr lang="de-DE"/>
+        </a:p>
+      </dgm:t>
+    </dgm:pt>
+    <dgm:pt modelId="{EFBCFEDD-D8CC-254A-8FE2-3571E89375D5}" type="sibTrans" cxnId="{E3DD3CA9-9A6C-4140-AE49-73BC8CA168CC}">
+      <dgm:prSet/>
+      <dgm:spPr/>
+      <dgm:t>
+        <a:bodyPr/>
+        <a:lstStyle/>
+        <a:p>
+          <a:endParaRPr lang="de-DE"/>
+        </a:p>
+      </dgm:t>
+    </dgm:pt>
+    <dgm:pt modelId="{7EA808C1-C935-4047-A939-084E2C1D23CC}">
+      <dgm:prSet custT="1"/>
+      <dgm:spPr/>
+      <dgm:t>
+        <a:bodyPr/>
+        <a:lstStyle/>
+        <a:p>
+          <a:r>
+            <a:rPr lang="de-DE" sz="1800" dirty="0"/>
+            <a:t>PostgreSQL</a:t>
+          </a:r>
+        </a:p>
+      </dgm:t>
+    </dgm:pt>
+    <dgm:pt modelId="{289B6535-1568-F549-83FC-30934014F39F}" type="parTrans" cxnId="{CD945C6F-46EF-1E4E-AD0F-E3B6E0500FC2}">
+      <dgm:prSet/>
+      <dgm:spPr/>
+      <dgm:t>
+        <a:bodyPr/>
+        <a:lstStyle/>
+        <a:p>
+          <a:endParaRPr lang="de-DE"/>
+        </a:p>
+      </dgm:t>
+    </dgm:pt>
+    <dgm:pt modelId="{0E3A8242-616E-9A4D-85A0-D20BDFC05485}" type="sibTrans" cxnId="{CD945C6F-46EF-1E4E-AD0F-E3B6E0500FC2}">
+      <dgm:prSet/>
+      <dgm:spPr/>
+      <dgm:t>
+        <a:bodyPr/>
+        <a:lstStyle/>
+        <a:p>
+          <a:endParaRPr lang="de-DE"/>
+        </a:p>
+      </dgm:t>
+    </dgm:pt>
+    <dgm:pt modelId="{5E3925D1-68CB-EA40-99C3-AB97ED7B4862}">
+      <dgm:prSet custT="1"/>
+      <dgm:spPr/>
+      <dgm:t>
+        <a:bodyPr/>
+        <a:lstStyle/>
+        <a:p>
+          <a:r>
+            <a:rPr lang="de-DE" sz="1800" dirty="0"/>
+            <a:t>Datenquelle</a:t>
+          </a:r>
+        </a:p>
+      </dgm:t>
+    </dgm:pt>
+    <dgm:pt modelId="{905559B8-26F5-7543-9D59-44C683EA12F8}" type="parTrans" cxnId="{FD447CCF-4976-344E-A518-DC3D192E91E4}">
+      <dgm:prSet/>
+      <dgm:spPr/>
+      <dgm:t>
+        <a:bodyPr/>
+        <a:lstStyle/>
+        <a:p>
+          <a:endParaRPr lang="de-DE"/>
+        </a:p>
+      </dgm:t>
+    </dgm:pt>
+    <dgm:pt modelId="{CBDD9CC7-6ABD-9043-9884-6420DBFCD1B7}" type="sibTrans" cxnId="{FD447CCF-4976-344E-A518-DC3D192E91E4}">
+      <dgm:prSet/>
+      <dgm:spPr/>
+      <dgm:t>
+        <a:bodyPr/>
+        <a:lstStyle/>
+        <a:p>
+          <a:endParaRPr lang="de-DE"/>
+        </a:p>
+      </dgm:t>
+    </dgm:pt>
+    <dgm:pt modelId="{B4B94EB6-9C26-F644-BFA6-78118C1F6EAA}" type="pres">
+      <dgm:prSet presAssocID="{84FBB351-3DED-C04C-B00F-E4AF02D04842}" presName="Name0" presStyleCnt="0">
+        <dgm:presLayoutVars>
+          <dgm:dir/>
+          <dgm:resizeHandles val="exact"/>
+        </dgm:presLayoutVars>
+      </dgm:prSet>
+      <dgm:spPr/>
+    </dgm:pt>
+    <dgm:pt modelId="{F7B99954-9F84-9740-9A3E-C33C2263CBE2}" type="pres">
+      <dgm:prSet presAssocID="{5E3925D1-68CB-EA40-99C3-AB97ED7B4862}" presName="node" presStyleLbl="node1" presStyleIdx="0" presStyleCnt="4">
+        <dgm:presLayoutVars>
+          <dgm:bulletEnabled val="1"/>
+        </dgm:presLayoutVars>
+      </dgm:prSet>
+      <dgm:spPr/>
+    </dgm:pt>
+    <dgm:pt modelId="{828FB26D-D85D-5948-AE31-386246DCE277}" type="pres">
+      <dgm:prSet presAssocID="{CBDD9CC7-6ABD-9043-9884-6420DBFCD1B7}" presName="sibTrans" presStyleLbl="sibTrans2D1" presStyleIdx="0" presStyleCnt="3"/>
+      <dgm:spPr/>
+    </dgm:pt>
+    <dgm:pt modelId="{5DE9E2CB-0699-B541-80C9-452A42EE0882}" type="pres">
+      <dgm:prSet presAssocID="{CBDD9CC7-6ABD-9043-9884-6420DBFCD1B7}" presName="connectorText" presStyleLbl="sibTrans2D1" presStyleIdx="0" presStyleCnt="3"/>
+      <dgm:spPr/>
+    </dgm:pt>
+    <dgm:pt modelId="{709684BE-387E-924A-8092-2BEB6DA37DA1}" type="pres">
+      <dgm:prSet presAssocID="{5F7381F7-8466-5848-82CF-7C1F0056BD16}" presName="node" presStyleLbl="node1" presStyleIdx="1" presStyleCnt="4" custScaleX="115321" custScaleY="101657" custLinFactNeighborX="-3846" custLinFactNeighborY="1403">
+        <dgm:presLayoutVars>
+          <dgm:bulletEnabled val="1"/>
+        </dgm:presLayoutVars>
+      </dgm:prSet>
+      <dgm:spPr/>
+    </dgm:pt>
+    <dgm:pt modelId="{1F408289-98F9-0247-9A60-D7347BFB9038}" type="pres">
+      <dgm:prSet presAssocID="{B5D12AA6-2360-1340-9D89-8E69FD05E544}" presName="sibTrans" presStyleLbl="sibTrans2D1" presStyleIdx="1" presStyleCnt="3"/>
+      <dgm:spPr/>
+    </dgm:pt>
+    <dgm:pt modelId="{588FFF1C-E7E5-024E-9541-B98A58463A88}" type="pres">
+      <dgm:prSet presAssocID="{B5D12AA6-2360-1340-9D89-8E69FD05E544}" presName="connectorText" presStyleLbl="sibTrans2D1" presStyleIdx="1" presStyleCnt="3"/>
+      <dgm:spPr/>
+    </dgm:pt>
+    <dgm:pt modelId="{678C1A8A-62CD-564E-A0E4-087AE10A7044}" type="pres">
+      <dgm:prSet presAssocID="{D137FE1E-3EBE-AB45-9C53-3922B7B2B7F7}" presName="node" presStyleLbl="node1" presStyleIdx="2" presStyleCnt="4" custScaleX="154089">
+        <dgm:presLayoutVars>
+          <dgm:bulletEnabled val="1"/>
+        </dgm:presLayoutVars>
+      </dgm:prSet>
+      <dgm:spPr/>
+    </dgm:pt>
+    <dgm:pt modelId="{76836244-B1FA-E64C-8D7C-52B430FA9DE9}" type="pres">
+      <dgm:prSet presAssocID="{EFBCFEDD-D8CC-254A-8FE2-3571E89375D5}" presName="sibTrans" presStyleLbl="sibTrans2D1" presStyleIdx="2" presStyleCnt="3"/>
+      <dgm:spPr/>
+    </dgm:pt>
+    <dgm:pt modelId="{3D693489-95CF-0742-B0E0-A5562B12C0C5}" type="pres">
+      <dgm:prSet presAssocID="{EFBCFEDD-D8CC-254A-8FE2-3571E89375D5}" presName="connectorText" presStyleLbl="sibTrans2D1" presStyleIdx="2" presStyleCnt="3"/>
+      <dgm:spPr/>
+    </dgm:pt>
+    <dgm:pt modelId="{DCD37943-D114-6048-92BE-93F81FED43F0}" type="pres">
+      <dgm:prSet presAssocID="{7EA808C1-C935-4047-A939-084E2C1D23CC}" presName="node" presStyleLbl="node1" presStyleIdx="3" presStyleCnt="4">
+        <dgm:presLayoutVars>
+          <dgm:bulletEnabled val="1"/>
+        </dgm:presLayoutVars>
+      </dgm:prSet>
+      <dgm:spPr/>
+    </dgm:pt>
+  </dgm:ptLst>
+  <dgm:cxnLst>
+    <dgm:cxn modelId="{03693816-9E6C-FD47-ADDA-4C699B9B49FD}" type="presOf" srcId="{EFBCFEDD-D8CC-254A-8FE2-3571E89375D5}" destId="{3D693489-95CF-0742-B0E0-A5562B12C0C5}" srcOrd="1" destOrd="0" presId="urn:microsoft.com/office/officeart/2005/8/layout/process1"/>
+    <dgm:cxn modelId="{9998E33D-7A18-6243-A62D-D5E98D0B004B}" type="presOf" srcId="{5E3925D1-68CB-EA40-99C3-AB97ED7B4862}" destId="{F7B99954-9F84-9740-9A3E-C33C2263CBE2}" srcOrd="0" destOrd="0" presId="urn:microsoft.com/office/officeart/2005/8/layout/process1"/>
+    <dgm:cxn modelId="{B19DAB63-9979-D944-B3FD-D7AEC2DD5827}" type="presOf" srcId="{B5D12AA6-2360-1340-9D89-8E69FD05E544}" destId="{1F408289-98F9-0247-9A60-D7347BFB9038}" srcOrd="0" destOrd="0" presId="urn:microsoft.com/office/officeart/2005/8/layout/process1"/>
+    <dgm:cxn modelId="{D166EE6A-FC15-CA47-8047-12820E2BFB42}" type="presOf" srcId="{84FBB351-3DED-C04C-B00F-E4AF02D04842}" destId="{B4B94EB6-9C26-F644-BFA6-78118C1F6EAA}" srcOrd="0" destOrd="0" presId="urn:microsoft.com/office/officeart/2005/8/layout/process1"/>
+    <dgm:cxn modelId="{1847D56B-CF96-074E-BBBE-6EEAF41481BE}" srcId="{84FBB351-3DED-C04C-B00F-E4AF02D04842}" destId="{5F7381F7-8466-5848-82CF-7C1F0056BD16}" srcOrd="1" destOrd="0" parTransId="{03CDC7B2-8766-CD42-B106-39AF57140A0C}" sibTransId="{B5D12AA6-2360-1340-9D89-8E69FD05E544}"/>
+    <dgm:cxn modelId="{CD945C6F-46EF-1E4E-AD0F-E3B6E0500FC2}" srcId="{84FBB351-3DED-C04C-B00F-E4AF02D04842}" destId="{7EA808C1-C935-4047-A939-084E2C1D23CC}" srcOrd="3" destOrd="0" parTransId="{289B6535-1568-F549-83FC-30934014F39F}" sibTransId="{0E3A8242-616E-9A4D-85A0-D20BDFC05485}"/>
+    <dgm:cxn modelId="{39F46057-E1A4-B748-ABE3-0CF4D7B30606}" type="presOf" srcId="{D137FE1E-3EBE-AB45-9C53-3922B7B2B7F7}" destId="{678C1A8A-62CD-564E-A0E4-087AE10A7044}" srcOrd="0" destOrd="0" presId="urn:microsoft.com/office/officeart/2005/8/layout/process1"/>
+    <dgm:cxn modelId="{05144C5A-A072-8548-9381-FA523CA46B61}" type="presOf" srcId="{CBDD9CC7-6ABD-9043-9884-6420DBFCD1B7}" destId="{5DE9E2CB-0699-B541-80C9-452A42EE0882}" srcOrd="1" destOrd="0" presId="urn:microsoft.com/office/officeart/2005/8/layout/process1"/>
+    <dgm:cxn modelId="{B558FA86-B58A-7F4E-942A-2D212F3C807A}" type="presOf" srcId="{5F7381F7-8466-5848-82CF-7C1F0056BD16}" destId="{709684BE-387E-924A-8092-2BEB6DA37DA1}" srcOrd="0" destOrd="0" presId="urn:microsoft.com/office/officeart/2005/8/layout/process1"/>
+    <dgm:cxn modelId="{8AFC288D-90F7-8A45-BCE6-AC1E0B9BC777}" type="presOf" srcId="{EFBCFEDD-D8CC-254A-8FE2-3571E89375D5}" destId="{76836244-B1FA-E64C-8D7C-52B430FA9DE9}" srcOrd="0" destOrd="0" presId="urn:microsoft.com/office/officeart/2005/8/layout/process1"/>
+    <dgm:cxn modelId="{66DD829F-4FC7-ED4E-98EB-75FD2E78ED0E}" type="presOf" srcId="{7EA808C1-C935-4047-A939-084E2C1D23CC}" destId="{DCD37943-D114-6048-92BE-93F81FED43F0}" srcOrd="0" destOrd="0" presId="urn:microsoft.com/office/officeart/2005/8/layout/process1"/>
+    <dgm:cxn modelId="{E3DD3CA9-9A6C-4140-AE49-73BC8CA168CC}" srcId="{84FBB351-3DED-C04C-B00F-E4AF02D04842}" destId="{D137FE1E-3EBE-AB45-9C53-3922B7B2B7F7}" srcOrd="2" destOrd="0" parTransId="{17608AD4-2D50-C14D-B925-DBD99E9D69D6}" sibTransId="{EFBCFEDD-D8CC-254A-8FE2-3571E89375D5}"/>
+    <dgm:cxn modelId="{FD447CCF-4976-344E-A518-DC3D192E91E4}" srcId="{84FBB351-3DED-C04C-B00F-E4AF02D04842}" destId="{5E3925D1-68CB-EA40-99C3-AB97ED7B4862}" srcOrd="0" destOrd="0" parTransId="{905559B8-26F5-7543-9D59-44C683EA12F8}" sibTransId="{CBDD9CC7-6ABD-9043-9884-6420DBFCD1B7}"/>
+    <dgm:cxn modelId="{A5A959DD-BA83-EB4A-8C73-A3599B72B060}" type="presOf" srcId="{B5D12AA6-2360-1340-9D89-8E69FD05E544}" destId="{588FFF1C-E7E5-024E-9541-B98A58463A88}" srcOrd="1" destOrd="0" presId="urn:microsoft.com/office/officeart/2005/8/layout/process1"/>
+    <dgm:cxn modelId="{F11063F2-E0A5-9948-8E73-AA136D17A992}" type="presOf" srcId="{CBDD9CC7-6ABD-9043-9884-6420DBFCD1B7}" destId="{828FB26D-D85D-5948-AE31-386246DCE277}" srcOrd="0" destOrd="0" presId="urn:microsoft.com/office/officeart/2005/8/layout/process1"/>
+    <dgm:cxn modelId="{AEE48911-EFA5-B241-8AD2-6C408D5F09EE}" type="presParOf" srcId="{B4B94EB6-9C26-F644-BFA6-78118C1F6EAA}" destId="{F7B99954-9F84-9740-9A3E-C33C2263CBE2}" srcOrd="0" destOrd="0" presId="urn:microsoft.com/office/officeart/2005/8/layout/process1"/>
+    <dgm:cxn modelId="{8E613D4B-8B7B-FC43-86D5-4116729B614E}" type="presParOf" srcId="{B4B94EB6-9C26-F644-BFA6-78118C1F6EAA}" destId="{828FB26D-D85D-5948-AE31-386246DCE277}" srcOrd="1" destOrd="0" presId="urn:microsoft.com/office/officeart/2005/8/layout/process1"/>
+    <dgm:cxn modelId="{FCF08ABF-B646-0043-BC41-00AF858BB0D7}" type="presParOf" srcId="{828FB26D-D85D-5948-AE31-386246DCE277}" destId="{5DE9E2CB-0699-B541-80C9-452A42EE0882}" srcOrd="0" destOrd="0" presId="urn:microsoft.com/office/officeart/2005/8/layout/process1"/>
+    <dgm:cxn modelId="{EB8F0FC9-E882-D84A-A72B-6E65CB14229D}" type="presParOf" srcId="{B4B94EB6-9C26-F644-BFA6-78118C1F6EAA}" destId="{709684BE-387E-924A-8092-2BEB6DA37DA1}" srcOrd="2" destOrd="0" presId="urn:microsoft.com/office/officeart/2005/8/layout/process1"/>
+    <dgm:cxn modelId="{277BDE9C-6715-D240-987B-01DB62CC65E1}" type="presParOf" srcId="{B4B94EB6-9C26-F644-BFA6-78118C1F6EAA}" destId="{1F408289-98F9-0247-9A60-D7347BFB9038}" srcOrd="3" destOrd="0" presId="urn:microsoft.com/office/officeart/2005/8/layout/process1"/>
+    <dgm:cxn modelId="{BDDF21CE-E5D6-1E40-AD79-1A6CEA2ACB90}" type="presParOf" srcId="{1F408289-98F9-0247-9A60-D7347BFB9038}" destId="{588FFF1C-E7E5-024E-9541-B98A58463A88}" srcOrd="0" destOrd="0" presId="urn:microsoft.com/office/officeart/2005/8/layout/process1"/>
+    <dgm:cxn modelId="{EF390A93-6FA8-3D46-9156-02BF5892FF6B}" type="presParOf" srcId="{B4B94EB6-9C26-F644-BFA6-78118C1F6EAA}" destId="{678C1A8A-62CD-564E-A0E4-087AE10A7044}" srcOrd="4" destOrd="0" presId="urn:microsoft.com/office/officeart/2005/8/layout/process1"/>
+    <dgm:cxn modelId="{A34D1FF7-B131-1B47-989A-8EC35F4B2162}" type="presParOf" srcId="{B4B94EB6-9C26-F644-BFA6-78118C1F6EAA}" destId="{76836244-B1FA-E64C-8D7C-52B430FA9DE9}" srcOrd="5" destOrd="0" presId="urn:microsoft.com/office/officeart/2005/8/layout/process1"/>
+    <dgm:cxn modelId="{4D0BA144-9898-1346-9ADE-91BF61DEA27D}" type="presParOf" srcId="{76836244-B1FA-E64C-8D7C-52B430FA9DE9}" destId="{3D693489-95CF-0742-B0E0-A5562B12C0C5}" srcOrd="0" destOrd="0" presId="urn:microsoft.com/office/officeart/2005/8/layout/process1"/>
+    <dgm:cxn modelId="{A762B6FC-B02C-B544-8322-13DBDAD583EB}" type="presParOf" srcId="{B4B94EB6-9C26-F644-BFA6-78118C1F6EAA}" destId="{DCD37943-D114-6048-92BE-93F81FED43F0}" srcOrd="6" destOrd="0" presId="urn:microsoft.com/office/officeart/2005/8/layout/process1"/>
+  </dgm:cxnLst>
+  <dgm:bg/>
+  <dgm:whole/>
+  <dgm:extLst>
+    <a:ext uri="http://schemas.microsoft.com/office/drawing/2008/diagram">
+      <dsp:dataModelExt xmlns:dsp="http://schemas.microsoft.com/office/drawing/2008/diagram" relId="rId6" minVer="http://schemas.openxmlformats.org/drawingml/2006/diagram"/>
+    </a:ext>
+  </dgm:extLst>
+</dgm:dataModel>
+</file>
+
+<file path=ppt/diagrams/drawing1.xml><?xml version="1.0" encoding="utf-8"?>
+<dsp:drawing xmlns:dgm="http://schemas.openxmlformats.org/drawingml/2006/diagram" xmlns:dsp="http://schemas.microsoft.com/office/drawing/2008/diagram" xmlns:a="http://schemas.openxmlformats.org/drawingml/2006/main">
+  <dsp:spTree>
+    <dsp:nvGrpSpPr>
+      <dsp:cNvPr id="0" name=""/>
+      <dsp:cNvGrpSpPr/>
+    </dsp:nvGrpSpPr>
+    <dsp:grpSpPr/>
+    <dsp:sp modelId="{F7B99954-9F84-9740-9A3E-C33C2263CBE2}">
+      <dsp:nvSpPr>
+        <dsp:cNvPr id="0" name=""/>
+        <dsp:cNvSpPr/>
+      </dsp:nvSpPr>
+      <dsp:spPr>
+        <a:xfrm>
+          <a:off x="11651" y="1369176"/>
+          <a:ext cx="1702566" cy="1022538"/>
+        </a:xfrm>
+        <a:prstGeom prst="roundRect">
+          <a:avLst>
+            <a:gd name="adj" fmla="val 10000"/>
+          </a:avLst>
+        </a:prstGeom>
+        <a:solidFill>
+          <a:schemeClr val="accent4">
+            <a:hueOff val="0"/>
+            <a:satOff val="0"/>
+            <a:lumOff val="0"/>
+            <a:alphaOff val="0"/>
+          </a:schemeClr>
+        </a:solidFill>
+        <a:ln w="15875" cap="flat" cmpd="sng" algn="ctr">
+          <a:solidFill>
+            <a:schemeClr val="lt1">
+              <a:hueOff val="0"/>
+              <a:satOff val="0"/>
+              <a:lumOff val="0"/>
+              <a:alphaOff val="0"/>
+            </a:schemeClr>
+          </a:solidFill>
+          <a:prstDash val="solid"/>
+        </a:ln>
+        <a:effectLst/>
+      </dsp:spPr>
+      <dsp:style>
+        <a:lnRef idx="2">
+          <a:scrgbClr r="0" g="0" b="0"/>
+        </a:lnRef>
+        <a:fillRef idx="1">
+          <a:scrgbClr r="0" g="0" b="0"/>
+        </a:fillRef>
+        <a:effectRef idx="0">
+          <a:scrgbClr r="0" g="0" b="0"/>
+        </a:effectRef>
+        <a:fontRef idx="minor">
+          <a:schemeClr val="lt1"/>
+        </a:fontRef>
+      </dsp:style>
+      <dsp:txBody>
+        <a:bodyPr spcFirstLastPara="0" vert="horz" wrap="square" lIns="68580" tIns="68580" rIns="68580" bIns="68580" numCol="1" spcCol="1270" anchor="ctr" anchorCtr="0">
+          <a:noAutofit/>
+        </a:bodyPr>
+        <a:lstStyle/>
+        <a:p>
+          <a:pPr marL="0" lvl="0" indent="0" algn="ctr" defTabSz="800100">
+            <a:lnSpc>
+              <a:spcPct val="90000"/>
+            </a:lnSpc>
+            <a:spcBef>
+              <a:spcPct val="0"/>
+            </a:spcBef>
+            <a:spcAft>
+              <a:spcPct val="35000"/>
+            </a:spcAft>
+            <a:buNone/>
+          </a:pPr>
+          <a:r>
+            <a:rPr lang="de-DE" sz="1800" kern="1200" dirty="0"/>
+            <a:t>Datenquelle</a:t>
+          </a:r>
+        </a:p>
+      </dsp:txBody>
+      <dsp:txXfrm>
+        <a:off x="41600" y="1399125"/>
+        <a:ext cx="1642668" cy="962640"/>
+      </dsp:txXfrm>
+    </dsp:sp>
+    <dsp:sp modelId="{828FB26D-D85D-5948-AE31-386246DCE277}">
+      <dsp:nvSpPr>
+        <dsp:cNvPr id="0" name=""/>
+        <dsp:cNvSpPr/>
+      </dsp:nvSpPr>
+      <dsp:spPr>
+        <a:xfrm rot="19824">
+          <a:off x="1877923" y="1676180"/>
+          <a:ext cx="347067" cy="422236"/>
+        </a:xfrm>
+        <a:prstGeom prst="rightArrow">
+          <a:avLst>
+            <a:gd name="adj1" fmla="val 60000"/>
+            <a:gd name="adj2" fmla="val 50000"/>
+          </a:avLst>
+        </a:prstGeom>
+        <a:solidFill>
+          <a:schemeClr val="accent4">
+            <a:tint val="60000"/>
+            <a:hueOff val="0"/>
+            <a:satOff val="0"/>
+            <a:lumOff val="0"/>
+            <a:alphaOff val="0"/>
+          </a:schemeClr>
+        </a:solidFill>
+        <a:ln>
+          <a:noFill/>
+        </a:ln>
+        <a:effectLst/>
+      </dsp:spPr>
+      <dsp:style>
+        <a:lnRef idx="0">
+          <a:scrgbClr r="0" g="0" b="0"/>
+        </a:lnRef>
+        <a:fillRef idx="1">
+          <a:scrgbClr r="0" g="0" b="0"/>
+        </a:fillRef>
+        <a:effectRef idx="0">
+          <a:scrgbClr r="0" g="0" b="0"/>
+        </a:effectRef>
+        <a:fontRef idx="minor">
+          <a:schemeClr val="lt1"/>
+        </a:fontRef>
+      </dsp:style>
+      <dsp:txBody>
+        <a:bodyPr spcFirstLastPara="0" vert="horz" wrap="square" lIns="0" tIns="0" rIns="0" bIns="0" numCol="1" spcCol="1270" anchor="ctr" anchorCtr="0">
+          <a:noAutofit/>
+        </a:bodyPr>
+        <a:lstStyle/>
+        <a:p>
+          <a:pPr marL="0" lvl="0" indent="0" algn="ctr" defTabSz="800100">
+            <a:lnSpc>
+              <a:spcPct val="90000"/>
+            </a:lnSpc>
+            <a:spcBef>
+              <a:spcPct val="0"/>
+            </a:spcBef>
+            <a:spcAft>
+              <a:spcPct val="35000"/>
+            </a:spcAft>
+            <a:buNone/>
+          </a:pPr>
+          <a:endParaRPr lang="de-DE" sz="1800" kern="1200"/>
+        </a:p>
+      </dsp:txBody>
+      <dsp:txXfrm>
+        <a:off x="1877924" y="1760327"/>
+        <a:ext cx="242947" cy="253342"/>
+      </dsp:txXfrm>
+    </dsp:sp>
+    <dsp:sp modelId="{709684BE-387E-924A-8092-2BEB6DA37DA1}">
+      <dsp:nvSpPr>
+        <dsp:cNvPr id="0" name=""/>
+        <dsp:cNvSpPr/>
+      </dsp:nvSpPr>
+      <dsp:spPr>
+        <a:xfrm>
+          <a:off x="2369052" y="1375050"/>
+          <a:ext cx="1963416" cy="1039481"/>
+        </a:xfrm>
+        <a:prstGeom prst="roundRect">
+          <a:avLst>
+            <a:gd name="adj" fmla="val 10000"/>
+          </a:avLst>
+        </a:prstGeom>
+        <a:solidFill>
+          <a:schemeClr val="accent4">
+            <a:hueOff val="0"/>
+            <a:satOff val="0"/>
+            <a:lumOff val="0"/>
+            <a:alphaOff val="0"/>
+          </a:schemeClr>
+        </a:solidFill>
+        <a:ln w="15875" cap="flat" cmpd="sng" algn="ctr">
+          <a:solidFill>
+            <a:schemeClr val="lt1">
+              <a:hueOff val="0"/>
+              <a:satOff val="0"/>
+              <a:lumOff val="0"/>
+              <a:alphaOff val="0"/>
+            </a:schemeClr>
+          </a:solidFill>
+          <a:prstDash val="solid"/>
+        </a:ln>
+        <a:effectLst/>
+      </dsp:spPr>
+      <dsp:style>
+        <a:lnRef idx="2">
+          <a:scrgbClr r="0" g="0" b="0"/>
+        </a:lnRef>
+        <a:fillRef idx="1">
+          <a:scrgbClr r="0" g="0" b="0"/>
+        </a:fillRef>
+        <a:effectRef idx="0">
+          <a:scrgbClr r="0" g="0" b="0"/>
+        </a:effectRef>
+        <a:fontRef idx="minor">
+          <a:schemeClr val="lt1"/>
+        </a:fontRef>
+      </dsp:style>
+      <dsp:txBody>
+        <a:bodyPr spcFirstLastPara="0" vert="horz" wrap="square" lIns="68580" tIns="68580" rIns="68580" bIns="68580" numCol="1" spcCol="1270" anchor="ctr" anchorCtr="0">
+          <a:noAutofit/>
+        </a:bodyPr>
+        <a:lstStyle/>
+        <a:p>
+          <a:pPr marL="0" lvl="0" indent="0" algn="ctr" defTabSz="800100">
+            <a:lnSpc>
+              <a:spcPct val="90000"/>
+            </a:lnSpc>
+            <a:spcBef>
+              <a:spcPct val="0"/>
+            </a:spcBef>
+            <a:spcAft>
+              <a:spcPct val="35000"/>
+            </a:spcAft>
+            <a:buNone/>
+          </a:pPr>
+          <a:r>
+            <a:rPr lang="de-DE" sz="1800" kern="1200" dirty="0"/>
+            <a:t>Cluster in Docker </a:t>
+          </a:r>
+          <a:endParaRPr lang="de-AT" sz="1800" kern="1200" dirty="0"/>
+        </a:p>
+      </dsp:txBody>
+      <dsp:txXfrm>
+        <a:off x="2399497" y="1405495"/>
+        <a:ext cx="1902526" cy="978591"/>
+      </dsp:txXfrm>
+    </dsp:sp>
+    <dsp:sp modelId="{1F408289-98F9-0247-9A60-D7347BFB9038}">
+      <dsp:nvSpPr>
+        <dsp:cNvPr id="0" name=""/>
+        <dsp:cNvSpPr/>
+      </dsp:nvSpPr>
+      <dsp:spPr>
+        <a:xfrm rot="21583564">
+          <a:off x="4509271" y="1677238"/>
+          <a:ext cx="374830" cy="422236"/>
+        </a:xfrm>
+        <a:prstGeom prst="rightArrow">
+          <a:avLst>
+            <a:gd name="adj1" fmla="val 60000"/>
+            <a:gd name="adj2" fmla="val 50000"/>
+          </a:avLst>
+        </a:prstGeom>
+        <a:solidFill>
+          <a:schemeClr val="accent4">
+            <a:tint val="60000"/>
+            <a:hueOff val="0"/>
+            <a:satOff val="0"/>
+            <a:lumOff val="0"/>
+            <a:alphaOff val="0"/>
+          </a:schemeClr>
+        </a:solidFill>
+        <a:ln>
+          <a:noFill/>
+        </a:ln>
+        <a:effectLst/>
+      </dsp:spPr>
+      <dsp:style>
+        <a:lnRef idx="0">
+          <a:scrgbClr r="0" g="0" b="0"/>
+        </a:lnRef>
+        <a:fillRef idx="1">
+          <a:scrgbClr r="0" g="0" b="0"/>
+        </a:fillRef>
+        <a:effectRef idx="0">
+          <a:scrgbClr r="0" g="0" b="0"/>
+        </a:effectRef>
+        <a:fontRef idx="minor">
+          <a:schemeClr val="lt1"/>
+        </a:fontRef>
+      </dsp:style>
+      <dsp:txBody>
+        <a:bodyPr spcFirstLastPara="0" vert="horz" wrap="square" lIns="0" tIns="0" rIns="0" bIns="0" numCol="1" spcCol="1270" anchor="ctr" anchorCtr="0">
+          <a:noAutofit/>
+        </a:bodyPr>
+        <a:lstStyle/>
+        <a:p>
+          <a:pPr marL="0" lvl="0" indent="0" algn="ctr" defTabSz="800100">
+            <a:lnSpc>
+              <a:spcPct val="90000"/>
+            </a:lnSpc>
+            <a:spcBef>
+              <a:spcPct val="0"/>
+            </a:spcBef>
+            <a:spcAft>
+              <a:spcPct val="35000"/>
+            </a:spcAft>
+            <a:buNone/>
+          </a:pPr>
+          <a:endParaRPr lang="de-DE" sz="1800" kern="1200"/>
+        </a:p>
+      </dsp:txBody>
+      <dsp:txXfrm>
+        <a:off x="4509272" y="1761954"/>
+        <a:ext cx="262381" cy="253342"/>
+      </dsp:txXfrm>
+    </dsp:sp>
+    <dsp:sp modelId="{678C1A8A-62CD-564E-A0E4-087AE10A7044}">
+      <dsp:nvSpPr>
+        <dsp:cNvPr id="0" name=""/>
+        <dsp:cNvSpPr/>
+      </dsp:nvSpPr>
+      <dsp:spPr>
+        <a:xfrm>
+          <a:off x="5039687" y="1369176"/>
+          <a:ext cx="2623467" cy="1022538"/>
+        </a:xfrm>
+        <a:prstGeom prst="roundRect">
+          <a:avLst>
+            <a:gd name="adj" fmla="val 10000"/>
+          </a:avLst>
+        </a:prstGeom>
+        <a:solidFill>
+          <a:schemeClr val="accent4">
+            <a:hueOff val="0"/>
+            <a:satOff val="0"/>
+            <a:lumOff val="0"/>
+            <a:alphaOff val="0"/>
+          </a:schemeClr>
+        </a:solidFill>
+        <a:ln w="15875" cap="flat" cmpd="sng" algn="ctr">
+          <a:solidFill>
+            <a:schemeClr val="lt1">
+              <a:hueOff val="0"/>
+              <a:satOff val="0"/>
+              <a:lumOff val="0"/>
+              <a:alphaOff val="0"/>
+            </a:schemeClr>
+          </a:solidFill>
+          <a:prstDash val="solid"/>
+        </a:ln>
+        <a:effectLst/>
+      </dsp:spPr>
+      <dsp:style>
+        <a:lnRef idx="2">
+          <a:scrgbClr r="0" g="0" b="0"/>
+        </a:lnRef>
+        <a:fillRef idx="1">
+          <a:scrgbClr r="0" g="0" b="0"/>
+        </a:fillRef>
+        <a:effectRef idx="0">
+          <a:scrgbClr r="0" g="0" b="0"/>
+        </a:effectRef>
+        <a:fontRef idx="minor">
+          <a:schemeClr val="lt1"/>
+        </a:fontRef>
+      </dsp:style>
+      <dsp:txBody>
+        <a:bodyPr spcFirstLastPara="0" vert="horz" wrap="square" lIns="68580" tIns="68580" rIns="68580" bIns="68580" numCol="1" spcCol="1270" anchor="ctr" anchorCtr="0">
+          <a:noAutofit/>
+        </a:bodyPr>
+        <a:lstStyle/>
+        <a:p>
+          <a:pPr marL="0" lvl="0" indent="0" algn="ctr" defTabSz="800100">
+            <a:lnSpc>
+              <a:spcPct val="90000"/>
+            </a:lnSpc>
+            <a:spcBef>
+              <a:spcPct val="0"/>
+            </a:spcBef>
+            <a:spcAft>
+              <a:spcPct val="35000"/>
+            </a:spcAft>
+            <a:buNone/>
+          </a:pPr>
+          <a:r>
+            <a:rPr lang="de-DE" sz="1800" kern="1200" dirty="0"/>
+            <a:t>Spark SQL </a:t>
+          </a:r>
+          <a:br>
+            <a:rPr lang="de-DE" sz="1800" kern="1200" dirty="0"/>
+          </a:br>
+          <a:r>
+            <a:rPr lang="de-DE" sz="1800" kern="1200" dirty="0"/>
+            <a:t>(Filter, Aggregation..)</a:t>
+          </a:r>
+          <a:endParaRPr lang="de-AT" sz="1800" kern="1200" dirty="0"/>
+        </a:p>
+      </dsp:txBody>
+      <dsp:txXfrm>
+        <a:off x="5069636" y="1399125"/>
+        <a:ext cx="2563569" cy="962640"/>
+      </dsp:txXfrm>
+    </dsp:sp>
+    <dsp:sp modelId="{76836244-B1FA-E64C-8D7C-52B430FA9DE9}">
+      <dsp:nvSpPr>
+        <dsp:cNvPr id="0" name=""/>
+        <dsp:cNvSpPr/>
+      </dsp:nvSpPr>
+      <dsp:spPr>
+        <a:xfrm>
+          <a:off x="7833412" y="1669327"/>
+          <a:ext cx="360944" cy="422236"/>
+        </a:xfrm>
+        <a:prstGeom prst="rightArrow">
+          <a:avLst>
+            <a:gd name="adj1" fmla="val 60000"/>
+            <a:gd name="adj2" fmla="val 50000"/>
+          </a:avLst>
+        </a:prstGeom>
+        <a:solidFill>
+          <a:schemeClr val="accent4">
+            <a:tint val="60000"/>
+            <a:hueOff val="0"/>
+            <a:satOff val="0"/>
+            <a:lumOff val="0"/>
+            <a:alphaOff val="0"/>
+          </a:schemeClr>
+        </a:solidFill>
+        <a:ln>
+          <a:noFill/>
+        </a:ln>
+        <a:effectLst/>
+      </dsp:spPr>
+      <dsp:style>
+        <a:lnRef idx="0">
+          <a:scrgbClr r="0" g="0" b="0"/>
+        </a:lnRef>
+        <a:fillRef idx="1">
+          <a:scrgbClr r="0" g="0" b="0"/>
+        </a:fillRef>
+        <a:effectRef idx="0">
+          <a:scrgbClr r="0" g="0" b="0"/>
+        </a:effectRef>
+        <a:fontRef idx="minor">
+          <a:schemeClr val="lt1"/>
+        </a:fontRef>
+      </dsp:style>
+      <dsp:txBody>
+        <a:bodyPr spcFirstLastPara="0" vert="horz" wrap="square" lIns="0" tIns="0" rIns="0" bIns="0" numCol="1" spcCol="1270" anchor="ctr" anchorCtr="0">
+          <a:noAutofit/>
+        </a:bodyPr>
+        <a:lstStyle/>
+        <a:p>
+          <a:pPr marL="0" lvl="0" indent="0" algn="ctr" defTabSz="800100">
+            <a:lnSpc>
+              <a:spcPct val="90000"/>
+            </a:lnSpc>
+            <a:spcBef>
+              <a:spcPct val="0"/>
+            </a:spcBef>
+            <a:spcAft>
+              <a:spcPct val="35000"/>
+            </a:spcAft>
+            <a:buNone/>
+          </a:pPr>
+          <a:endParaRPr lang="de-DE" sz="1800" kern="1200"/>
+        </a:p>
+      </dsp:txBody>
+      <dsp:txXfrm>
+        <a:off x="7833412" y="1753774"/>
+        <a:ext cx="252661" cy="253342"/>
+      </dsp:txXfrm>
+    </dsp:sp>
+    <dsp:sp modelId="{DCD37943-D114-6048-92BE-93F81FED43F0}">
+      <dsp:nvSpPr>
+        <dsp:cNvPr id="0" name=""/>
+        <dsp:cNvSpPr/>
+      </dsp:nvSpPr>
+      <dsp:spPr>
+        <a:xfrm>
+          <a:off x="8344182" y="1369176"/>
+          <a:ext cx="1702566" cy="1022538"/>
+        </a:xfrm>
+        <a:prstGeom prst="roundRect">
+          <a:avLst>
+            <a:gd name="adj" fmla="val 10000"/>
+          </a:avLst>
+        </a:prstGeom>
+        <a:solidFill>
+          <a:schemeClr val="accent4">
+            <a:hueOff val="0"/>
+            <a:satOff val="0"/>
+            <a:lumOff val="0"/>
+            <a:alphaOff val="0"/>
+          </a:schemeClr>
+        </a:solidFill>
+        <a:ln w="15875" cap="flat" cmpd="sng" algn="ctr">
+          <a:solidFill>
+            <a:schemeClr val="lt1">
+              <a:hueOff val="0"/>
+              <a:satOff val="0"/>
+              <a:lumOff val="0"/>
+              <a:alphaOff val="0"/>
+            </a:schemeClr>
+          </a:solidFill>
+          <a:prstDash val="solid"/>
+        </a:ln>
+        <a:effectLst/>
+      </dsp:spPr>
+      <dsp:style>
+        <a:lnRef idx="2">
+          <a:scrgbClr r="0" g="0" b="0"/>
+        </a:lnRef>
+        <a:fillRef idx="1">
+          <a:scrgbClr r="0" g="0" b="0"/>
+        </a:fillRef>
+        <a:effectRef idx="0">
+          <a:scrgbClr r="0" g="0" b="0"/>
+        </a:effectRef>
+        <a:fontRef idx="minor">
+          <a:schemeClr val="lt1"/>
+        </a:fontRef>
+      </dsp:style>
+      <dsp:txBody>
+        <a:bodyPr spcFirstLastPara="0" vert="horz" wrap="square" lIns="68580" tIns="68580" rIns="68580" bIns="68580" numCol="1" spcCol="1270" anchor="ctr" anchorCtr="0">
+          <a:noAutofit/>
+        </a:bodyPr>
+        <a:lstStyle/>
+        <a:p>
+          <a:pPr marL="0" lvl="0" indent="0" algn="ctr" defTabSz="800100">
+            <a:lnSpc>
+              <a:spcPct val="90000"/>
+            </a:lnSpc>
+            <a:spcBef>
+              <a:spcPct val="0"/>
+            </a:spcBef>
+            <a:spcAft>
+              <a:spcPct val="35000"/>
+            </a:spcAft>
+            <a:buNone/>
+          </a:pPr>
+          <a:r>
+            <a:rPr lang="de-DE" sz="1800" kern="1200" dirty="0"/>
+            <a:t>PostgreSQL</a:t>
+          </a:r>
+        </a:p>
+      </dsp:txBody>
+      <dsp:txXfrm>
+        <a:off x="8374131" y="1399125"/>
+        <a:ext cx="1642668" cy="962640"/>
+      </dsp:txXfrm>
+    </dsp:sp>
+  </dsp:spTree>
+</dsp:drawing>
+</file>
+
+<file path=ppt/diagrams/layout1.xml><?xml version="1.0" encoding="utf-8"?>
+<dgm:layoutDef xmlns:dgm="http://schemas.openxmlformats.org/drawingml/2006/diagram" xmlns:a="http://schemas.openxmlformats.org/drawingml/2006/main" uniqueId="urn:microsoft.com/office/officeart/2005/8/layout/process1">
+  <dgm:title val=""/>
+  <dgm:desc val=""/>
+  <dgm:catLst>
+    <dgm:cat type="process" pri="1000"/>
+    <dgm:cat type="convert" pri="15000"/>
+  </dgm:catLst>
+  <dgm:sampData useDef="1">
+    <dgm:dataModel>
+      <dgm:ptLst/>
+      <dgm:bg/>
+      <dgm:whole/>
+    </dgm:dataModel>
+  </dgm:sampData>
+  <dgm:styleData>
+    <dgm:dataModel>
+      <dgm:ptLst>
+        <dgm:pt modelId="0" type="doc"/>
+        <dgm:pt modelId="1"/>
+        <dgm:pt modelId="2"/>
+      </dgm:ptLst>
+      <dgm:cxnLst>
+        <dgm:cxn modelId="3" srcId="0" destId="1" srcOrd="0" destOrd="0"/>
+        <dgm:cxn modelId="4" srcId="0" destId="2" srcOrd="1" destOrd="0"/>
+      </dgm:cxnLst>
+      <dgm:bg/>
+      <dgm:whole/>
+    </dgm:dataModel>
+  </dgm:styleData>
+  <dgm:clrData>
+    <dgm:dataModel>
+      <dgm:ptLst>
+        <dgm:pt modelId="0" type="doc"/>
+        <dgm:pt modelId="1"/>
+        <dgm:pt modelId="2"/>
+        <dgm:pt modelId="3"/>
+        <dgm:pt modelId="4"/>
+      </dgm:ptLst>
+      <dgm:cxnLst>
+        <dgm:cxn modelId="5" srcId="0" destId="1" srcOrd="0" destOrd="0"/>
+        <dgm:cxn modelId="6" srcId="0" destId="2" srcOrd="1" destOrd="0"/>
+        <dgm:cxn modelId="7" srcId="0" destId="3" srcOrd="2" destOrd="0"/>
+        <dgm:cxn modelId="8" srcId="0" destId="4" srcOrd="3" destOrd="0"/>
+      </dgm:cxnLst>
+      <dgm:bg/>
+      <dgm:whole/>
+    </dgm:dataModel>
+  </dgm:clrData>
+  <dgm:layoutNode name="Name0">
+    <dgm:varLst>
+      <dgm:dir/>
+      <dgm:resizeHandles val="exact"/>
+    </dgm:varLst>
+    <dgm:choose name="Name1">
+      <dgm:if name="Name2" func="var" arg="dir" op="equ" val="norm">
+        <dgm:alg type="lin"/>
+      </dgm:if>
+      <dgm:else name="Name3">
+        <dgm:alg type="lin">
+          <dgm:param type="linDir" val="fromR"/>
+        </dgm:alg>
+      </dgm:else>
+    </dgm:choose>
+    <dgm:shape xmlns:r="http://schemas.openxmlformats.org/officeDocument/2006/relationships" r:blip="">
+      <dgm:adjLst/>
+    </dgm:shape>
+    <dgm:presOf/>
+    <dgm:constrLst>
+      <dgm:constr type="w" for="ch" ptType="node" refType="w"/>
+      <dgm:constr type="h" for="ch" ptType="node" op="equ"/>
+      <dgm:constr type="primFontSz" for="ch" ptType="node" op="equ" val="65"/>
+      <dgm:constr type="w" for="ch" ptType="sibTrans" refType="w" refFor="ch" refPtType="node" op="equ" fact="0.4"/>
+      <dgm:constr type="h" for="ch" ptType="sibTrans" op="equ"/>
+      <dgm:constr type="primFontSz" for="des" forName="connectorText" op="equ" val="55"/>
+      <dgm:constr type="primFontSz" for="des" forName="connectorText" refType="primFontSz" refFor="ch" refPtType="node" op="lte" fact="0.8"/>
+    </dgm:constrLst>
+    <dgm:ruleLst/>
+    <dgm:forEach name="nodesForEach" axis="ch" ptType="node">
+      <dgm:layoutNode name="node">
+        <dgm:varLst>
+          <dgm:bulletEnabled val="1"/>
+        </dgm:varLst>
+        <dgm:alg type="tx"/>
+        <dgm:shape xmlns:r="http://schemas.openxmlformats.org/officeDocument/2006/relationships" type="roundRect" r:blip="">
+          <dgm:adjLst>
+            <dgm:adj idx="1" val="0.1"/>
+          </dgm:adjLst>
+        </dgm:shape>
+        <dgm:presOf axis="desOrSelf" ptType="node"/>
+        <dgm:constrLst>
+          <dgm:constr type="h" refType="w" fact="0.6"/>
+          <dgm:constr type="tMarg" refType="primFontSz" fact="0.3"/>
+          <dgm:constr type="bMarg" refType="primFontSz" fact="0.3"/>
+          <dgm:constr type="lMarg" refType="primFontSz" fact="0.3"/>
+          <dgm:constr type="rMarg" refType="primFontSz" fact="0.3"/>
+        </dgm:constrLst>
+        <dgm:ruleLst>
+          <dgm:rule type="primFontSz" val="18" fact="NaN" max="NaN"/>
+          <dgm:rule type="h" val="NaN" fact="1.5" max="NaN"/>
+          <dgm:rule type="primFontSz" val="5" fact="NaN" max="NaN"/>
+          <dgm:rule type="h" val="INF" fact="NaN" max="NaN"/>
+        </dgm:ruleLst>
+      </dgm:layoutNode>
+      <dgm:forEach name="sibTransForEach" axis="followSib" ptType="sibTrans" cnt="1">
+        <dgm:layoutNode name="sibTrans">
+          <dgm:alg type="conn">
+            <dgm:param type="begPts" val="auto"/>
+            <dgm:param type="endPts" val="auto"/>
+          </dgm:alg>
+          <dgm:shape xmlns:r="http://schemas.openxmlformats.org/officeDocument/2006/relationships" type="conn" r:blip="">
+            <dgm:adjLst/>
+          </dgm:shape>
+          <dgm:presOf axis="self"/>
+          <dgm:constrLst>
+            <dgm:constr type="h" refType="w" fact="0.62"/>
+            <dgm:constr type="connDist"/>
+            <dgm:constr type="begPad" refType="connDist" fact="0.25"/>
+            <dgm:constr type="endPad" refType="connDist" fact="0.22"/>
+          </dgm:constrLst>
+          <dgm:ruleLst/>
+          <dgm:layoutNode name="connectorText">
+            <dgm:alg type="tx">
+              <dgm:param type="autoTxRot" val="grav"/>
+            </dgm:alg>
+            <dgm:shape xmlns:r="http://schemas.openxmlformats.org/officeDocument/2006/relationships" type="conn" r:blip="" hideGeom="1">
+              <dgm:adjLst/>
+            </dgm:shape>
+            <dgm:presOf axis="self"/>
+            <dgm:constrLst>
+              <dgm:constr type="lMarg"/>
+              <dgm:constr type="rMarg"/>
+              <dgm:constr type="tMarg"/>
+              <dgm:constr type="bMarg"/>
+            </dgm:constrLst>
+            <dgm:ruleLst>
+              <dgm:rule type="primFontSz" val="5" fact="NaN" max="NaN"/>
+            </dgm:ruleLst>
+          </dgm:layoutNode>
+        </dgm:layoutNode>
+      </dgm:forEach>
+    </dgm:forEach>
+  </dgm:layoutNode>
+</dgm:layoutDef>
+</file>
+
+<file path=ppt/diagrams/quickStyle1.xml><?xml version="1.0" encoding="utf-8"?>
+<dgm:styleDef xmlns:dgm="http://schemas.openxmlformats.org/drawingml/2006/diagram" xmlns:a="http://schemas.openxmlformats.org/drawingml/2006/main" uniqueId="urn:microsoft.com/office/officeart/2005/8/quickstyle/simple1">
+  <dgm:title val=""/>
+  <dgm:desc val=""/>
+  <dgm:catLst>
+    <dgm:cat type="simple" pri="10100"/>
+  </dgm:catLst>
+  <dgm:scene3d>
+    <a:camera prst="orthographicFront"/>
+    <a:lightRig rig="threePt" dir="t"/>
+  </dgm:scene3d>
+  <dgm:styleLbl name="node0">
+    <dgm:scene3d>
+      <a:camera prst="orthographicFront"/>
+      <a:lightRig rig="threePt" dir="t"/>
+    </dgm:scene3d>
+    <dgm:sp3d/>
+    <dgm:txPr/>
+    <dgm:style>
+      <a:lnRef idx="2">
+        <a:scrgbClr r="0" g="0" b="0"/>
+      </a:lnRef>
+      <a:fillRef idx="1">
+        <a:scrgbClr r="0" g="0" b="0"/>
+      </a:fillRef>
+      <a:effectRef idx="0">
+        <a:scrgbClr r="0" g="0" b="0"/>
+      </a:effectRef>
+      <a:fontRef idx="minor">
+        <a:schemeClr val="lt1"/>
+      </a:fontRef>
+    </dgm:style>
+  </dgm:styleLbl>
+  <dgm:styleLbl name="lnNode1">
+    <dgm:scene3d>
+      <a:camera prst="orthographicFront"/>
+      <a:lightRig rig="threePt" dir="t"/>
+    </dgm:scene3d>
+    <dgm:sp3d/>
+    <dgm:txPr/>
+    <dgm:style>
+      <a:lnRef idx="2">
+        <a:scrgbClr r="0" g="0" b="0"/>
+      </a:lnRef>
+      <a:fillRef idx="1">
+        <a:scrgbClr r="0" g="0" b="0"/>
+      </a:fillRef>
+      <a:effectRef idx="0">
+        <a:scrgbClr r="0" g="0" b="0"/>
+      </a:effectRef>
+      <a:fontRef idx="minor">
+        <a:schemeClr val="lt1"/>
+      </a:fontRef>
+    </dgm:style>
+  </dgm:styleLbl>
+  <dgm:styleLbl name="vennNode1">
+    <dgm:scene3d>
+      <a:camera prst="orthographicFront"/>
+      <a:lightRig rig="threePt" dir="t"/>
+    </dgm:scene3d>
+    <dgm:sp3d/>
+    <dgm:txPr/>
+    <dgm:style>
+      <a:lnRef idx="2">
+        <a:scrgbClr r="0" g="0" b="0"/>
+      </a:lnRef>
+      <a:fillRef idx="1">
+        <a:scrgbClr r="0" g="0" b="0"/>
+      </a:fillRef>
+      <a:effectRef idx="0">
+        <a:scrgbClr r="0" g="0" b="0"/>
+      </a:effectRef>
+      <a:fontRef idx="minor">
+        <a:schemeClr val="tx1"/>
+      </a:fontRef>
+    </dgm:style>
+  </dgm:styleLbl>
+  <dgm:styleLbl name="alignNode1">
+    <dgm:scene3d>
+      <a:camera prst="orthographicFront"/>
+      <a:lightRig rig="threePt" dir="t"/>
+    </dgm:scene3d>
+    <dgm:sp3d/>
+    <dgm:txPr/>
+    <dgm:style>
+      <a:lnRef idx="2">
+        <a:scrgbClr r="0" g="0" b="0"/>
+      </a:lnRef>
+      <a:fillRef idx="1">
+        <a:scrgbClr r="0" g="0" b="0"/>
+      </a:fillRef>
+      <a:effectRef idx="0">
+        <a:scrgbClr r="0" g="0" b="0"/>
+      </a:effectRef>
+      <a:fontRef idx="minor">
+        <a:schemeClr val="lt1"/>
+      </a:fontRef>
+    </dgm:style>
+  </dgm:styleLbl>
+  <dgm:styleLbl name="node1">
+    <dgm:scene3d>
+      <a:camera prst="orthographicFront"/>
+      <a:lightRig rig="threePt" dir="t"/>
+    </dgm:scene3d>
+    <dgm:sp3d/>
+    <dgm:txPr/>
+    <dgm:style>
+      <a:lnRef idx="2">
+        <a:scrgbClr r="0" g="0" b="0"/>
+      </a:lnRef>
+      <a:fillRef idx="1">
+        <a:scrgbClr r="0" g="0" b="0"/>
+      </a:fillRef>
+      <a:effectRef idx="0">
+        <a:scrgbClr r="0" g="0" b="0"/>
+      </a:effectRef>
+      <a:fontRef idx="minor">
+        <a:schemeClr val="lt1"/>
+      </a:fontRef>
+    </dgm:style>
+  </dgm:styleLbl>
+  <dgm:styleLbl name="node2">
+    <dgm:scene3d>
+      <a:camera prst="orthographicFront"/>
+      <a:lightRig rig="threePt" dir="t"/>
+    </dgm:scene3d>
+    <dgm:sp3d/>
+    <dgm:txPr/>
+    <dgm:style>
+      <a:lnRef idx="2">
+        <a:scrgbClr r="0" g="0" b="0"/>
+      </a:lnRef>
+      <a:fillRef idx="1">
+        <a:scrgbClr r="0" g="0" b="0"/>
+      </a:fillRef>
+      <a:effectRef idx="0">
+        <a:scrgbClr r="0" g="0" b="0"/>
+      </a:effectRef>
+      <a:fontRef idx="minor">
+        <a:schemeClr val="lt1"/>
+      </a:fontRef>
+    </dgm:style>
+  </dgm:styleLbl>
+  <dgm:styleLbl name="node3">
+    <dgm:scene3d>
+      <a:camera prst="orthographicFront"/>
+      <a:lightRig rig="threePt" dir="t"/>
+    </dgm:scene3d>
+    <dgm:sp3d/>
+    <dgm:txPr/>
+    <dgm:style>
+      <a:lnRef idx="2">
+        <a:scrgbClr r="0" g="0" b="0"/>
+      </a:lnRef>
+      <a:fillRef idx="1">
+        <a:scrgbClr r="0" g="0" b="0"/>
+      </a:fillRef>
+      <a:effectRef idx="0">
+        <a:scrgbClr r="0" g="0" b="0"/>
+      </a:effectRef>
+      <a:fontRef idx="minor">
+        <a:schemeClr val="lt1"/>
+      </a:fontRef>
+    </dgm:style>
+  </dgm:styleLbl>
+  <dgm:styleLbl name="node4">
+    <dgm:scene3d>
+      <a:camera prst="orthographicFront"/>
+      <a:lightRig rig="threePt" dir="t"/>
+    </dgm:scene3d>
+    <dgm:sp3d/>
+    <dgm:txPr/>
+    <dgm:style>
+      <a:lnRef idx="2">
+        <a:scrgbClr r="0" g="0" b="0"/>
+      </a:lnRef>
+      <a:fillRef idx="1">
+        <a:scrgbClr r="0" g="0" b="0"/>
+      </a:fillRef>
+      <a:effectRef idx="0">
+        <a:scrgbClr r="0" g="0" b="0"/>
+      </a:effectRef>
+      <a:fontRef idx="minor">
+        <a:schemeClr val="lt1"/>
+      </a:fontRef>
+    </dgm:style>
+  </dgm:styleLbl>
+  <dgm:styleLbl name="fgImgPlace1">
+    <dgm:scene3d>
+      <a:camera prst="orthographicFront"/>
+      <a:lightRig rig="threePt" dir="t"/>
+    </dgm:scene3d>
+    <dgm:sp3d/>
+    <dgm:txPr/>
+    <dgm:style>
+      <a:lnRef idx="2">
+        <a:scrgbClr r="0" g="0" b="0"/>
+      </a:lnRef>
+      <a:fillRef idx="1">
+        <a:scrgbClr r="0" g="0" b="0"/>
+      </a:fillRef>
+      <a:effectRef idx="0">
+        <a:scrgbClr r="0" g="0" b="0"/>
+      </a:effectRef>
+      <a:fontRef idx="minor"/>
+    </dgm:style>
+  </dgm:styleLbl>
+  <dgm:styleLbl name="alignImgPlace1">
+    <dgm:scene3d>
+      <a:camera prst="orthographicFront"/>
+      <a:lightRig rig="threePt" dir="t"/>
+    </dgm:scene3d>
+    <dgm:sp3d/>
+    <dgm:txPr/>
+    <dgm:style>
+      <a:lnRef idx="2">
+        <a:scrgbClr r="0" g="0" b="0"/>
+      </a:lnRef>
+      <a:fillRef idx="1">
+        <a:scrgbClr r="0" g="0" b="0"/>
+      </a:fillRef>
+      <a:effectRef idx="0">
+        <a:scrgbClr r="0" g="0" b="0"/>
+      </a:effectRef>
+      <a:fontRef idx="minor"/>
+    </dgm:style>
+  </dgm:styleLbl>
+  <dgm:styleLbl name="bgImgPlace1">
+    <dgm:scene3d>
+      <a:camera prst="orthographicFront"/>
+      <a:lightRig rig="threePt" dir="t"/>
+    </dgm:scene3d>
+    <dgm:sp3d/>
+    <dgm:txPr/>
+    <dgm:style>
+      <a:lnRef idx="2">
+        <a:scrgbClr r="0" g="0" b="0"/>
+      </a:lnRef>
+      <a:fillRef idx="1">
+        <a:scrgbClr r="0" g="0" b="0"/>
+      </a:fillRef>
+      <a:effectRef idx="0">
+        <a:scrgbClr r="0" g="0" b="0"/>
+      </a:effectRef>
+      <a:fontRef idx="minor"/>
+    </dgm:style>
+  </dgm:styleLbl>
+  <dgm:styleLbl name="sibTrans2D1">
+    <dgm:scene3d>
+      <a:camera prst="orthographicFront"/>
+      <a:lightRig rig="threePt" dir="t"/>
+    </dgm:scene3d>
+    <dgm:sp3d/>
+    <dgm:txPr/>
+    <dgm:style>
+      <a:lnRef idx="0">
+        <a:scrgbClr r="0" g="0" b="0"/>
+      </a:lnRef>
+      <a:fillRef idx="1">
+        <a:scrgbClr r="0" g="0" b="0"/>
+      </a:fillRef>
+      <a:effectRef idx="0">
+        <a:scrgbClr r="0" g="0" b="0"/>
+      </a:effectRef>
+      <a:fontRef idx="minor">
+        <a:schemeClr val="lt1"/>
+      </a:fontRef>
+    </dgm:style>
+  </dgm:styleLbl>
+  <dgm:styleLbl name="fgSibTrans2D1">
+    <dgm:scene3d>
+      <a:camera prst="orthographicFront"/>
+      <a:lightRig rig="threePt" dir="t"/>
+    </dgm:scene3d>
+    <dgm:sp3d/>
+    <dgm:txPr/>
+    <dgm:style>
+      <a:lnRef idx="0">
+        <a:scrgbClr r="0" g="0" b="0"/>
+      </a:lnRef>
+      <a:fillRef idx="1">
+        <a:scrgbClr r="0" g="0" b="0"/>
+      </a:fillRef>
+      <a:effectRef idx="0">
+        <a:scrgbClr r="0" g="0" b="0"/>
+      </a:effectRef>
+      <a:fontRef idx="minor">
+        <a:schemeClr val="lt1"/>
+      </a:fontRef>
+    </dgm:style>
+  </dgm:styleLbl>
+  <dgm:styleLbl name="bgSibTrans2D1">
+    <dgm:scene3d>
+      <a:camera prst="orthographicFront"/>
+      <a:lightRig rig="threePt" dir="t"/>
+    </dgm:scene3d>
+    <dgm:sp3d/>
+    <dgm:txPr/>
+    <dgm:style>
+      <a:lnRef idx="0">
+        <a:scrgbClr r="0" g="0" b="0"/>
+      </a:lnRef>
+      <a:fillRef idx="1">
+        <a:scrgbClr r="0" g="0" b="0"/>
+      </a:fillRef>
+      <a:effectRef idx="0">
+        <a:scrgbClr r="0" g="0" b="0"/>
+      </a:effectRef>
+      <a:fontRef idx="minor">
+        <a:schemeClr val="lt1"/>
+      </a:fontRef>
+    </dgm:style>
+  </dgm:styleLbl>
+  <dgm:styleLbl name="sibTrans1D1">
+    <dgm:scene3d>
+      <a:camera prst="orthographicFront"/>
+      <a:lightRig rig="threePt" dir="t"/>
+    </dgm:scene3d>
+    <dgm:sp3d/>
+    <dgm:txPr/>
+    <dgm:style>
+      <a:lnRef idx="1">
+        <a:scrgbClr r="0" g="0" b="0"/>
+      </a:lnRef>
+      <a:fillRef idx="0">
+        <a:scrgbClr r="0" g="0" b="0"/>
+      </a:fillRef>
+      <a:effectRef idx="0">
+        <a:scrgbClr r="0" g="0" b="0"/>
+      </a:effectRef>
+      <a:fontRef idx="minor"/>
+    </dgm:style>
+  </dgm:styleLbl>
+  <dgm:styleLbl name="callout">
+    <dgm:scene3d>
+      <a:camera prst="orthographicFront"/>
+      <a:lightRig rig="threePt" dir="t"/>
+    </dgm:scene3d>
+    <dgm:sp3d/>
+    <dgm:txPr/>
+    <dgm:style>
+      <a:lnRef idx="2">
+        <a:scrgbClr r="0" g="0" b="0"/>
+      </a:lnRef>
+      <a:fillRef idx="1">
+        <a:scrgbClr r="0" g="0" b="0"/>
+      </a:fillRef>
+      <a:effectRef idx="0">
+        <a:scrgbClr r="0" g="0" b="0"/>
+      </a:effectRef>
+      <a:fontRef idx="minor"/>
+    </dgm:style>
+  </dgm:styleLbl>
+  <dgm:styleLbl name="asst0">
+    <dgm:scene3d>
+      <a:camera prst="orthographicFront"/>
+      <a:lightRig rig="threePt" dir="t"/>
+    </dgm:scene3d>
+    <dgm:sp3d/>
+    <dgm:txPr/>
+    <dgm:style>
+      <a:lnRef idx="2">
+        <a:scrgbClr r="0" g="0" b="0"/>
+      </a:lnRef>
+      <a:fillRef idx="1">
+        <a:scrgbClr r="0" g="0" b="0"/>
+      </a:fillRef>
+      <a:effectRef idx="0">
+        <a:scrgbClr r="0" g="0" b="0"/>
+      </a:effectRef>
+      <a:fontRef idx="minor">
+        <a:schemeClr val="lt1"/>
+      </a:fontRef>
+    </dgm:style>
+  </dgm:styleLbl>
+  <dgm:styleLbl name="asst1">
+    <dgm:scene3d>
+      <a:camera prst="orthographicFront"/>
+      <a:lightRig rig="threePt" dir="t"/>
+    </dgm:scene3d>
+    <dgm:sp3d/>
+    <dgm:txPr/>
+    <dgm:style>
+      <a:lnRef idx="2">
+        <a:scrgbClr r="0" g="0" b="0"/>
+      </a:lnRef>
+      <a:fillRef idx="1">
+        <a:scrgbClr r="0" g="0" b="0"/>
+      </a:fillRef>
+      <a:effectRef idx="0">
+        <a:scrgbClr r="0" g="0" b="0"/>
+      </a:effectRef>
+      <a:fontRef idx="minor">
+        <a:schemeClr val="lt1"/>
+      </a:fontRef>
+    </dgm:style>
+  </dgm:styleLbl>
+  <dgm:styleLbl name="asst2">
+    <dgm:scene3d>
+      <a:camera prst="orthographicFront"/>
+      <a:lightRig rig="threePt" dir="t"/>
+    </dgm:scene3d>
+    <dgm:sp3d/>
+    <dgm:txPr/>
+    <dgm:style>
+      <a:lnRef idx="2">
+        <a:scrgbClr r="0" g="0" b="0"/>
+      </a:lnRef>
+      <a:fillRef idx="1">
+        <a:scrgbClr r="0" g="0" b="0"/>
+      </a:fillRef>
+      <a:effectRef idx="0">
+        <a:scrgbClr r="0" g="0" b="0"/>
+      </a:effectRef>
+      <a:fontRef idx="minor">
+        <a:schemeClr val="lt1"/>
+      </a:fontRef>
+    </dgm:style>
+  </dgm:styleLbl>
+  <dgm:styleLbl name="asst3">
+    <dgm:scene3d>
+      <a:camera prst="orthographicFront"/>
+      <a:lightRig rig="threePt" dir="t"/>
+    </dgm:scene3d>
+    <dgm:sp3d/>
+    <dgm:txPr/>
+    <dgm:style>
+      <a:lnRef idx="2">
+        <a:scrgbClr r="0" g="0" b="0"/>
+      </a:lnRef>
+      <a:fillRef idx="1">
+        <a:scrgbClr r="0" g="0" b="0"/>
+      </a:fillRef>
+      <a:effectRef idx="0">
+        <a:scrgbClr r="0" g="0" b="0"/>
+      </a:effectRef>
+      <a:fontRef idx="minor">
+        <a:schemeClr val="lt1"/>
+      </a:fontRef>
+    </dgm:style>
+  </dgm:styleLbl>
+  <dgm:styleLbl name="asst4">
+    <dgm:scene3d>
+      <a:camera prst="orthographicFront"/>
+      <a:lightRig rig="threePt" dir="t"/>
+    </dgm:scene3d>
+    <dgm:sp3d/>
+    <dgm:txPr/>
+    <dgm:style>
+      <a:lnRef idx="2">
+        <a:scrgbClr r="0" g="0" b="0"/>
+      </a:lnRef>
+      <a:fillRef idx="1">
+        <a:scrgbClr r="0" g="0" b="0"/>
+      </a:fillRef>
+      <a:effectRef idx="0">
+        <a:scrgbClr r="0" g="0" b="0"/>
+      </a:effectRef>
+      <a:fontRef idx="minor">
+        <a:schemeClr val="lt1"/>
+      </a:fontRef>
+    </dgm:style>
+  </dgm:styleLbl>
+  <dgm:styleLbl name="parChTrans2D1">
+    <dgm:scene3d>
+      <a:camera prst="orthographicFront"/>
+      <a:lightRig rig="threePt" dir="t"/>
+    </dgm:scene3d>
+    <dgm:sp3d/>
+    <dgm:txPr/>
+    <dgm:style>
+      <a:lnRef idx="2">
+        <a:scrgbClr r="0" g="0" b="0"/>
+      </a:lnRef>
+      <a:fillRef idx="1">
+        <a:scrgbClr r="0" g="0" b="0"/>
+      </a:fillRef>
+      <a:effectRef idx="0">
+        <a:scrgbClr r="0" g="0" b="0"/>
+      </a:effectRef>
+      <a:fontRef idx="minor">
+        <a:schemeClr val="lt1"/>
+      </a:fontRef>
+    </dgm:style>
+  </dgm:styleLbl>
+  <dgm:styleLbl name="parChTrans2D2">
+    <dgm:scene3d>
+      <a:camera prst="orthographicFront"/>
+      <a:lightRig rig="threePt" dir="t"/>
+    </dgm:scene3d>
+    <dgm:sp3d/>
+    <dgm:txPr/>
+    <dgm:style>
+      <a:lnRef idx="2">
+        <a:scrgbClr r="0" g="0" b="0"/>
+      </a:lnRef>
+      <a:fillRef idx="1">
+        <a:scrgbClr r="0" g="0" b="0"/>
+      </a:fillRef>
+      <a:effectRef idx="0">
+        <a:scrgbClr r="0" g="0" b="0"/>
+      </a:effectRef>
+      <a:fontRef idx="minor">
+        <a:schemeClr val="lt1"/>
+      </a:fontRef>
+    </dgm:style>
+  </dgm:styleLbl>
+  <dgm:styleLbl name="parChTrans2D3">
+    <dgm:scene3d>
+      <a:camera prst="orthographicFront"/>
+      <a:lightRig rig="threePt" dir="t"/>
+    </dgm:scene3d>
+    <dgm:sp3d/>
+    <dgm:txPr/>
+    <dgm:style>
+      <a:lnRef idx="2">
+        <a:scrgbClr r="0" g="0" b="0"/>
+      </a:lnRef>
+      <a:fillRef idx="1">
+        <a:scrgbClr r="0" g="0" b="0"/>
+      </a:fillRef>
+      <a:effectRef idx="0">
+        <a:scrgbClr r="0" g="0" b="0"/>
+      </a:effectRef>
+      <a:fontRef idx="minor">
+        <a:schemeClr val="lt1"/>
+      </a:fontRef>
+    </dgm:style>
+  </dgm:styleLbl>
+  <dgm:styleLbl name="parChTrans2D4">
+    <dgm:scene3d>
+      <a:camera prst="orthographicFront"/>
+      <a:lightRig rig="threePt" dir="t"/>
+    </dgm:scene3d>
+    <dgm:sp3d/>
+    <dgm:txPr/>
+    <dgm:style>
+      <a:lnRef idx="2">
+        <a:scrgbClr r="0" g="0" b="0"/>
+      </a:lnRef>
+      <a:fillRef idx="1">
+        <a:scrgbClr r="0" g="0" b="0"/>
+      </a:fillRef>
+      <a:effectRef idx="0">
+        <a:scrgbClr r="0" g="0" b="0"/>
+      </a:effectRef>
+      <a:fontRef idx="minor">
+        <a:schemeClr val="lt1"/>
+      </a:fontRef>
+    </dgm:style>
+  </dgm:styleLbl>
+  <dgm:styleLbl name="parChTrans1D1">
+    <dgm:scene3d>
+      <a:camera prst="orthographicFront"/>
+      <a:lightRig rig="threePt" dir="t"/>
+    </dgm:scene3d>
+    <dgm:sp3d/>
+    <dgm:txPr/>
+    <dgm:style>
+      <a:lnRef idx="2">
+        <a:scrgbClr r="0" g="0" b="0"/>
+      </a:lnRef>
+      <a:fillRef idx="0">
+        <a:scrgbClr r="0" g="0" b="0"/>
+      </a:fillRef>
+      <a:effectRef idx="0">
+        <a:scrgbClr r="0" g="0" b="0"/>
+      </a:effectRef>
+      <a:fontRef idx="minor"/>
+    </dgm:style>
+  </dgm:styleLbl>
+  <dgm:styleLbl name="parChTrans1D2">
+    <dgm:scene3d>
+      <a:camera prst="orthographicFront"/>
+      <a:lightRig rig="threePt" dir="t"/>
+    </dgm:scene3d>
+    <dgm:sp3d/>
+    <dgm:txPr/>
+    <dgm:style>
+      <a:lnRef idx="2">
+        <a:scrgbClr r="0" g="0" b="0"/>
+      </a:lnRef>
+      <a:fillRef idx="0">
+        <a:scrgbClr r="0" g="0" b="0"/>
+      </a:fillRef>
+      <a:effectRef idx="0">
+        <a:scrgbClr r="0" g="0" b="0"/>
+      </a:effectRef>
+      <a:fontRef idx="minor"/>
+    </dgm:style>
+  </dgm:styleLbl>
+  <dgm:styleLbl name="parChTrans1D3">
+    <dgm:scene3d>
+      <a:camera prst="orthographicFront"/>
+      <a:lightRig rig="threePt" dir="t"/>
+    </dgm:scene3d>
+    <dgm:sp3d/>
+    <dgm:txPr/>
+    <dgm:style>
+      <a:lnRef idx="2">
+        <a:scrgbClr r="0" g="0" b="0"/>
+      </a:lnRef>
+      <a:fillRef idx="0">
+        <a:scrgbClr r="0" g="0" b="0"/>
+      </a:fillRef>
+      <a:effectRef idx="0">
+        <a:scrgbClr r="0" g="0" b="0"/>
+      </a:effectRef>
+      <a:fontRef idx="minor"/>
+    </dgm:style>
+  </dgm:styleLbl>
+  <dgm:styleLbl name="parChTrans1D4">
+    <dgm:scene3d>
+      <a:camera prst="orthographicFront"/>
+      <a:lightRig rig="threePt" dir="t"/>
+    </dgm:scene3d>
+    <dgm:sp3d/>
+    <dgm:txPr/>
+    <dgm:style>
+      <a:lnRef idx="2">
+        <a:scrgbClr r="0" g="0" b="0"/>
+      </a:lnRef>
+      <a:fillRef idx="0">
+        <a:scrgbClr r="0" g="0" b="0"/>
+      </a:fillRef>
+      <a:effectRef idx="0">
+        <a:scrgbClr r="0" g="0" b="0"/>
+      </a:effectRef>
+      <a:fontRef idx="minor"/>
+    </dgm:style>
+  </dgm:styleLbl>
+  <dgm:styleLbl name="fgAcc1">
+    <dgm:scene3d>
+      <a:camera prst="orthographicFront"/>
+      <a:lightRig rig="threePt" dir="t"/>
+    </dgm:scene3d>
+    <dgm:sp3d/>
+    <dgm:txPr/>
+    <dgm:style>
+      <a:lnRef idx="2">
+        <a:scrgbClr r="0" g="0" b="0"/>
+      </a:lnRef>
+      <a:fillRef idx="1">
+        <a:scrgbClr r="0" g="0" b="0"/>
+      </a:fillRef>
+      <a:effectRef idx="0">
+        <a:scrgbClr r="0" g="0" b="0"/>
+      </a:effectRef>
+      <a:fontRef idx="minor"/>
+    </dgm:style>
+  </dgm:styleLbl>
+  <dgm:styleLbl name="conFgAcc1">
+    <dgm:scene3d>
+      <a:camera prst="orthographicFront"/>
+      <a:lightRig rig="threePt" dir="t"/>
+    </dgm:scene3d>
+    <dgm:sp3d/>
+    <dgm:txPr/>
+    <dgm:style>
+      <a:lnRef idx="2">
+        <a:scrgbClr r="0" g="0" b="0"/>
+      </a:lnRef>
+      <a:fillRef idx="1">
+        <a:scrgbClr r="0" g="0" b="0"/>
+      </a:fillRef>
+      <a:effectRef idx="0">
+        <a:scrgbClr r="0" g="0" b="0"/>
+      </a:effectRef>
+      <a:fontRef idx="minor"/>
+    </dgm:style>
+  </dgm:styleLbl>
+  <dgm:styleLbl name="alignAcc1">
+    <dgm:scene3d>
+      <a:camera prst="orthographicFront"/>
+      <a:lightRig rig="threePt" dir="t"/>
+    </dgm:scene3d>
+    <dgm:sp3d/>
+    <dgm:txPr/>
+    <dgm:style>
+      <a:lnRef idx="2">
+        <a:scrgbClr r="0" g="0" b="0"/>
+      </a:lnRef>
+      <a:fillRef idx="1">
+        <a:scrgbClr r="0" g="0" b="0"/>
+      </a:fillRef>
+      <a:effectRef idx="0">
+        <a:scrgbClr r="0" g="0" b="0"/>
+      </a:effectRef>
+      <a:fontRef idx="minor"/>
+    </dgm:style>
+  </dgm:styleLbl>
+  <dgm:styleLbl name="trAlignAcc1">
+    <dgm:scene3d>
+      <a:camera prst="orthographicFront"/>
+      <a:lightRig rig="threePt" dir="t"/>
+    </dgm:scene3d>
+    <dgm:sp3d/>
+    <dgm:txPr/>
+    <dgm:style>
+      <a:lnRef idx="1">
+        <a:scrgbClr r="0" g="0" b="0"/>
+      </a:lnRef>
+      <a:fillRef idx="1">
+        <a:scrgbClr r="0" g="0" b="0"/>
+      </a:fillRef>
+      <a:effectRef idx="0">
+        <a:scrgbClr r="0" g="0" b="0"/>
+      </a:effectRef>
+      <a:fontRef idx="minor"/>
+    </dgm:style>
+  </dgm:styleLbl>
+  <dgm:styleLbl name="bgAcc1">
+    <dgm:scene3d>
+      <a:camera prst="orthographicFront"/>
+      <a:lightRig rig="threePt" dir="t"/>
+    </dgm:scene3d>
+    <dgm:sp3d/>
+    <dgm:txPr/>
+    <dgm:style>
+      <a:lnRef idx="2">
+        <a:scrgbClr r="0" g="0" b="0"/>
+      </a:lnRef>
+      <a:fillRef idx="1">
+        <a:scrgbClr r="0" g="0" b="0"/>
+      </a:fillRef>
+      <a:effectRef idx="0">
+        <a:scrgbClr r="0" g="0" b="0"/>
+      </a:effectRef>
+      <a:fontRef idx="minor"/>
+    </dgm:style>
+  </dgm:styleLbl>
+  <dgm:styleLbl name="solidFgAcc1">
+    <dgm:scene3d>
+      <a:camera prst="orthographicFront"/>
+      <a:lightRig rig="threePt" dir="t"/>
+    </dgm:scene3d>
+    <dgm:sp3d/>
+    <dgm:txPr/>
+    <dgm:style>
+      <a:lnRef idx="2">
+        <a:scrgbClr r="0" g="0" b="0"/>
+      </a:lnRef>
+      <a:fillRef idx="1">
+        <a:scrgbClr r="0" g="0" b="0"/>
+      </a:fillRef>
+      <a:effectRef idx="0">
+        <a:scrgbClr r="0" g="0" b="0"/>
+      </a:effectRef>
+      <a:fontRef idx="minor"/>
+    </dgm:style>
+  </dgm:styleLbl>
+  <dgm:styleLbl name="solidAlignAcc1">
+    <dgm:scene3d>
+      <a:camera prst="orthographicFront"/>
+      <a:lightRig rig="threePt" dir="t"/>
+    </dgm:scene3d>
+    <dgm:sp3d/>
+    <dgm:txPr/>
+    <dgm:style>
+      <a:lnRef idx="2">
+        <a:scrgbClr r="0" g="0" b="0"/>
+      </a:lnRef>
+      <a:fillRef idx="1">
+        <a:scrgbClr r="0" g="0" b="0"/>
+      </a:fillRef>
+      <a:effectRef idx="0">
+        <a:scrgbClr r="0" g="0" b="0"/>
+      </a:effectRef>
+      <a:fontRef idx="minor"/>
+    </dgm:style>
+  </dgm:styleLbl>
+  <dgm:styleLbl name="solidBgAcc1">
+    <dgm:scene3d>
+      <a:camera prst="orthographicFront"/>
+      <a:lightRig rig="threePt" dir="t"/>
+    </dgm:scene3d>
+    <dgm:sp3d/>
+    <dgm:txPr/>
+    <dgm:style>
+      <a:lnRef idx="2">
+        <a:scrgbClr r="0" g="0" b="0"/>
+      </a:lnRef>
+      <a:fillRef idx="1">
+        <a:scrgbClr r="0" g="0" b="0"/>
+      </a:fillRef>
+      <a:effectRef idx="0">
+        <a:scrgbClr r="0" g="0" b="0"/>
+      </a:effectRef>
+      <a:fontRef idx="minor"/>
+    </dgm:style>
+  </dgm:styleLbl>
+  <dgm:styleLbl name="fgAccFollowNode1">
+    <dgm:scene3d>
+      <a:camera prst="orthographicFront"/>
+      <a:lightRig rig="threePt" dir="t"/>
+    </dgm:scene3d>
+    <dgm:sp3d/>
+    <dgm:txPr/>
+    <dgm:style>
+      <a:lnRef idx="2">
+        <a:scrgbClr r="0" g="0" b="0"/>
+      </a:lnRef>
+      <a:fillRef idx="1">
+        <a:scrgbClr r="0" g="0" b="0"/>
+      </a:fillRef>
+      <a:effectRef idx="0">
+        <a:scrgbClr r="0" g="0" b="0"/>
+      </a:effectRef>
+      <a:fontRef idx="minor"/>
+    </dgm:style>
+  </dgm:styleLbl>
+  <dgm:styleLbl name="alignAccFollowNode1">
+    <dgm:scene3d>
+      <a:camera prst="orthographicFront"/>
+      <a:lightRig rig="threePt" dir="t"/>
+    </dgm:scene3d>
+    <dgm:sp3d/>
+    <dgm:txPr/>
+    <dgm:style>
+      <a:lnRef idx="2">
+        <a:scrgbClr r="0" g="0" b="0"/>
+      </a:lnRef>
+      <a:fillRef idx="1">
+        <a:scrgbClr r="0" g="0" b="0"/>
+      </a:fillRef>
+      <a:effectRef idx="0">
+        <a:scrgbClr r="0" g="0" b="0"/>
+      </a:effectRef>
+      <a:fontRef idx="minor"/>
+    </dgm:style>
+  </dgm:styleLbl>
+  <dgm:styleLbl name="bgAccFollowNode1">
+    <dgm:scene3d>
+      <a:camera prst="orthographicFront"/>
+      <a:lightRig rig="threePt" dir="t"/>
+    </dgm:scene3d>
+    <dgm:sp3d/>
+    <dgm:txPr/>
+    <dgm:style>
+      <a:lnRef idx="2">
+        <a:scrgbClr r="0" g="0" b="0"/>
+      </a:lnRef>
+      <a:fillRef idx="1">
+        <a:scrgbClr r="0" g="0" b="0"/>
+      </a:fillRef>
+      <a:effectRef idx="0">
+        <a:scrgbClr r="0" g="0" b="0"/>
+      </a:effectRef>
+      <a:fontRef idx="minor"/>
+    </dgm:style>
+  </dgm:styleLbl>
+  <dgm:styleLbl name="fgAcc0">
+    <dgm:scene3d>
+      <a:camera prst="orthographicFront"/>
+      <a:lightRig rig="threePt" dir="t"/>
+    </dgm:scene3d>
+    <dgm:sp3d/>
+    <dgm:txPr/>
+    <dgm:style>
+      <a:lnRef idx="2">
+        <a:scrgbClr r="0" g="0" b="0"/>
+      </a:lnRef>
+      <a:fillRef idx="1">
+        <a:scrgbClr r="0" g="0" b="0"/>
+      </a:fillRef>
+      <a:effectRef idx="0">
+        <a:scrgbClr r="0" g="0" b="0"/>
+      </a:effectRef>
+      <a:fontRef idx="minor"/>
+    </dgm:style>
+  </dgm:styleLbl>
+  <dgm:styleLbl name="fgAcc2">
+    <dgm:scene3d>
+      <a:camera prst="orthographicFront"/>
+      <a:lightRig rig="threePt" dir="t"/>
+    </dgm:scene3d>
+    <dgm:sp3d/>
+    <dgm:txPr/>
+    <dgm:style>
+      <a:lnRef idx="2">
+        <a:scrgbClr r="0" g="0" b="0"/>
+      </a:lnRef>
+      <a:fillRef idx="1">
+        <a:scrgbClr r="0" g="0" b="0"/>
+      </a:fillRef>
+      <a:effectRef idx="0">
+        <a:scrgbClr r="0" g="0" b="0"/>
+      </a:effectRef>
+      <a:fontRef idx="minor"/>
+    </dgm:style>
+  </dgm:styleLbl>
+  <dgm:styleLbl name="fgAcc3">
+    <dgm:scene3d>
+      <a:camera prst="orthographicFront"/>
+      <a:lightRig rig="threePt" dir="t"/>
+    </dgm:scene3d>
+    <dgm:sp3d/>
+    <dgm:txPr/>
+    <dgm:style>
+      <a:lnRef idx="2">
+        <a:scrgbClr r="0" g="0" b="0"/>
+      </a:lnRef>
+      <a:fillRef idx="1">
+        <a:scrgbClr r="0" g="0" b="0"/>
+      </a:fillRef>
+      <a:effectRef idx="0">
+        <a:scrgbClr r="0" g="0" b="0"/>
+      </a:effectRef>
+      <a:fontRef idx="minor"/>
+    </dgm:style>
+  </dgm:styleLbl>
+  <dgm:styleLbl name="fgAcc4">
+    <dgm:scene3d>
+      <a:camera prst="orthographicFront"/>
+      <a:lightRig rig="threePt" dir="t"/>
+    </dgm:scene3d>
+    <dgm:sp3d/>
+    <dgm:txPr/>
+    <dgm:style>
+      <a:lnRef idx="2">
+        <a:scrgbClr r="0" g="0" b="0"/>
+      </a:lnRef>
+      <a:fillRef idx="1">
+        <a:scrgbClr r="0" g="0" b="0"/>
+      </a:fillRef>
+      <a:effectRef idx="0">
+        <a:scrgbClr r="0" g="0" b="0"/>
+      </a:effectRef>
+      <a:fontRef idx="minor"/>
+    </dgm:style>
+  </dgm:styleLbl>
+  <dgm:styleLbl name="bgShp">
+    <dgm:scene3d>
+      <a:camera prst="orthographicFront"/>
+      <a:lightRig rig="threePt" dir="t"/>
+    </dgm:scene3d>
+    <dgm:sp3d/>
+    <dgm:txPr/>
+    <dgm:style>
+      <a:lnRef idx="0">
+        <a:scrgbClr r="0" g="0" b="0"/>
+      </a:lnRef>
+      <a:fillRef idx="1">
+        <a:scrgbClr r="0" g="0" b="0"/>
+      </a:fillRef>
+      <a:effectRef idx="0">
+        <a:scrgbClr r="0" g="0" b="0"/>
+      </a:effectRef>
+      <a:fontRef idx="minor"/>
+    </dgm:style>
+  </dgm:styleLbl>
+  <dgm:styleLbl name="dkBgShp">
+    <dgm:scene3d>
+      <a:camera prst="orthographicFront"/>
+      <a:lightRig rig="threePt" dir="t"/>
+    </dgm:scene3d>
+    <dgm:sp3d/>
+    <dgm:txPr/>
+    <dgm:style>
+      <a:lnRef idx="0">
+        <a:scrgbClr r="0" g="0" b="0"/>
+      </a:lnRef>
+      <a:fillRef idx="1">
+        <a:scrgbClr r="0" g="0" b="0"/>
+      </a:fillRef>
+      <a:effectRef idx="0">
+        <a:scrgbClr r="0" g="0" b="0"/>
+      </a:effectRef>
+      <a:fontRef idx="minor"/>
+    </dgm:style>
+  </dgm:styleLbl>
+  <dgm:styleLbl name="trBgShp">
+    <dgm:scene3d>
+      <a:camera prst="orthographicFront"/>
+      <a:lightRig rig="threePt" dir="t"/>
+    </dgm:scene3d>
+    <dgm:sp3d/>
+    <dgm:txPr/>
+    <dgm:style>
+      <a:lnRef idx="0">
+        <a:scrgbClr r="0" g="0" b="0"/>
+      </a:lnRef>
+      <a:fillRef idx="1">
+        <a:scrgbClr r="0" g="0" b="0"/>
+      </a:fillRef>
+      <a:effectRef idx="0">
+        <a:scrgbClr r="0" g="0" b="0"/>
+      </a:effectRef>
+      <a:fontRef idx="minor"/>
+    </dgm:style>
+  </dgm:styleLbl>
+  <dgm:styleLbl name="fgShp">
+    <dgm:scene3d>
+      <a:camera prst="orthographicFront"/>
+      <a:lightRig rig="threePt" dir="t"/>
+    </dgm:scene3d>
+    <dgm:sp3d/>
+    <dgm:txPr/>
+    <dgm:style>
+      <a:lnRef idx="2">
+        <a:scrgbClr r="0" g="0" b="0"/>
+      </a:lnRef>
+      <a:fillRef idx="1">
+        <a:scrgbClr r="0" g="0" b="0"/>
+      </a:fillRef>
+      <a:effectRef idx="0">
+        <a:scrgbClr r="0" g="0" b="0"/>
+      </a:effectRef>
+      <a:fontRef idx="minor"/>
+    </dgm:style>
+  </dgm:styleLbl>
+  <dgm:styleLbl name="revTx">
+    <dgm:scene3d>
+      <a:camera prst="orthographicFront"/>
+      <a:lightRig rig="threePt" dir="t"/>
+    </dgm:scene3d>
+    <dgm:sp3d/>
+    <dgm:txPr/>
+    <dgm:style>
+      <a:lnRef idx="0">
+        <a:scrgbClr r="0" g="0" b="0"/>
+      </a:lnRef>
+      <a:fillRef idx="0">
+        <a:scrgbClr r="0" g="0" b="0"/>
+      </a:fillRef>
+      <a:effectRef idx="0">
+        <a:scrgbClr r="0" g="0" b="0"/>
+      </a:effectRef>
+      <a:fontRef idx="minor"/>
+    </dgm:style>
+  </dgm:styleLbl>
+</dgm:styleDef>
+</file>
+
 <file path=ppt/handoutMasters/handoutMaster1.xml><?xml version="1.0" encoding="utf-8"?>
 <p:handoutMaster xmlns:a="http://schemas.openxmlformats.org/drawingml/2006/main" xmlns:r="http://schemas.openxmlformats.org/officeDocument/2006/relationships" xmlns:p="http://schemas.openxmlformats.org/presentationml/2006/main">
   <p:cSld>
@@ -2520,7 +5265,7 @@
           <a:p>
             <a:fld id="{9374368A-5E78-1049-824D-7633A4449AD3}" type="datetimeFigureOut">
               <a:rPr lang="de-DE" smtClean="0"/>
-              <a:t>23.05.2023</a:t>
+              <a:t>24.05.2023</a:t>
             </a:fld>
             <a:endParaRPr lang="de-DE"/>
           </a:p>
@@ -2698,7 +5443,7 @@
           <a:p>
             <a:fld id="{BB258E1F-F26F-1B43-931A-91917D93EE79}" type="datetimeFigureOut">
               <a:rPr lang="de-DE" smtClean="0"/>
-              <a:t>23.05.2023</a:t>
+              <a:t>24.05.2023</a:t>
             </a:fld>
             <a:endParaRPr lang="de-DE"/>
           </a:p>
@@ -3114,90 +5859,7 @@
             </a:r>
           </a:p>
           <a:p>
-            <a:r>
-              <a:rPr lang="de-DE" dirty="0"/>
-              <a:t>Architektur ist folgend unterteilt </a:t>
-            </a:r>
-            <a:r>
-              <a:rPr lang="de-DE" dirty="0">
-                <a:sym typeface="Wingdings" pitchFamily="2" charset="2"/>
-              </a:rPr>
-              <a:t> Dateisystem, Res-manager  YARN, Apache </a:t>
-            </a:r>
-            <a:r>
-              <a:rPr lang="de-DE" dirty="0" err="1">
-                <a:sym typeface="Wingdings" pitchFamily="2" charset="2"/>
-              </a:rPr>
-              <a:t>Mesos</a:t>
-            </a:r>
-            <a:r>
-              <a:rPr lang="de-DE" dirty="0">
-                <a:sym typeface="Wingdings" pitchFamily="2" charset="2"/>
-              </a:rPr>
-              <a:t>, </a:t>
-            </a:r>
-            <a:r>
-              <a:rPr lang="de-DE" dirty="0" err="1">
-                <a:sym typeface="Wingdings" pitchFamily="2" charset="2"/>
-              </a:rPr>
-              <a:t>Standalone</a:t>
-            </a:r>
-            <a:endParaRPr lang="de-DE" dirty="0">
-              <a:sym typeface="Wingdings" pitchFamily="2" charset="2"/>
-            </a:endParaRPr>
-          </a:p>
-          <a:p>
-            <a:r>
-              <a:rPr lang="de-DE" dirty="0">
-                <a:sym typeface="Wingdings" pitchFamily="2" charset="2"/>
-              </a:rPr>
-              <a:t>Komponenten  Core für </a:t>
-            </a:r>
-            <a:r>
-              <a:rPr lang="de-DE" dirty="0" err="1">
-                <a:sym typeface="Wingdings" pitchFamily="2" charset="2"/>
-              </a:rPr>
-              <a:t>Scheduling</a:t>
-            </a:r>
-            <a:r>
-              <a:rPr lang="de-DE" dirty="0">
-                <a:sym typeface="Wingdings" pitchFamily="2" charset="2"/>
-              </a:rPr>
-              <a:t>, Ein-/Ausgabe…Spark SQL  Durchführung von SQL-Abfragen.</a:t>
-            </a:r>
-          </a:p>
-          <a:p>
-            <a:r>
-              <a:rPr lang="de-DE" dirty="0">
-                <a:sym typeface="Wingdings" pitchFamily="2" charset="2"/>
-              </a:rPr>
-              <a:t>Spark Streaming  Verarbeitung von Datenströmen, Spark </a:t>
-            </a:r>
-            <a:r>
-              <a:rPr lang="de-DE" dirty="0" err="1">
-                <a:sym typeface="Wingdings" pitchFamily="2" charset="2"/>
-              </a:rPr>
-              <a:t>Mllib</a:t>
-            </a:r>
-            <a:r>
-              <a:rPr lang="de-DE" dirty="0">
-                <a:sym typeface="Wingdings" pitchFamily="2" charset="2"/>
-              </a:rPr>
-              <a:t> --&gt; Algorithmen für maschinelles Lernen, </a:t>
-            </a:r>
-            <a:r>
-              <a:rPr lang="de-DE" dirty="0" err="1">
-                <a:sym typeface="Wingdings" pitchFamily="2" charset="2"/>
-              </a:rPr>
-              <a:t>GraphX</a:t>
-            </a:r>
-            <a:r>
-              <a:rPr lang="de-DE" dirty="0">
-                <a:sym typeface="Wingdings" pitchFamily="2" charset="2"/>
-              </a:rPr>
-              <a:t> zur Analyse von Graphen.</a:t>
-            </a:r>
-            <a:endParaRPr lang="de-DE" dirty="0"/>
+            <a:endParaRPr lang="de-AT" dirty="0"/>
           </a:p>
         </p:txBody>
       </p:sp>
@@ -3227,7 +5889,7 @@
     </p:spTree>
     <p:extLst>
       <p:ext uri="{BB962C8B-B14F-4D97-AF65-F5344CB8AC3E}">
-        <p14:creationId xmlns:p14="http://schemas.microsoft.com/office/powerpoint/2010/main" val="1507740385"/>
+        <p14:creationId xmlns:p14="http://schemas.microsoft.com/office/powerpoint/2010/main" val="1007248736"/>
       </p:ext>
     </p:extLst>
   </p:cSld>
@@ -3282,108 +5944,89 @@
           <a:lstStyle/>
           <a:p>
             <a:r>
+              <a:rPr lang="de-DE" dirty="0"/>
+              <a:t>Architektur ist folgend unterteilt </a:t>
+            </a:r>
+            <a:r>
               <a:rPr lang="de-DE" dirty="0">
                 <a:sym typeface="Wingdings" pitchFamily="2" charset="2"/>
               </a:rPr>
-              <a:t>Datenstruktur  RDD auf unterster Ebene als Datenstruktur</a:t>
-            </a:r>
-          </a:p>
-          <a:p>
-            <a:r>
-              <a:rPr lang="de-DE" dirty="0"/>
-              <a:t>RDD </a:t>
+              <a:t> Dateisystem, Res-manager  YARN, Apache </a:t>
+            </a:r>
+            <a:r>
+              <a:rPr lang="de-DE" dirty="0" err="1">
+                <a:sym typeface="Wingdings" pitchFamily="2" charset="2"/>
+              </a:rPr>
+              <a:t>Mesos</a:t>
             </a:r>
             <a:r>
               <a:rPr lang="de-DE" dirty="0">
                 <a:sym typeface="Wingdings" pitchFamily="2" charset="2"/>
               </a:rPr>
-              <a:t> </a:t>
-            </a:r>
-            <a:r>
-              <a:rPr lang="de-DE" dirty="0"/>
-              <a:t>beliebige Objekte aufnehmen und Partitionen unterteilt</a:t>
-            </a:r>
-          </a:p>
-          <a:p>
-            <a:pPr marL="0" marR="0" lvl="0" indent="0" algn="l" defTabSz="914400" rtl="0" eaLnBrk="1" fontAlgn="auto" latinLnBrk="0" hangingPunct="1">
-              <a:lnSpc>
-                <a:spcPct val="100000"/>
-              </a:lnSpc>
-              <a:spcBef>
-                <a:spcPts val="0"/>
-              </a:spcBef>
-              <a:spcAft>
-                <a:spcPts val="0"/>
-              </a:spcAft>
-              <a:buClrTx/>
-              <a:buSzTx/>
-              <a:buFontTx/>
-              <a:buNone/>
-              <a:tabLst/>
-              <a:defRPr/>
-            </a:pPr>
-            <a:r>
-              <a:rPr lang="de-AT" sz="1200" kern="1200" dirty="0">
-                <a:solidFill>
-                  <a:schemeClr val="tx1"/>
-                </a:solidFill>
-                <a:effectLst/>
-                <a:latin typeface="+mn-lt"/>
-                <a:ea typeface="+mn-ea"/>
-                <a:cs typeface="+mn-cs"/>
-              </a:rPr>
-              <a:t>Transformationen: Dabei werden auf bestehenden RDDs Funktionen angewandt und ein neues RDD erstellt. </a:t>
-            </a:r>
-          </a:p>
-          <a:p>
-            <a:pPr marL="0" marR="0" lvl="0" indent="0" algn="l" defTabSz="914400" rtl="0" eaLnBrk="1" fontAlgn="auto" latinLnBrk="0" hangingPunct="1">
-              <a:lnSpc>
-                <a:spcPct val="100000"/>
-              </a:lnSpc>
-              <a:spcBef>
-                <a:spcPts val="0"/>
-              </a:spcBef>
-              <a:spcAft>
-                <a:spcPts val="0"/>
-              </a:spcAft>
-              <a:buClrTx/>
-              <a:buSzTx/>
-              <a:buFontTx/>
-              <a:buNone/>
-              <a:tabLst/>
-              <a:defRPr/>
-            </a:pPr>
-            <a:r>
-              <a:rPr lang="de-AT" sz="1200" kern="1200" dirty="0">
-                <a:solidFill>
-                  <a:schemeClr val="tx1"/>
-                </a:solidFill>
-                <a:effectLst/>
-                <a:latin typeface="+mn-lt"/>
-                <a:ea typeface="+mn-ea"/>
-                <a:cs typeface="+mn-cs"/>
-              </a:rPr>
-              <a:t>Aktionen: Hier wird auf ein RDD eine Funktion angewandt und ein bestimmtes Ergebnis erzeugt. </a:t>
-            </a:r>
-            <a:endParaRPr lang="de-DE" b="1" dirty="0"/>
-          </a:p>
-          <a:p>
+              <a:t>, </a:t>
+            </a:r>
             <a:r>
               <a:rPr lang="de-DE" dirty="0" err="1">
                 <a:sym typeface="Wingdings" pitchFamily="2" charset="2"/>
               </a:rPr>
-              <a:t>DataFrames</a:t>
-            </a:r>
+              <a:t>Standalone</a:t>
+            </a:r>
+            <a:endParaRPr lang="de-DE" dirty="0">
+              <a:sym typeface="Wingdings" pitchFamily="2" charset="2"/>
+            </a:endParaRPr>
+          </a:p>
+          <a:p>
             <a:r>
               <a:rPr lang="de-DE" dirty="0">
                 <a:sym typeface="Wingdings" pitchFamily="2" charset="2"/>
               </a:rPr>
-              <a:t>  Spark SQL bauen auf RDD auf. </a:t>
-            </a:r>
-            <a:r>
-              <a:rPr lang="de-DE" dirty="0"/>
-              <a:t>Tabellen von relationalen Datenbanken zu vergleichen, jedoch mit mehr Optimierungen. </a:t>
-            </a:r>
+              <a:t>Komponenten  Core für </a:t>
+            </a:r>
+            <a:r>
+              <a:rPr lang="de-DE" dirty="0" err="1">
+                <a:sym typeface="Wingdings" pitchFamily="2" charset="2"/>
+              </a:rPr>
+              <a:t>Scheduling</a:t>
+            </a:r>
+            <a:r>
+              <a:rPr lang="de-DE" dirty="0">
+                <a:sym typeface="Wingdings" pitchFamily="2" charset="2"/>
+              </a:rPr>
+              <a:t>, Ein-/Ausgabe…Spark SQL  Durchführung von SQL-Abfragen.</a:t>
+            </a:r>
+          </a:p>
+          <a:p>
+            <a:r>
+              <a:rPr lang="de-DE" dirty="0">
+                <a:sym typeface="Wingdings" pitchFamily="2" charset="2"/>
+              </a:rPr>
+              <a:t>Spark Streaming  Verarbeitung von Datenströmen, Spark </a:t>
+            </a:r>
+            <a:r>
+              <a:rPr lang="de-DE" dirty="0" err="1">
+                <a:sym typeface="Wingdings" pitchFamily="2" charset="2"/>
+              </a:rPr>
+              <a:t>Mllib</a:t>
+            </a:r>
+            <a:r>
+              <a:rPr lang="de-DE" dirty="0">
+                <a:sym typeface="Wingdings" pitchFamily="2" charset="2"/>
+              </a:rPr>
+              <a:t> --&gt; Algorithmen für maschinelles Lernen, </a:t>
+            </a:r>
+            <a:r>
+              <a:rPr lang="de-DE" dirty="0" err="1">
+                <a:sym typeface="Wingdings" pitchFamily="2" charset="2"/>
+              </a:rPr>
+              <a:t>GraphX</a:t>
+            </a:r>
+            <a:r>
+              <a:rPr lang="de-DE" dirty="0">
+                <a:sym typeface="Wingdings" pitchFamily="2" charset="2"/>
+              </a:rPr>
+              <a:t> zur Analyse von Graphen.</a:t>
+            </a:r>
+            <a:endParaRPr lang="de-DE" dirty="0"/>
           </a:p>
         </p:txBody>
       </p:sp>
@@ -3413,7 +6056,7 @@
     </p:spTree>
     <p:extLst>
       <p:ext uri="{BB962C8B-B14F-4D97-AF65-F5344CB8AC3E}">
-        <p14:creationId xmlns:p14="http://schemas.microsoft.com/office/powerpoint/2010/main" val="4139434213"/>
+        <p14:creationId xmlns:p14="http://schemas.microsoft.com/office/powerpoint/2010/main" val="1507740385"/>
       </p:ext>
     </p:extLst>
   </p:cSld>
@@ -3468,50 +6111,107 @@
           <a:lstStyle/>
           <a:p>
             <a:r>
+              <a:rPr lang="de-DE" dirty="0">
+                <a:sym typeface="Wingdings" pitchFamily="2" charset="2"/>
+              </a:rPr>
+              <a:t>Datenstruktur  RDD auf unterster Ebene als Datenstruktur</a:t>
+            </a:r>
+          </a:p>
+          <a:p>
+            <a:r>
               <a:rPr lang="de-DE" dirty="0"/>
-              <a:t>Eines der ersten Datenverarbeitungsplattform für Big Data, Kernkomponente sind das verteilte Dateisystem und der MapReduce Verfahren für die Daten zu verarbeiten.</a:t>
-            </a:r>
-          </a:p>
-          <a:p>
+              <a:t>RDD </a:t>
+            </a:r>
+            <a:r>
+              <a:rPr lang="de-DE" dirty="0">
+                <a:sym typeface="Wingdings" pitchFamily="2" charset="2"/>
+              </a:rPr>
+              <a:t> </a:t>
+            </a:r>
             <a:r>
               <a:rPr lang="de-DE" dirty="0"/>
-              <a:t>Abbildung: Eingangsdaten kommen vom verteilten Dateisystem, werden </a:t>
-            </a:r>
-            <a:r>
-              <a:rPr lang="de-DE" dirty="0" err="1"/>
-              <a:t>gemappt</a:t>
+              <a:t>beliebige Objekte aufnehmen und Partitionen unterteilt</a:t>
+            </a:r>
+          </a:p>
+          <a:p>
+            <a:pPr marL="0" marR="0" lvl="0" indent="0" algn="l" defTabSz="914400" rtl="0" eaLnBrk="1" fontAlgn="auto" latinLnBrk="0" hangingPunct="1">
+              <a:lnSpc>
+                <a:spcPct val="100000"/>
+              </a:lnSpc>
+              <a:spcBef>
+                <a:spcPts val="0"/>
+              </a:spcBef>
+              <a:spcAft>
+                <a:spcPts val="0"/>
+              </a:spcAft>
+              <a:buClrTx/>
+              <a:buSzTx/>
+              <a:buFontTx/>
+              <a:buNone/>
+              <a:tabLst/>
+              <a:defRPr/>
+            </a:pPr>
+            <a:r>
+              <a:rPr lang="de-AT" sz="1200" kern="1200" dirty="0">
+                <a:solidFill>
+                  <a:schemeClr val="tx1"/>
+                </a:solidFill>
+                <a:effectLst/>
+                <a:latin typeface="+mn-lt"/>
+                <a:ea typeface="+mn-ea"/>
+                <a:cs typeface="+mn-cs"/>
+              </a:rPr>
+              <a:t>Transformationen: Dabei werden auf bestehenden RDDs Funktionen angewandt und ein neues RDD erstellt. </a:t>
+            </a:r>
+          </a:p>
+          <a:p>
+            <a:pPr marL="0" marR="0" lvl="0" indent="0" algn="l" defTabSz="914400" rtl="0" eaLnBrk="1" fontAlgn="auto" latinLnBrk="0" hangingPunct="1">
+              <a:lnSpc>
+                <a:spcPct val="100000"/>
+              </a:lnSpc>
+              <a:spcBef>
+                <a:spcPts val="0"/>
+              </a:spcBef>
+              <a:spcAft>
+                <a:spcPts val="0"/>
+              </a:spcAft>
+              <a:buClrTx/>
+              <a:buSzTx/>
+              <a:buFontTx/>
+              <a:buNone/>
+              <a:tabLst/>
+              <a:defRPr/>
+            </a:pPr>
+            <a:r>
+              <a:rPr lang="de-AT" sz="1200" kern="1200" dirty="0">
+                <a:solidFill>
+                  <a:schemeClr val="tx1"/>
+                </a:solidFill>
+                <a:effectLst/>
+                <a:latin typeface="+mn-lt"/>
+                <a:ea typeface="+mn-ea"/>
+                <a:cs typeface="+mn-cs"/>
+              </a:rPr>
+              <a:t>Aktionen: Hier wird auf ein RDD eine Funktion angewandt und ein bestimmtes Ergebnis erzeugt. </a:t>
+            </a:r>
+            <a:endParaRPr lang="de-DE" b="1" dirty="0"/>
+          </a:p>
+          <a:p>
+            <a:r>
+              <a:rPr lang="de-DE" dirty="0" err="1">
+                <a:sym typeface="Wingdings" pitchFamily="2" charset="2"/>
+              </a:rPr>
+              <a:t>DataFrames</a:t>
+            </a:r>
+            <a:r>
+              <a:rPr lang="de-DE" dirty="0">
+                <a:sym typeface="Wingdings" pitchFamily="2" charset="2"/>
+              </a:rPr>
+              <a:t>  Spark SQL bauen auf RDD auf. </a:t>
             </a:r>
             <a:r>
               <a:rPr lang="de-DE" dirty="0"/>
-              <a:t> und es entstehen Key-Value-Pairs, danach Shuffle-Phase, wo die Keys vereint werden und danach zum gleichen </a:t>
-            </a:r>
-            <a:r>
-              <a:rPr lang="de-DE" dirty="0" err="1"/>
-              <a:t>Reduce</a:t>
-            </a:r>
-            <a:r>
-              <a:rPr lang="de-DE" dirty="0"/>
-              <a:t>-Task geschickt werden. Output wird wieder im verteilten System gespeichert.</a:t>
-            </a:r>
-          </a:p>
-          <a:p>
-            <a:r>
-              <a:rPr lang="de-DE" dirty="0"/>
-              <a:t>Vorteile: flexibel erweiterbar, kostengünstig durch die Verwendung von </a:t>
-            </a:r>
-            <a:r>
-              <a:rPr lang="de-DE" dirty="0" err="1"/>
-              <a:t>Commodity</a:t>
-            </a:r>
-            <a:r>
-              <a:rPr lang="de-DE" dirty="0"/>
-              <a:t>-Hardware</a:t>
-            </a:r>
-          </a:p>
-          <a:p>
-            <a:r>
-              <a:rPr lang="de-DE" dirty="0"/>
-              <a:t>Nachteile: nur Stapelverarbeitung möglich und hohe Latenz der MapReduce Schritte</a:t>
+              <a:t>Tabellen von relationalen Datenbanken zu vergleichen, jedoch mit mehr Optimierungen. </a:t>
             </a:r>
           </a:p>
         </p:txBody>
@@ -3533,7 +6233,7 @@
           <a:p>
             <a:fld id="{4FA863E1-80D8-B14A-AC92-8C09678A3A96}" type="slidenum">
               <a:rPr lang="de-DE" smtClean="0"/>
-              <a:t>9</a:t>
+              <a:t>5</a:t>
             </a:fld>
             <a:endParaRPr lang="de-DE"/>
           </a:p>
@@ -3542,7 +6242,7 @@
     </p:spTree>
     <p:extLst>
       <p:ext uri="{BB962C8B-B14F-4D97-AF65-F5344CB8AC3E}">
-        <p14:creationId xmlns:p14="http://schemas.microsoft.com/office/powerpoint/2010/main" val="1832942570"/>
+        <p14:creationId xmlns:p14="http://schemas.microsoft.com/office/powerpoint/2010/main" val="4139434213"/>
       </p:ext>
     </p:extLst>
   </p:cSld>
@@ -3796,7 +6496,7 @@
           <a:p>
             <a:fld id="{45EC48F2-3599-774F-8294-0A679948D4D4}" type="datetime1">
               <a:rPr lang="de-AT" smtClean="0"/>
-              <a:t>23.05.2023</a:t>
+              <a:t>24.05.2023</a:t>
             </a:fld>
             <a:endParaRPr lang="en-US" dirty="0"/>
           </a:p>
@@ -3988,7 +6688,7 @@
           <a:p>
             <a:fld id="{D76DE002-AA0B-BB4F-A1B4-2552B9A49A56}" type="datetime1">
               <a:rPr lang="de-AT" smtClean="0"/>
-              <a:t>23.05.2023</a:t>
+              <a:t>24.05.2023</a:t>
             </a:fld>
             <a:endParaRPr lang="en-US" dirty="0"/>
           </a:p>
@@ -4234,7 +6934,7 @@
           <a:p>
             <a:fld id="{F4A77A7F-3298-F14A-AB6E-8DDE18D75EC2}" type="datetime1">
               <a:rPr lang="de-AT" smtClean="0"/>
-              <a:t>23.05.2023</a:t>
+              <a:t>24.05.2023</a:t>
             </a:fld>
             <a:endParaRPr lang="en-US" dirty="0"/>
           </a:p>
@@ -4426,7 +7126,7 @@
           <a:p>
             <a:fld id="{F79627A5-A1F1-DB45-A678-B0C3D50104B2}" type="datetime1">
               <a:rPr lang="de-AT" smtClean="0"/>
-              <a:t>23.05.2023</a:t>
+              <a:t>24.05.2023</a:t>
             </a:fld>
             <a:endParaRPr lang="en-US" dirty="0"/>
           </a:p>
@@ -4803,7 +7503,7 @@
           <a:p>
             <a:fld id="{187554E7-26E8-8643-A84F-FF61CBB870E7}" type="datetime1">
               <a:rPr lang="de-AT" smtClean="0"/>
-              <a:t>23.05.2023</a:t>
+              <a:t>24.05.2023</a:t>
             </a:fld>
             <a:endParaRPr lang="en-US" dirty="0"/>
           </a:p>
@@ -5062,7 +7762,7 @@
           <a:p>
             <a:fld id="{1466F4F8-9FB7-6A44-AE93-A958F3F4F70B}" type="datetime1">
               <a:rPr lang="de-AT" smtClean="0"/>
-              <a:t>23.05.2023</a:t>
+              <a:t>24.05.2023</a:t>
             </a:fld>
             <a:endParaRPr lang="en-US" dirty="0"/>
           </a:p>
@@ -5463,7 +8163,7 @@
           <a:p>
             <a:fld id="{C183F399-E750-1F41-9084-3548C4DBE02E}" type="datetime1">
               <a:rPr lang="de-AT" smtClean="0"/>
-              <a:t>23.05.2023</a:t>
+              <a:t>24.05.2023</a:t>
             </a:fld>
             <a:endParaRPr lang="en-US" dirty="0"/>
           </a:p>
@@ -5603,7 +8303,7 @@
           <a:p>
             <a:fld id="{3968911C-52AE-0C46-98BB-992617A453A0}" type="datetime1">
               <a:rPr lang="de-AT" smtClean="0"/>
-              <a:t>23.05.2023</a:t>
+              <a:t>24.05.2023</a:t>
             </a:fld>
             <a:endParaRPr lang="en-US" dirty="0"/>
           </a:p>
@@ -5764,7 +8464,7 @@
           <a:p>
             <a:fld id="{382E8D0D-7D69-DE4B-850D-D3F8455BFE91}" type="datetime1">
               <a:rPr lang="de-AT" smtClean="0"/>
-              <a:t>23.05.2023</a:t>
+              <a:t>24.05.2023</a:t>
             </a:fld>
             <a:endParaRPr lang="en-US" dirty="0"/>
           </a:p>
@@ -6097,7 +8797,7 @@
           <a:p>
             <a:fld id="{4280B6BC-0803-6747-87F3-67E34554DFAF}" type="datetime1">
               <a:rPr lang="de-AT" smtClean="0"/>
-              <a:t>23.05.2023</a:t>
+              <a:t>24.05.2023</a:t>
             </a:fld>
             <a:endParaRPr lang="en-US" dirty="0"/>
           </a:p>
@@ -6451,7 +9151,7 @@
           <a:p>
             <a:fld id="{CED19C63-CFD6-534E-9A2F-42611B95E8E7}" type="datetime1">
               <a:rPr lang="de-AT" smtClean="0"/>
-              <a:t>23.05.2023</a:t>
+              <a:t>24.05.2023</a:t>
             </a:fld>
             <a:endParaRPr lang="en-US" dirty="0"/>
           </a:p>
@@ -6716,7 +9416,7 @@
           <a:p>
             <a:fld id="{B7DCB425-1173-4444-BA14-CE89679C499E}" type="datetime1">
               <a:rPr lang="de-AT" smtClean="0"/>
-              <a:t>23.05.2023</a:t>
+              <a:t>24.05.2023</a:t>
             </a:fld>
             <a:endParaRPr lang="en-US" dirty="0"/>
           </a:p>
@@ -7374,12 +10074,36 @@
           <a:lstStyle/>
           <a:p>
             <a:r>
+              <a:rPr lang="de-DE" sz="3400" dirty="0" err="1">
+                <a:solidFill>
+                  <a:schemeClr val="tx1"/>
+                </a:solidFill>
+              </a:rPr>
+              <a:t>Analyzing</a:t>
+            </a:r>
+            <a:r>
               <a:rPr lang="de-DE" sz="3400" dirty="0">
                 <a:solidFill>
                   <a:schemeClr val="tx1"/>
                 </a:solidFill>
               </a:rPr>
-              <a:t>Spark Cluster in Docker </a:t>
+              <a:t> Data </a:t>
+            </a:r>
+            <a:r>
+              <a:rPr lang="de-DE" sz="3400" dirty="0" err="1">
+                <a:solidFill>
+                  <a:schemeClr val="tx1"/>
+                </a:solidFill>
+              </a:rPr>
+              <a:t>with</a:t>
+            </a:r>
+            <a:r>
+              <a:rPr lang="de-DE" sz="3400" dirty="0">
+                <a:solidFill>
+                  <a:schemeClr val="tx1"/>
+                </a:solidFill>
+              </a:rPr>
+              <a:t> Spark SQL in a Docker Cluster </a:t>
             </a:r>
           </a:p>
         </p:txBody>
@@ -7546,6 +10270,89 @@
 </p:sld>
 </file>
 
+<file path=ppt/slides/slide10.xml><?xml version="1.0" encoding="utf-8"?>
+<p:sld xmlns:a="http://schemas.openxmlformats.org/drawingml/2006/main" xmlns:r="http://schemas.openxmlformats.org/officeDocument/2006/relationships" xmlns:p="http://schemas.openxmlformats.org/presentationml/2006/main">
+  <p:cSld>
+    <p:spTree>
+      <p:nvGrpSpPr>
+        <p:cNvPr id="1" name=""/>
+        <p:cNvGrpSpPr/>
+        <p:nvPr/>
+      </p:nvGrpSpPr>
+      <p:grpSpPr>
+        <a:xfrm>
+          <a:off x="0" y="0"/>
+          <a:ext cx="0" cy="0"/>
+          <a:chOff x="0" y="0"/>
+          <a:chExt cx="0" cy="0"/>
+        </a:xfrm>
+      </p:grpSpPr>
+      <p:sp>
+        <p:nvSpPr>
+          <p:cNvPr id="2" name="Titel 1">
+            <a:extLst>
+              <a:ext uri="{FF2B5EF4-FFF2-40B4-BE49-F238E27FC236}">
+                <a16:creationId xmlns:a16="http://schemas.microsoft.com/office/drawing/2014/main" id="{002E5395-53DA-E3CC-8B0A-BEE8933CF97E}"/>
+              </a:ext>
+            </a:extLst>
+          </p:cNvPr>
+          <p:cNvSpPr>
+            <a:spLocks noGrp="1"/>
+          </p:cNvSpPr>
+          <p:nvPr>
+            <p:ph type="title"/>
+          </p:nvPr>
+        </p:nvSpPr>
+        <p:spPr/>
+        <p:txBody>
+          <a:bodyPr/>
+          <a:lstStyle/>
+          <a:p>
+            <a:r>
+              <a:rPr lang="de-AT" dirty="0"/>
+              <a:t>Demo</a:t>
+            </a:r>
+          </a:p>
+        </p:txBody>
+      </p:sp>
+      <p:sp>
+        <p:nvSpPr>
+          <p:cNvPr id="3" name="Inhaltsplatzhalter 2">
+            <a:extLst>
+              <a:ext uri="{FF2B5EF4-FFF2-40B4-BE49-F238E27FC236}">
+                <a16:creationId xmlns:a16="http://schemas.microsoft.com/office/drawing/2014/main" id="{475C486D-8482-7B5D-3FC0-462F27E44655}"/>
+              </a:ext>
+            </a:extLst>
+          </p:cNvPr>
+          <p:cNvSpPr>
+            <a:spLocks noGrp="1"/>
+          </p:cNvSpPr>
+          <p:nvPr>
+            <p:ph idx="1"/>
+          </p:nvPr>
+        </p:nvSpPr>
+        <p:spPr/>
+        <p:txBody>
+          <a:bodyPr/>
+          <a:lstStyle/>
+          <a:p>
+            <a:endParaRPr lang="de-AT"/>
+          </a:p>
+        </p:txBody>
+      </p:sp>
+    </p:spTree>
+    <p:extLst>
+      <p:ext uri="{BB962C8B-B14F-4D97-AF65-F5344CB8AC3E}">
+        <p14:creationId xmlns:p14="http://schemas.microsoft.com/office/powerpoint/2010/main" val="1836749101"/>
+      </p:ext>
+    </p:extLst>
+  </p:cSld>
+  <p:clrMapOvr>
+    <a:masterClrMapping/>
+  </p:clrMapOvr>
+</p:sld>
+</file>
+
 <file path=ppt/slides/slide2.xml><?xml version="1.0" encoding="utf-8"?>
 <p:sld xmlns:a="http://schemas.openxmlformats.org/drawingml/2006/main" xmlns:r="http://schemas.openxmlformats.org/officeDocument/2006/relationships" xmlns:p="http://schemas.openxmlformats.org/presentationml/2006/main">
   <p:cSld>
@@ -7620,78 +10427,55 @@
           </a:bodyPr>
           <a:lstStyle/>
           <a:p>
-            <a:pPr>
-              <a:buClrTx/>
+            <a:pPr lvl="1">
               <a:buFont typeface="Arial" panose="020B0604020202020204" pitchFamily="34" charset="0"/>
               <a:buChar char="•"/>
             </a:pPr>
             <a:r>
-              <a:rPr lang="de-DE" sz="2800" dirty="0"/>
+              <a:rPr lang="de-DE" sz="2400" dirty="0"/>
               <a:t>Intro Spark</a:t>
             </a:r>
           </a:p>
           <a:p>
-            <a:pPr>
-              <a:buClrTx/>
+            <a:pPr lvl="1">
               <a:buFont typeface="Arial" panose="020B0604020202020204" pitchFamily="34" charset="0"/>
               <a:buChar char="•"/>
             </a:pPr>
             <a:r>
-              <a:rPr lang="de-DE" sz="2800" dirty="0"/>
+              <a:rPr lang="de-DE" sz="2400" dirty="0"/>
               <a:t>Projektidee</a:t>
             </a:r>
           </a:p>
           <a:p>
-            <a:pPr>
-              <a:buClrTx/>
+            <a:pPr lvl="1">
               <a:buFont typeface="Arial" panose="020B0604020202020204" pitchFamily="34" charset="0"/>
               <a:buChar char="•"/>
             </a:pPr>
             <a:r>
-              <a:rPr lang="de-DE" sz="2800" dirty="0"/>
+              <a:rPr lang="de-DE" sz="2400" dirty="0"/>
               <a:t>Bestandteile</a:t>
             </a:r>
           </a:p>
           <a:p>
-            <a:pPr>
-              <a:buClrTx/>
+            <a:pPr lvl="1">
               <a:buFont typeface="Arial" panose="020B0604020202020204" pitchFamily="34" charset="0"/>
               <a:buChar char="•"/>
             </a:pPr>
             <a:r>
-              <a:rPr lang="de-DE" sz="2800" dirty="0"/>
+              <a:rPr lang="de-DE" sz="2400" dirty="0"/>
+              <a:t>Vorgehensweise</a:t>
+            </a:r>
+          </a:p>
+          <a:p>
+            <a:pPr lvl="1">
+              <a:buFont typeface="Arial" panose="020B0604020202020204" pitchFamily="34" charset="0"/>
+              <a:buChar char="•"/>
+            </a:pPr>
+            <a:r>
+              <a:rPr lang="de-DE" sz="2400" dirty="0"/>
               <a:t>Demo</a:t>
             </a:r>
-            <a:endParaRPr lang="de-AT" sz="2800" dirty="0"/>
-          </a:p>
-        </p:txBody>
-      </p:sp>
-      <p:sp>
-        <p:nvSpPr>
-          <p:cNvPr id="4" name="Foliennummernplatzhalter 3">
-            <a:extLst>
-              <a:ext uri="{FF2B5EF4-FFF2-40B4-BE49-F238E27FC236}">
-                <a16:creationId xmlns:a16="http://schemas.microsoft.com/office/drawing/2014/main" id="{78768202-8E21-87C5-132C-6910F38DEAF4}"/>
-              </a:ext>
-            </a:extLst>
-          </p:cNvPr>
-          <p:cNvSpPr>
-            <a:spLocks noGrp="1"/>
-          </p:cNvSpPr>
-          <p:nvPr>
-            <p:ph type="sldNum" sz="quarter" idx="12"/>
-          </p:nvPr>
-        </p:nvSpPr>
-        <p:spPr/>
-        <p:txBody>
-          <a:bodyPr/>
-          <a:lstStyle/>
-          <a:p>
-            <a:fld id="{3A98EE3D-8CD1-4C3F-BD1C-C98C9596463C}" type="slidenum">
-              <a:rPr lang="en-US" smtClean="0"/>
-              <a:t>2</a:t>
-            </a:fld>
-            <a:endParaRPr lang="en-US" dirty="0"/>
+            <a:endParaRPr lang="de-AT" sz="2400" dirty="0"/>
           </a:p>
         </p:txBody>
       </p:sp>
@@ -7730,6 +10514,464 @@
           <p:cNvPr id="2" name="Titel 1">
             <a:extLst>
               <a:ext uri="{FF2B5EF4-FFF2-40B4-BE49-F238E27FC236}">
+                <a16:creationId xmlns:a16="http://schemas.microsoft.com/office/drawing/2014/main" id="{CD5F2F9E-5AC3-78A8-5ABE-3A33462A58D9}"/>
+              </a:ext>
+            </a:extLst>
+          </p:cNvPr>
+          <p:cNvSpPr>
+            <a:spLocks noGrp="1"/>
+          </p:cNvSpPr>
+          <p:nvPr>
+            <p:ph type="title"/>
+          </p:nvPr>
+        </p:nvSpPr>
+        <p:spPr/>
+        <p:txBody>
+          <a:bodyPr/>
+          <a:lstStyle/>
+          <a:p>
+            <a:r>
+              <a:rPr lang="de-AT" dirty="0"/>
+              <a:t>Apache Spark</a:t>
+            </a:r>
+          </a:p>
+        </p:txBody>
+      </p:sp>
+      <p:sp>
+        <p:nvSpPr>
+          <p:cNvPr id="5" name="Inhaltsplatzhalter 2">
+            <a:extLst>
+              <a:ext uri="{FF2B5EF4-FFF2-40B4-BE49-F238E27FC236}">
+                <a16:creationId xmlns:a16="http://schemas.microsoft.com/office/drawing/2014/main" id="{9EF556B1-595A-2DD4-AC1C-CD5F6F81D185}"/>
+              </a:ext>
+            </a:extLst>
+          </p:cNvPr>
+          <p:cNvSpPr txBox="1">
+            <a:spLocks/>
+          </p:cNvSpPr>
+          <p:nvPr/>
+        </p:nvSpPr>
+        <p:spPr>
+          <a:xfrm>
+            <a:off x="1203959" y="2401309"/>
+            <a:ext cx="7551733" cy="4170088"/>
+          </a:xfrm>
+          <a:prstGeom prst="rect">
+            <a:avLst/>
+          </a:prstGeom>
+        </p:spPr>
+        <p:txBody>
+          <a:bodyPr vert="horz" lIns="0" tIns="45720" rIns="0" bIns="45720" rtlCol="0">
+            <a:normAutofit/>
+          </a:bodyPr>
+          <a:lstStyle>
+            <a:lvl1pPr marL="91440" indent="-91440" algn="l" defTabSz="914400" rtl="0" eaLnBrk="1" latinLnBrk="0" hangingPunct="1">
+              <a:lnSpc>
+                <a:spcPct val="110000"/>
+              </a:lnSpc>
+              <a:spcBef>
+                <a:spcPts val="1200"/>
+              </a:spcBef>
+              <a:spcAft>
+                <a:spcPts val="200"/>
+              </a:spcAft>
+              <a:buClr>
+                <a:schemeClr val="accent1"/>
+              </a:buClr>
+              <a:buSzPct val="100000"/>
+              <a:buFont typeface="Calibri" panose="020F0502020204030204" pitchFamily="34" charset="0"/>
+              <a:buChar char=" "/>
+              <a:defRPr sz="2000" kern="1200">
+                <a:solidFill>
+                  <a:schemeClr val="tx1">
+                    <a:lumMod val="75000"/>
+                    <a:lumOff val="25000"/>
+                  </a:schemeClr>
+                </a:solidFill>
+                <a:latin typeface="+mn-lt"/>
+                <a:ea typeface="+mn-ea"/>
+                <a:cs typeface="+mn-cs"/>
+              </a:defRPr>
+            </a:lvl1pPr>
+            <a:lvl2pPr marL="384048" indent="-182880" algn="l" defTabSz="914400" rtl="0" eaLnBrk="1" latinLnBrk="0" hangingPunct="1">
+              <a:lnSpc>
+                <a:spcPct val="110000"/>
+              </a:lnSpc>
+              <a:spcBef>
+                <a:spcPts val="200"/>
+              </a:spcBef>
+              <a:spcAft>
+                <a:spcPts val="400"/>
+              </a:spcAft>
+              <a:buClrTx/>
+              <a:buFont typeface="Calibri" pitchFamily="34" charset="0"/>
+              <a:buChar char="◦"/>
+              <a:defRPr sz="1800" kern="1200">
+                <a:solidFill>
+                  <a:schemeClr val="tx1">
+                    <a:lumMod val="75000"/>
+                    <a:lumOff val="25000"/>
+                  </a:schemeClr>
+                </a:solidFill>
+                <a:latin typeface="+mn-lt"/>
+                <a:ea typeface="+mn-ea"/>
+                <a:cs typeface="+mn-cs"/>
+              </a:defRPr>
+            </a:lvl2pPr>
+            <a:lvl3pPr marL="566928" indent="-182880" algn="l" defTabSz="914400" rtl="0" eaLnBrk="1" latinLnBrk="0" hangingPunct="1">
+              <a:lnSpc>
+                <a:spcPct val="110000"/>
+              </a:lnSpc>
+              <a:spcBef>
+                <a:spcPts val="200"/>
+              </a:spcBef>
+              <a:spcAft>
+                <a:spcPts val="400"/>
+              </a:spcAft>
+              <a:buClrTx/>
+              <a:buFont typeface="Calibri" pitchFamily="34" charset="0"/>
+              <a:buChar char="◦"/>
+              <a:defRPr sz="1400" kern="1200">
+                <a:solidFill>
+                  <a:schemeClr val="tx1">
+                    <a:lumMod val="75000"/>
+                    <a:lumOff val="25000"/>
+                  </a:schemeClr>
+                </a:solidFill>
+                <a:latin typeface="+mn-lt"/>
+                <a:ea typeface="+mn-ea"/>
+                <a:cs typeface="+mn-cs"/>
+              </a:defRPr>
+            </a:lvl3pPr>
+            <a:lvl4pPr marL="749808" indent="-182880" algn="l" defTabSz="914400" rtl="0" eaLnBrk="1" latinLnBrk="0" hangingPunct="1">
+              <a:lnSpc>
+                <a:spcPct val="110000"/>
+              </a:lnSpc>
+              <a:spcBef>
+                <a:spcPts val="200"/>
+              </a:spcBef>
+              <a:spcAft>
+                <a:spcPts val="400"/>
+              </a:spcAft>
+              <a:buClrTx/>
+              <a:buFont typeface="Calibri" pitchFamily="34" charset="0"/>
+              <a:buChar char="◦"/>
+              <a:defRPr sz="1400" kern="1200">
+                <a:solidFill>
+                  <a:schemeClr val="tx1">
+                    <a:lumMod val="75000"/>
+                    <a:lumOff val="25000"/>
+                  </a:schemeClr>
+                </a:solidFill>
+                <a:latin typeface="+mn-lt"/>
+                <a:ea typeface="+mn-ea"/>
+                <a:cs typeface="+mn-cs"/>
+              </a:defRPr>
+            </a:lvl4pPr>
+            <a:lvl5pPr marL="932688" indent="-182880" algn="l" defTabSz="914400" rtl="0" eaLnBrk="1" latinLnBrk="0" hangingPunct="1">
+              <a:lnSpc>
+                <a:spcPct val="110000"/>
+              </a:lnSpc>
+              <a:spcBef>
+                <a:spcPts val="200"/>
+              </a:spcBef>
+              <a:spcAft>
+                <a:spcPts val="400"/>
+              </a:spcAft>
+              <a:buClrTx/>
+              <a:buFont typeface="Calibri" pitchFamily="34" charset="0"/>
+              <a:buChar char="◦"/>
+              <a:defRPr sz="1400" kern="1200">
+                <a:solidFill>
+                  <a:schemeClr val="tx1">
+                    <a:lumMod val="75000"/>
+                    <a:lumOff val="25000"/>
+                  </a:schemeClr>
+                </a:solidFill>
+                <a:latin typeface="+mn-lt"/>
+                <a:ea typeface="+mn-ea"/>
+                <a:cs typeface="+mn-cs"/>
+              </a:defRPr>
+            </a:lvl5pPr>
+            <a:lvl6pPr marL="1100000" indent="-228600" algn="l" defTabSz="914400" rtl="0" eaLnBrk="1" latinLnBrk="0" hangingPunct="1">
+              <a:lnSpc>
+                <a:spcPct val="90000"/>
+              </a:lnSpc>
+              <a:spcBef>
+                <a:spcPts val="200"/>
+              </a:spcBef>
+              <a:spcAft>
+                <a:spcPts val="400"/>
+              </a:spcAft>
+              <a:buClr>
+                <a:schemeClr val="accent1"/>
+              </a:buClr>
+              <a:buFont typeface="Calibri" pitchFamily="34" charset="0"/>
+              <a:buChar char="◦"/>
+              <a:defRPr sz="1400" kern="1200">
+                <a:solidFill>
+                  <a:schemeClr val="tx1">
+                    <a:lumMod val="75000"/>
+                    <a:lumOff val="25000"/>
+                  </a:schemeClr>
+                </a:solidFill>
+                <a:latin typeface="+mn-lt"/>
+                <a:ea typeface="+mn-ea"/>
+                <a:cs typeface="+mn-cs"/>
+              </a:defRPr>
+            </a:lvl6pPr>
+            <a:lvl7pPr marL="1300000" indent="-228600" algn="l" defTabSz="914400" rtl="0" eaLnBrk="1" latinLnBrk="0" hangingPunct="1">
+              <a:lnSpc>
+                <a:spcPct val="90000"/>
+              </a:lnSpc>
+              <a:spcBef>
+                <a:spcPts val="200"/>
+              </a:spcBef>
+              <a:spcAft>
+                <a:spcPts val="400"/>
+              </a:spcAft>
+              <a:buClr>
+                <a:schemeClr val="accent1"/>
+              </a:buClr>
+              <a:buFont typeface="Calibri" pitchFamily="34" charset="0"/>
+              <a:buChar char="◦"/>
+              <a:defRPr sz="1400" kern="1200">
+                <a:solidFill>
+                  <a:schemeClr val="tx1">
+                    <a:lumMod val="75000"/>
+                    <a:lumOff val="25000"/>
+                  </a:schemeClr>
+                </a:solidFill>
+                <a:latin typeface="+mn-lt"/>
+                <a:ea typeface="+mn-ea"/>
+                <a:cs typeface="+mn-cs"/>
+              </a:defRPr>
+            </a:lvl7pPr>
+            <a:lvl8pPr marL="1500000" indent="-228600" algn="l" defTabSz="914400" rtl="0" eaLnBrk="1" latinLnBrk="0" hangingPunct="1">
+              <a:lnSpc>
+                <a:spcPct val="90000"/>
+              </a:lnSpc>
+              <a:spcBef>
+                <a:spcPts val="200"/>
+              </a:spcBef>
+              <a:spcAft>
+                <a:spcPts val="400"/>
+              </a:spcAft>
+              <a:buClr>
+                <a:schemeClr val="accent1"/>
+              </a:buClr>
+              <a:buFont typeface="Calibri" pitchFamily="34" charset="0"/>
+              <a:buChar char="◦"/>
+              <a:defRPr sz="1400" kern="1200">
+                <a:solidFill>
+                  <a:schemeClr val="tx1">
+                    <a:lumMod val="75000"/>
+                    <a:lumOff val="25000"/>
+                  </a:schemeClr>
+                </a:solidFill>
+                <a:latin typeface="+mn-lt"/>
+                <a:ea typeface="+mn-ea"/>
+                <a:cs typeface="+mn-cs"/>
+              </a:defRPr>
+            </a:lvl8pPr>
+            <a:lvl9pPr marL="1700000" indent="-228600" algn="l" defTabSz="914400" rtl="0" eaLnBrk="1" latinLnBrk="0" hangingPunct="1">
+              <a:lnSpc>
+                <a:spcPct val="90000"/>
+              </a:lnSpc>
+              <a:spcBef>
+                <a:spcPts val="200"/>
+              </a:spcBef>
+              <a:spcAft>
+                <a:spcPts val="400"/>
+              </a:spcAft>
+              <a:buClr>
+                <a:schemeClr val="accent1"/>
+              </a:buClr>
+              <a:buFont typeface="Calibri" pitchFamily="34" charset="0"/>
+              <a:buChar char="◦"/>
+              <a:defRPr sz="1400" kern="1200">
+                <a:solidFill>
+                  <a:schemeClr val="tx1">
+                    <a:lumMod val="75000"/>
+                    <a:lumOff val="25000"/>
+                  </a:schemeClr>
+                </a:solidFill>
+                <a:latin typeface="+mn-lt"/>
+                <a:ea typeface="+mn-ea"/>
+                <a:cs typeface="+mn-cs"/>
+              </a:defRPr>
+            </a:lvl9pPr>
+          </a:lstStyle>
+          <a:p>
+            <a:pPr marL="0" indent="0">
+              <a:buFont typeface="Calibri" panose="020F0502020204030204" pitchFamily="34" charset="0"/>
+              <a:buNone/>
+            </a:pPr>
+            <a:r>
+              <a:rPr lang="de-DE" dirty="0"/>
+              <a:t>Nachfolger von Hadoop</a:t>
+            </a:r>
+          </a:p>
+          <a:p>
+            <a:pPr marL="0" indent="0">
+              <a:buFont typeface="Calibri" panose="020F0502020204030204" pitchFamily="34" charset="0"/>
+              <a:buNone/>
+            </a:pPr>
+            <a:r>
+              <a:rPr lang="de-DE" dirty="0"/>
+              <a:t>Schnelle Datenverarbeitung</a:t>
+            </a:r>
+          </a:p>
+          <a:p>
+            <a:pPr marL="0" indent="0">
+              <a:buFont typeface="Calibri" panose="020F0502020204030204" pitchFamily="34" charset="0"/>
+              <a:buNone/>
+            </a:pPr>
+            <a:r>
+              <a:rPr lang="de-DE" dirty="0"/>
+              <a:t>Hohe Skalierbarkeit</a:t>
+            </a:r>
+          </a:p>
+          <a:p>
+            <a:pPr marL="0" indent="0">
+              <a:buFont typeface="Calibri" panose="020F0502020204030204" pitchFamily="34" charset="0"/>
+              <a:buNone/>
+            </a:pPr>
+            <a:endParaRPr lang="de-DE" dirty="0"/>
+          </a:p>
+          <a:p>
+            <a:pPr marL="0" indent="0">
+              <a:buFont typeface="Calibri" panose="020F0502020204030204" pitchFamily="34" charset="0"/>
+              <a:buNone/>
+            </a:pPr>
+            <a:r>
+              <a:rPr lang="de-DE" dirty="0"/>
+              <a:t>Stapelverarbeitung</a:t>
+            </a:r>
+          </a:p>
+          <a:p>
+            <a:pPr marL="0" indent="0">
+              <a:buFont typeface="Calibri" panose="020F0502020204030204" pitchFamily="34" charset="0"/>
+              <a:buNone/>
+            </a:pPr>
+            <a:r>
+              <a:rPr lang="de-DE" dirty="0"/>
+              <a:t>Nahe-Echtzeitverarbeitung (</a:t>
+            </a:r>
+            <a:r>
+              <a:rPr lang="de-DE" dirty="0" err="1"/>
+              <a:t>microbatches</a:t>
+            </a:r>
+            <a:r>
+              <a:rPr lang="de-DE" dirty="0"/>
+              <a:t>)</a:t>
+            </a:r>
+          </a:p>
+          <a:p>
+            <a:pPr marL="0" indent="0">
+              <a:buFont typeface="Calibri" panose="020F0502020204030204" pitchFamily="34" charset="0"/>
+              <a:buNone/>
+            </a:pPr>
+            <a:endParaRPr lang="de-DE" b="1" dirty="0"/>
+          </a:p>
+          <a:p>
+            <a:pPr marL="0" indent="0">
+              <a:buFont typeface="Calibri" panose="020F0502020204030204" pitchFamily="34" charset="0"/>
+              <a:buNone/>
+            </a:pPr>
+            <a:endParaRPr lang="de-DE" dirty="0"/>
+          </a:p>
+          <a:p>
+            <a:pPr marL="0" indent="0">
+              <a:buFont typeface="Calibri" panose="020F0502020204030204" pitchFamily="34" charset="0"/>
+              <a:buNone/>
+            </a:pPr>
+            <a:endParaRPr lang="de-DE" dirty="0"/>
+          </a:p>
+        </p:txBody>
+      </p:sp>
+      <p:pic>
+        <p:nvPicPr>
+          <p:cNvPr id="1028" name="Picture 4" descr="Apache Spark - Wikipedia">
+            <a:extLst>
+              <a:ext uri="{FF2B5EF4-FFF2-40B4-BE49-F238E27FC236}">
+                <a16:creationId xmlns:a16="http://schemas.microsoft.com/office/drawing/2014/main" id="{8E42E11C-F330-B5B1-FD9D-AB331FF5A179}"/>
+              </a:ext>
+            </a:extLst>
+          </p:cNvPr>
+          <p:cNvPicPr>
+            <a:picLocks noChangeAspect="1" noChangeArrowheads="1"/>
+          </p:cNvPicPr>
+          <p:nvPr/>
+        </p:nvPicPr>
+        <p:blipFill>
+          <a:blip r:embed="rId3">
+            <a:extLst>
+              <a:ext uri="{28A0092B-C50C-407E-A947-70E740481C1C}">
+                <a14:useLocalDpi xmlns:a14="http://schemas.microsoft.com/office/drawing/2010/main" val="0"/>
+              </a:ext>
+            </a:extLst>
+          </a:blip>
+          <a:srcRect/>
+          <a:stretch>
+            <a:fillRect/>
+          </a:stretch>
+        </p:blipFill>
+        <p:spPr bwMode="auto">
+          <a:xfrm>
+            <a:off x="7327481" y="3693801"/>
+            <a:ext cx="4864519" cy="2525496"/>
+          </a:xfrm>
+          <a:prstGeom prst="rect">
+            <a:avLst/>
+          </a:prstGeom>
+          <a:noFill/>
+          <a:extLst>
+            <a:ext uri="{909E8E84-426E-40DD-AFC4-6F175D3DCCD1}">
+              <a14:hiddenFill xmlns:a14="http://schemas.microsoft.com/office/drawing/2010/main">
+                <a:solidFill>
+                  <a:srgbClr val="FFFFFF"/>
+                </a:solidFill>
+              </a14:hiddenFill>
+            </a:ext>
+          </a:extLst>
+        </p:spPr>
+      </p:pic>
+    </p:spTree>
+    <p:extLst>
+      <p:ext uri="{BB962C8B-B14F-4D97-AF65-F5344CB8AC3E}">
+        <p14:creationId xmlns:p14="http://schemas.microsoft.com/office/powerpoint/2010/main" val="2466369073"/>
+      </p:ext>
+    </p:extLst>
+  </p:cSld>
+  <p:clrMapOvr>
+    <a:masterClrMapping/>
+  </p:clrMapOvr>
+</p:sld>
+</file>
+
+<file path=ppt/slides/slide4.xml><?xml version="1.0" encoding="utf-8"?>
+<p:sld xmlns:a="http://schemas.openxmlformats.org/drawingml/2006/main" xmlns:r="http://schemas.openxmlformats.org/officeDocument/2006/relationships" xmlns:p="http://schemas.openxmlformats.org/presentationml/2006/main">
+  <p:cSld>
+    <p:spTree>
+      <p:nvGrpSpPr>
+        <p:cNvPr id="1" name=""/>
+        <p:cNvGrpSpPr/>
+        <p:nvPr/>
+      </p:nvGrpSpPr>
+      <p:grpSpPr>
+        <a:xfrm>
+          <a:off x="0" y="0"/>
+          <a:ext cx="0" cy="0"/>
+          <a:chOff x="0" y="0"/>
+          <a:chExt cx="0" cy="0"/>
+        </a:xfrm>
+      </p:grpSpPr>
+      <p:sp>
+        <p:nvSpPr>
+          <p:cNvPr id="2" name="Titel 1">
+            <a:extLst>
+              <a:ext uri="{FF2B5EF4-FFF2-40B4-BE49-F238E27FC236}">
                 <a16:creationId xmlns:a16="http://schemas.microsoft.com/office/drawing/2014/main" id="{B3795086-4D10-744F-8FD1-2C09EC0BEA7E}"/>
               </a:ext>
             </a:extLst>
@@ -7748,153 +10990,8 @@
           <a:p>
             <a:r>
               <a:rPr lang="de-DE" dirty="0"/>
-              <a:t>Apache Spark</a:t>
-            </a:r>
-          </a:p>
-        </p:txBody>
-      </p:sp>
-      <p:sp>
-        <p:nvSpPr>
-          <p:cNvPr id="3" name="Inhaltsplatzhalter 2">
-            <a:extLst>
-              <a:ext uri="{FF2B5EF4-FFF2-40B4-BE49-F238E27FC236}">
-                <a16:creationId xmlns:a16="http://schemas.microsoft.com/office/drawing/2014/main" id="{1F96226C-9A15-6D4D-A83B-155B0F58374D}"/>
-              </a:ext>
-            </a:extLst>
-          </p:cNvPr>
-          <p:cNvSpPr>
-            <a:spLocks noGrp="1"/>
-          </p:cNvSpPr>
-          <p:nvPr>
-            <p:ph idx="1"/>
-          </p:nvPr>
-        </p:nvSpPr>
-        <p:spPr>
-          <a:xfrm>
-            <a:off x="6233160" y="2638697"/>
-            <a:ext cx="4922520" cy="4170088"/>
-          </a:xfrm>
-        </p:spPr>
-        <p:txBody>
-          <a:bodyPr/>
-          <a:lstStyle/>
-          <a:p>
-            <a:pPr marL="0" indent="0">
-              <a:buNone/>
-            </a:pPr>
-            <a:r>
-              <a:rPr lang="de-DE" dirty="0"/>
-              <a:t>Zwischenergebnisse im Arbeitsspeicher</a:t>
-            </a:r>
-          </a:p>
-          <a:p>
-            <a:pPr marL="0" indent="0">
-              <a:buNone/>
-            </a:pPr>
-            <a:r>
-              <a:rPr lang="de-DE" dirty="0"/>
-              <a:t>Stapelverarbeitung</a:t>
-            </a:r>
-          </a:p>
-          <a:p>
-            <a:pPr marL="0" indent="0">
-              <a:buNone/>
-            </a:pPr>
-            <a:r>
-              <a:rPr lang="de-DE" dirty="0"/>
-              <a:t>Nahe-Echtzeitverarbeitung (</a:t>
-            </a:r>
-            <a:r>
-              <a:rPr lang="de-DE" dirty="0" err="1"/>
-              <a:t>microbatches</a:t>
-            </a:r>
-            <a:r>
-              <a:rPr lang="de-DE" dirty="0"/>
-              <a:t>)</a:t>
-            </a:r>
-          </a:p>
-          <a:p>
-            <a:pPr marL="0" indent="0">
-              <a:buNone/>
-            </a:pPr>
-            <a:endParaRPr lang="de-DE" b="1" dirty="0"/>
-          </a:p>
-          <a:p>
-            <a:pPr marL="0" indent="0">
-              <a:buNone/>
-            </a:pPr>
-            <a:r>
-              <a:rPr lang="de-DE" b="1" dirty="0"/>
-              <a:t>Cluster: </a:t>
-            </a:r>
-          </a:p>
-          <a:p>
-            <a:pPr lvl="1"/>
-            <a:r>
-              <a:rPr lang="de-DE" dirty="0"/>
-              <a:t>Driver </a:t>
-            </a:r>
-            <a:r>
-              <a:rPr lang="de-DE" dirty="0" err="1"/>
-              <a:t>Program</a:t>
-            </a:r>
-            <a:r>
-              <a:rPr lang="de-DE" dirty="0"/>
-              <a:t> mit </a:t>
-            </a:r>
-            <a:r>
-              <a:rPr lang="de-DE" dirty="0" err="1"/>
-              <a:t>SparkContext</a:t>
-            </a:r>
-            <a:endParaRPr lang="de-DE" dirty="0"/>
-          </a:p>
-          <a:p>
-            <a:pPr lvl="1"/>
-            <a:r>
-              <a:rPr lang="de-DE" dirty="0" err="1"/>
-              <a:t>Worker</a:t>
-            </a:r>
-            <a:r>
-              <a:rPr lang="de-DE" dirty="0"/>
-              <a:t> </a:t>
-            </a:r>
-            <a:r>
-              <a:rPr lang="de-DE" dirty="0" err="1"/>
-              <a:t>Node</a:t>
-            </a:r>
-            <a:endParaRPr lang="de-DE" dirty="0"/>
-          </a:p>
-          <a:p>
-            <a:pPr lvl="1"/>
-            <a:r>
-              <a:rPr lang="de-DE" dirty="0"/>
-              <a:t>Apache </a:t>
-            </a:r>
-            <a:r>
-              <a:rPr lang="de-DE" dirty="0" err="1"/>
-              <a:t>Mesos</a:t>
-            </a:r>
-            <a:r>
-              <a:rPr lang="de-DE" dirty="0"/>
-              <a:t>, YARN, </a:t>
-            </a:r>
-            <a:r>
-              <a:rPr lang="de-DE" dirty="0" err="1"/>
-              <a:t>Kubernetes</a:t>
-            </a:r>
-            <a:endParaRPr lang="de-DE" dirty="0"/>
-          </a:p>
-          <a:p>
-            <a:pPr marL="0" indent="0">
-              <a:buNone/>
-            </a:pPr>
-            <a:endParaRPr lang="de-DE" dirty="0"/>
-          </a:p>
-          <a:p>
-            <a:pPr marL="0" indent="0">
-              <a:buNone/>
-            </a:pPr>
-            <a:endParaRPr lang="de-DE" dirty="0"/>
+              <a:t>Architektur Spark</a:t>
+            </a:r>
           </a:p>
         </p:txBody>
       </p:sp>
@@ -7912,7 +11009,7 @@
         </p:nvSpPr>
         <p:spPr>
           <a:xfrm>
-            <a:off x="1097280" y="4909285"/>
+            <a:off x="3634740" y="4700448"/>
             <a:ext cx="4922520" cy="790303"/>
           </a:xfrm>
           <a:prstGeom prst="rect">
@@ -7990,7 +11087,7 @@
         </p:nvSpPr>
         <p:spPr>
           <a:xfrm>
-            <a:off x="1097280" y="3773991"/>
+            <a:off x="3665220" y="3581035"/>
             <a:ext cx="4922520" cy="790303"/>
           </a:xfrm>
           <a:prstGeom prst="rect">
@@ -8052,7 +11149,7 @@
         </p:nvSpPr>
         <p:spPr>
           <a:xfrm>
-            <a:off x="1097280" y="2638697"/>
+            <a:off x="3665220" y="2461622"/>
             <a:ext cx="4922520" cy="790303"/>
           </a:xfrm>
           <a:prstGeom prst="rect">
@@ -8142,7 +11239,7 @@
 </p:sld>
 </file>
 
-<file path=ppt/slides/slide4.xml><?xml version="1.0" encoding="utf-8"?>
+<file path=ppt/slides/slide5.xml><?xml version="1.0" encoding="utf-8"?>
 <p:sld xmlns:a="http://schemas.openxmlformats.org/drawingml/2006/main" xmlns:r="http://schemas.openxmlformats.org/officeDocument/2006/relationships" xmlns:p="http://schemas.openxmlformats.org/presentationml/2006/main">
   <p:cSld>
     <p:spTree>
@@ -8909,7 +12006,7 @@
 </p:sld>
 </file>
 
-<file path=ppt/slides/slide5.xml><?xml version="1.0" encoding="utf-8"?>
+<file path=ppt/slides/slide6.xml><?xml version="1.0" encoding="utf-8"?>
 <p:sld xmlns:a="http://schemas.openxmlformats.org/drawingml/2006/main" xmlns:r="http://schemas.openxmlformats.org/officeDocument/2006/relationships" xmlns:p="http://schemas.openxmlformats.org/presentationml/2006/main">
   <p:cSld>
     <p:spTree>
@@ -8947,64 +12044,43 @@
           <a:bodyPr/>
           <a:lstStyle/>
           <a:p>
-            <a:endParaRPr lang="de-AT" dirty="0"/>
+            <a:r>
+              <a:rPr lang="de-AT" dirty="0"/>
+              <a:t>Projektidee</a:t>
+            </a:r>
           </a:p>
         </p:txBody>
       </p:sp>
-      <p:sp>
-        <p:nvSpPr>
-          <p:cNvPr id="3" name="Inhaltsplatzhalter 2">
+      <p:graphicFrame>
+        <p:nvGraphicFramePr>
+          <p:cNvPr id="5" name="Inhaltsplatzhalter 3">
             <a:extLst>
               <a:ext uri="{FF2B5EF4-FFF2-40B4-BE49-F238E27FC236}">
-                <a16:creationId xmlns:a16="http://schemas.microsoft.com/office/drawing/2014/main" id="{7FDED3F8-B27A-E1C2-FEF4-7284E9838D34}"/>
+                <a16:creationId xmlns:a16="http://schemas.microsoft.com/office/drawing/2014/main" id="{C4F0986A-B060-2333-9CB4-ED7240035409}"/>
               </a:ext>
             </a:extLst>
           </p:cNvPr>
-          <p:cNvSpPr>
-            <a:spLocks noGrp="1"/>
-          </p:cNvSpPr>
+          <p:cNvGraphicFramePr>
+            <a:graphicFrameLocks/>
+          </p:cNvGraphicFramePr>
           <p:nvPr>
-            <p:ph idx="1"/>
+            <p:extLst>
+              <p:ext uri="{D42A27DB-BD31-4B8C-83A1-F6EECF244321}">
+                <p14:modId xmlns:p14="http://schemas.microsoft.com/office/powerpoint/2010/main" val="7754603"/>
+              </p:ext>
+            </p:extLst>
           </p:nvPr>
-        </p:nvSpPr>
-        <p:spPr/>
-        <p:txBody>
-          <a:bodyPr/>
-          <a:lstStyle/>
-          <a:p>
-            <a:endParaRPr lang="de-AT"/>
-          </a:p>
-        </p:txBody>
-      </p:sp>
-      <p:sp>
-        <p:nvSpPr>
-          <p:cNvPr id="4" name="Foliennummernplatzhalter 3">
-            <a:extLst>
-              <a:ext uri="{FF2B5EF4-FFF2-40B4-BE49-F238E27FC236}">
-                <a16:creationId xmlns:a16="http://schemas.microsoft.com/office/drawing/2014/main" id="{97108BB9-7C11-DD52-DC8E-CF972E834829}"/>
-              </a:ext>
-            </a:extLst>
-          </p:cNvPr>
-          <p:cNvSpPr>
-            <a:spLocks noGrp="1"/>
-          </p:cNvSpPr>
-          <p:nvPr>
-            <p:ph type="sldNum" sz="quarter" idx="12"/>
-          </p:nvPr>
-        </p:nvSpPr>
-        <p:spPr/>
-        <p:txBody>
-          <a:bodyPr/>
-          <a:lstStyle/>
-          <a:p>
-            <a:fld id="{3A98EE3D-8CD1-4C3F-BD1C-C98C9596463C}" type="slidenum">
-              <a:rPr lang="en-US" smtClean="0"/>
-              <a:t>5</a:t>
-            </a:fld>
-            <a:endParaRPr lang="en-US" dirty="0"/>
-          </a:p>
-        </p:txBody>
-      </p:sp>
+        </p:nvGraphicFramePr>
+        <p:xfrm>
+          <a:off x="1097280" y="2004365"/>
+          <a:ext cx="10058400" cy="3760891"/>
+        </p:xfrm>
+        <a:graphic>
+          <a:graphicData uri="http://schemas.openxmlformats.org/drawingml/2006/diagram">
+            <dgm:relIds xmlns:dgm="http://schemas.openxmlformats.org/drawingml/2006/diagram" xmlns:r="http://schemas.openxmlformats.org/officeDocument/2006/relationships" r:dm="rId2" r:lo="rId3" r:qs="rId4" r:cs="rId5"/>
+          </a:graphicData>
+        </a:graphic>
+      </p:graphicFrame>
     </p:spTree>
     <p:extLst>
       <p:ext uri="{BB962C8B-B14F-4D97-AF65-F5344CB8AC3E}">
@@ -9018,7 +12094,7 @@
 </p:sld>
 </file>
 
-<file path=ppt/slides/slide6.xml><?xml version="1.0" encoding="utf-8"?>
+<file path=ppt/slides/slide7.xml><?xml version="1.0" encoding="utf-8"?>
 <p:sld xmlns:a="http://schemas.openxmlformats.org/drawingml/2006/main" xmlns:r="http://schemas.openxmlformats.org/officeDocument/2006/relationships" xmlns:p="http://schemas.openxmlformats.org/presentationml/2006/main">
   <p:cSld>
     <p:spTree>
@@ -9035,85 +12111,35 @@
           <a:chExt cx="0" cy="0"/>
         </a:xfrm>
       </p:grpSpPr>
-      <p:sp>
-        <p:nvSpPr>
-          <p:cNvPr id="2" name="Titel 1">
+      <p:pic>
+        <p:nvPicPr>
+          <p:cNvPr id="6" name="Inhaltsplatzhalter 5" descr="Ein Bild, das Text, Screenshot, Schrift, Zahl enthält.&#10;&#10;Automatisch generierte Beschreibung">
             <a:extLst>
               <a:ext uri="{FF2B5EF4-FFF2-40B4-BE49-F238E27FC236}">
-                <a16:creationId xmlns:a16="http://schemas.microsoft.com/office/drawing/2014/main" id="{72ED3F18-F953-10CA-D935-C07083FB1BE8}"/>
+                <a16:creationId xmlns:a16="http://schemas.microsoft.com/office/drawing/2014/main" id="{705321C7-82F7-1984-F5D0-799A1FCBD81B}"/>
               </a:ext>
             </a:extLst>
           </p:cNvPr>
-          <p:cNvSpPr>
-            <a:spLocks noGrp="1"/>
-          </p:cNvSpPr>
+          <p:cNvPicPr>
+            <a:picLocks noGrp="1" noChangeAspect="1"/>
+          </p:cNvPicPr>
           <p:nvPr>
-            <p:ph type="title"/>
+            <p:ph idx="4294967295"/>
           </p:nvPr>
-        </p:nvSpPr>
-        <p:spPr/>
-        <p:txBody>
-          <a:bodyPr/>
-          <a:lstStyle/>
-          <a:p>
-            <a:endParaRPr lang="de-AT"/>
-          </a:p>
-        </p:txBody>
-      </p:sp>
-      <p:sp>
-        <p:nvSpPr>
-          <p:cNvPr id="3" name="Inhaltsplatzhalter 2">
-            <a:extLst>
-              <a:ext uri="{FF2B5EF4-FFF2-40B4-BE49-F238E27FC236}">
-                <a16:creationId xmlns:a16="http://schemas.microsoft.com/office/drawing/2014/main" id="{5D353FB9-5F8E-49C7-FC2B-39E19D2EBF62}"/>
-              </a:ext>
-            </a:extLst>
-          </p:cNvPr>
-          <p:cNvSpPr>
-            <a:spLocks noGrp="1"/>
-          </p:cNvSpPr>
-          <p:nvPr>
-            <p:ph idx="1"/>
-          </p:nvPr>
-        </p:nvSpPr>
-        <p:spPr/>
-        <p:txBody>
-          <a:bodyPr/>
-          <a:lstStyle/>
-          <a:p>
-            <a:endParaRPr lang="de-AT"/>
-          </a:p>
-        </p:txBody>
-      </p:sp>
-      <p:sp>
-        <p:nvSpPr>
-          <p:cNvPr id="4" name="Foliennummernplatzhalter 3">
-            <a:extLst>
-              <a:ext uri="{FF2B5EF4-FFF2-40B4-BE49-F238E27FC236}">
-                <a16:creationId xmlns:a16="http://schemas.microsoft.com/office/drawing/2014/main" id="{197E9A06-3358-CD58-C59B-E82720D57DA7}"/>
-              </a:ext>
-            </a:extLst>
-          </p:cNvPr>
-          <p:cNvSpPr>
-            <a:spLocks noGrp="1"/>
-          </p:cNvSpPr>
-          <p:nvPr>
-            <p:ph type="sldNum" sz="quarter" idx="12"/>
-          </p:nvPr>
-        </p:nvSpPr>
-        <p:spPr/>
-        <p:txBody>
-          <a:bodyPr/>
-          <a:lstStyle/>
-          <a:p>
-            <a:fld id="{3A98EE3D-8CD1-4C3F-BD1C-C98C9596463C}" type="slidenum">
-              <a:rPr lang="en-US" smtClean="0"/>
-              <a:t>6</a:t>
-            </a:fld>
-            <a:endParaRPr lang="en-US" dirty="0"/>
-          </a:p>
-        </p:txBody>
-      </p:sp>
+        </p:nvPicPr>
+        <p:blipFill>
+          <a:blip r:embed="rId2"/>
+          <a:stretch>
+            <a:fillRect/>
+          </a:stretch>
+        </p:blipFill>
+        <p:spPr>
+          <a:xfrm>
+            <a:off x="2480153" y="117475"/>
+            <a:ext cx="7439025" cy="6232525"/>
+          </a:xfrm>
+        </p:spPr>
+      </p:pic>
     </p:spTree>
     <p:extLst>
       <p:ext uri="{BB962C8B-B14F-4D97-AF65-F5344CB8AC3E}">
@@ -9127,7 +12153,7 @@
 </p:sld>
 </file>
 
-<file path=ppt/slides/slide7.xml><?xml version="1.0" encoding="utf-8"?>
+<file path=ppt/slides/slide8.xml><?xml version="1.0" encoding="utf-8"?>
 <p:sld xmlns:a="http://schemas.openxmlformats.org/drawingml/2006/main" xmlns:r="http://schemas.openxmlformats.org/officeDocument/2006/relationships" xmlns:p="http://schemas.openxmlformats.org/presentationml/2006/main">
   <p:cSld>
     <p:spTree>
@@ -9165,152 +12191,46 @@
           <a:bodyPr/>
           <a:lstStyle/>
           <a:p>
-            <a:endParaRPr lang="de-AT"/>
+            <a:r>
+              <a:rPr lang="de-AT" dirty="0"/>
+              <a:t>Cluster</a:t>
+            </a:r>
           </a:p>
         </p:txBody>
       </p:sp>
-      <p:sp>
-        <p:nvSpPr>
-          <p:cNvPr id="3" name="Inhaltsplatzhalter 2">
+      <p:pic>
+        <p:nvPicPr>
+          <p:cNvPr id="12" name="Inhaltsplatzhalter 11" descr="Ein Bild, das Text, Screenshot, Diagramm, Rechteck enthält.&#10;&#10;Automatisch generierte Beschreibung">
             <a:extLst>
               <a:ext uri="{FF2B5EF4-FFF2-40B4-BE49-F238E27FC236}">
-                <a16:creationId xmlns:a16="http://schemas.microsoft.com/office/drawing/2014/main" id="{B3FACE84-3B9A-B1D1-AD96-681A9F50F00D}"/>
+                <a16:creationId xmlns:a16="http://schemas.microsoft.com/office/drawing/2014/main" id="{B7002139-6103-E1AA-16B4-3A89EA227C17}"/>
               </a:ext>
             </a:extLst>
           </p:cNvPr>
-          <p:cNvSpPr>
-            <a:spLocks noGrp="1"/>
-          </p:cNvSpPr>
+          <p:cNvPicPr>
+            <a:picLocks noGrp="1" noChangeAspect="1"/>
+          </p:cNvPicPr>
           <p:nvPr>
             <p:ph idx="1"/>
           </p:nvPr>
-        </p:nvSpPr>
-        <p:spPr/>
-        <p:txBody>
-          <a:bodyPr/>
-          <a:lstStyle/>
-          <a:p>
-            <a:endParaRPr lang="de-AT"/>
-          </a:p>
-        </p:txBody>
-      </p:sp>
-      <p:sp>
-        <p:nvSpPr>
-          <p:cNvPr id="4" name="Foliennummernplatzhalter 3">
-            <a:extLst>
-              <a:ext uri="{FF2B5EF4-FFF2-40B4-BE49-F238E27FC236}">
-                <a16:creationId xmlns:a16="http://schemas.microsoft.com/office/drawing/2014/main" id="{9CEF14D6-884A-4E48-1EC2-B17C2EDF05AD}"/>
-              </a:ext>
-            </a:extLst>
-          </p:cNvPr>
-          <p:cNvSpPr>
-            <a:spLocks noGrp="1"/>
-          </p:cNvSpPr>
-          <p:nvPr>
-            <p:ph type="sldNum" sz="quarter" idx="12"/>
-          </p:nvPr>
-        </p:nvSpPr>
-        <p:spPr/>
-        <p:txBody>
-          <a:bodyPr/>
-          <a:lstStyle/>
-          <a:p>
-            <a:fld id="{3A98EE3D-8CD1-4C3F-BD1C-C98C9596463C}" type="slidenum">
-              <a:rPr lang="en-US" smtClean="0"/>
-              <a:t>7</a:t>
-            </a:fld>
-            <a:endParaRPr lang="en-US" dirty="0"/>
-          </a:p>
-        </p:txBody>
-      </p:sp>
+        </p:nvPicPr>
+        <p:blipFill>
+          <a:blip r:embed="rId2"/>
+          <a:stretch>
+            <a:fillRect/>
+          </a:stretch>
+        </p:blipFill>
+        <p:spPr>
+          <a:xfrm>
+            <a:off x="2022533" y="1992438"/>
+            <a:ext cx="8146933" cy="4311714"/>
+          </a:xfrm>
+        </p:spPr>
+      </p:pic>
     </p:spTree>
     <p:extLst>
       <p:ext uri="{BB962C8B-B14F-4D97-AF65-F5344CB8AC3E}">
         <p14:creationId xmlns:p14="http://schemas.microsoft.com/office/powerpoint/2010/main" val="2912699751"/>
-      </p:ext>
-    </p:extLst>
-  </p:cSld>
-  <p:clrMapOvr>
-    <a:masterClrMapping/>
-  </p:clrMapOvr>
-</p:sld>
-</file>
-
-<file path=ppt/slides/slide8.xml><?xml version="1.0" encoding="utf-8"?>
-<p:sld xmlns:a="http://schemas.openxmlformats.org/drawingml/2006/main" xmlns:r="http://schemas.openxmlformats.org/officeDocument/2006/relationships" xmlns:p="http://schemas.openxmlformats.org/presentationml/2006/main">
-  <p:cSld>
-    <p:spTree>
-      <p:nvGrpSpPr>
-        <p:cNvPr id="1" name=""/>
-        <p:cNvGrpSpPr/>
-        <p:nvPr/>
-      </p:nvGrpSpPr>
-      <p:grpSpPr>
-        <a:xfrm>
-          <a:off x="0" y="0"/>
-          <a:ext cx="0" cy="0"/>
-          <a:chOff x="0" y="0"/>
-          <a:chExt cx="0" cy="0"/>
-        </a:xfrm>
-      </p:grpSpPr>
-      <p:sp>
-        <p:nvSpPr>
-          <p:cNvPr id="2" name="Titel 1">
-            <a:extLst>
-              <a:ext uri="{FF2B5EF4-FFF2-40B4-BE49-F238E27FC236}">
-                <a16:creationId xmlns:a16="http://schemas.microsoft.com/office/drawing/2014/main" id="{A1D40357-14FE-1CC1-FD25-AB7BEC3EA9E2}"/>
-              </a:ext>
-            </a:extLst>
-          </p:cNvPr>
-          <p:cNvSpPr>
-            <a:spLocks noGrp="1"/>
-          </p:cNvSpPr>
-          <p:nvPr>
-            <p:ph type="title"/>
-          </p:nvPr>
-        </p:nvSpPr>
-        <p:spPr/>
-        <p:txBody>
-          <a:bodyPr/>
-          <a:lstStyle/>
-          <a:p>
-            <a:r>
-              <a:rPr lang="de-DE" dirty="0"/>
-              <a:t>Danke</a:t>
-            </a:r>
-            <a:endParaRPr lang="de-AT" dirty="0"/>
-          </a:p>
-        </p:txBody>
-      </p:sp>
-      <p:sp>
-        <p:nvSpPr>
-          <p:cNvPr id="3" name="Inhaltsplatzhalter 2">
-            <a:extLst>
-              <a:ext uri="{FF2B5EF4-FFF2-40B4-BE49-F238E27FC236}">
-                <a16:creationId xmlns:a16="http://schemas.microsoft.com/office/drawing/2014/main" id="{F96647F1-92E5-A1E9-9E40-0F5BB13001BC}"/>
-              </a:ext>
-            </a:extLst>
-          </p:cNvPr>
-          <p:cNvSpPr>
-            <a:spLocks noGrp="1"/>
-          </p:cNvSpPr>
-          <p:nvPr>
-            <p:ph idx="1"/>
-          </p:nvPr>
-        </p:nvSpPr>
-        <p:spPr/>
-        <p:txBody>
-          <a:bodyPr/>
-          <a:lstStyle/>
-          <a:p>
-            <a:endParaRPr lang="de-AT"/>
-          </a:p>
-        </p:txBody>
-      </p:sp>
-    </p:spTree>
-    <p:extLst>
-      <p:ext uri="{BB962C8B-B14F-4D97-AF65-F5344CB8AC3E}">
-        <p14:creationId xmlns:p14="http://schemas.microsoft.com/office/powerpoint/2010/main" val="3524494986"/>
       </p:ext>
     </p:extLst>
   </p:cSld>
@@ -9342,7 +12262,7 @@
           <p:cNvPr id="2" name="Titel 1">
             <a:extLst>
               <a:ext uri="{FF2B5EF4-FFF2-40B4-BE49-F238E27FC236}">
-                <a16:creationId xmlns:a16="http://schemas.microsoft.com/office/drawing/2014/main" id="{4E7D415D-E1D9-754B-A0F5-497530D78AEA}"/>
+                <a16:creationId xmlns:a16="http://schemas.microsoft.com/office/drawing/2014/main" id="{0DC2128D-A5ED-7E71-D559-C12CB8A67E75}"/>
               </a:ext>
             </a:extLst>
           </p:cNvPr>
@@ -9353,25 +12273,15 @@
             <p:ph type="title"/>
           </p:nvPr>
         </p:nvSpPr>
-        <p:spPr>
-          <a:xfrm>
-            <a:off x="1097280" y="375845"/>
-            <a:ext cx="10058400" cy="1450757"/>
-          </a:xfrm>
-        </p:spPr>
+        <p:spPr/>
         <p:txBody>
           <a:bodyPr/>
           <a:lstStyle/>
           <a:p>
             <a:r>
-              <a:rPr lang="de-DE" dirty="0"/>
-              <a:t>Apache </a:t>
-            </a:r>
-            <a:r>
-              <a:rPr lang="de-DE" dirty="0" err="1"/>
-              <a:t>Hadoop</a:t>
-            </a:r>
-            <a:endParaRPr lang="de-DE" dirty="0"/>
+              <a:rPr lang="de-AT" dirty="0"/>
+              <a:t>Spark SQL</a:t>
+            </a:r>
           </a:p>
         </p:txBody>
       </p:sp>
@@ -9380,7 +12290,7 @@
           <p:cNvPr id="3" name="Inhaltsplatzhalter 2">
             <a:extLst>
               <a:ext uri="{FF2B5EF4-FFF2-40B4-BE49-F238E27FC236}">
-                <a16:creationId xmlns:a16="http://schemas.microsoft.com/office/drawing/2014/main" id="{42476942-26D4-274A-AF89-ECBD289797C6}"/>
+                <a16:creationId xmlns:a16="http://schemas.microsoft.com/office/drawing/2014/main" id="{15C31244-84A1-795C-68FB-0CAB4AF1599E}"/>
               </a:ext>
             </a:extLst>
           </p:cNvPr>
@@ -9398,50 +12308,18 @@
           <a:p>
             <a:r>
               <a:rPr lang="de-DE" dirty="0"/>
-              <a:t>Verteiltes Dateisystem (HDFS)</a:t>
-            </a:r>
-          </a:p>
-          <a:p>
-            <a:r>
-              <a:rPr lang="de-DE" dirty="0"/>
-              <a:t>MapReduce-Verfahren </a:t>
-            </a:r>
-          </a:p>
-          <a:p>
-            <a:endParaRPr lang="de-DE" dirty="0"/>
-          </a:p>
-          <a:p>
-            <a:r>
-              <a:rPr lang="de-DE" dirty="0"/>
-              <a:t>+ Flexibles Ökosystem</a:t>
-            </a:r>
-          </a:p>
-          <a:p>
-            <a:r>
-              <a:rPr lang="de-DE" dirty="0"/>
-              <a:t>+ Kostengünstig</a:t>
-            </a:r>
-          </a:p>
-          <a:p>
-            <a:r>
-              <a:rPr lang="de-DE" dirty="0"/>
-              <a:t>- Nur Stapelverarbeitung</a:t>
-            </a:r>
-          </a:p>
-          <a:p>
-            <a:r>
-              <a:rPr lang="de-DE" dirty="0"/>
-              <a:t>- Hohe Latenzzeiten</a:t>
-            </a:r>
+              <a:t>unterstützt relationale Daten, komplexe Datenstrukturen wie JSON und Parquet</a:t>
+            </a:r>
+            <a:endParaRPr lang="de-AT" dirty="0"/>
           </a:p>
         </p:txBody>
       </p:sp>
       <p:sp>
         <p:nvSpPr>
-          <p:cNvPr id="5" name="Foliennummernplatzhalter 5">
+          <p:cNvPr id="4" name="Foliennummernplatzhalter 3">
             <a:extLst>
               <a:ext uri="{FF2B5EF4-FFF2-40B4-BE49-F238E27FC236}">
-                <a16:creationId xmlns:a16="http://schemas.microsoft.com/office/drawing/2014/main" id="{8CDEE902-1236-4277-DE3C-7B46A068BA6D}"/>
+                <a16:creationId xmlns:a16="http://schemas.microsoft.com/office/drawing/2014/main" id="{AC7061F7-B662-4731-B60A-1720737520CA}"/>
               </a:ext>
             </a:extLst>
           </p:cNvPr>
@@ -9452,12 +12330,7 @@
             <p:ph type="sldNum" sz="quarter" idx="12"/>
           </p:nvPr>
         </p:nvSpPr>
-        <p:spPr>
-          <a:xfrm>
-            <a:off x="10993582" y="6446838"/>
-            <a:ext cx="780010" cy="365125"/>
-          </a:xfrm>
-        </p:spPr>
+        <p:spPr/>
         <p:txBody>
           <a:bodyPr/>
           <a:lstStyle/>
@@ -9466,19 +12339,16 @@
               <a:rPr lang="en-US" smtClean="0"/>
               <a:t>9</a:t>
             </a:fld>
-            <a:r>
-              <a:rPr lang="en-US" dirty="0"/>
-              <a:t> von 14</a:t>
-            </a:r>
+            <a:endParaRPr lang="en-US" dirty="0"/>
           </a:p>
         </p:txBody>
       </p:sp>
       <p:pic>
         <p:nvPicPr>
-          <p:cNvPr id="11" name="Grafik 10">
+          <p:cNvPr id="10" name="Grafik 9" descr="Ein Bild, das Text, Screenshot, Software, Schrift enthält.&#10;&#10;Automatisch generierte Beschreibung">
             <a:extLst>
               <a:ext uri="{FF2B5EF4-FFF2-40B4-BE49-F238E27FC236}">
-                <a16:creationId xmlns:a16="http://schemas.microsoft.com/office/drawing/2014/main" id="{ABC36D9B-1529-0EDE-775A-76199AF684C9}"/>
+                <a16:creationId xmlns:a16="http://schemas.microsoft.com/office/drawing/2014/main" id="{E8D52DCF-8CBE-DE7F-809F-A95D28A54FE3}"/>
               </a:ext>
             </a:extLst>
           </p:cNvPr>
@@ -9488,256 +12358,25 @@
           <p:nvPr/>
         </p:nvPicPr>
         <p:blipFill>
-          <a:blip r:embed="rId3"/>
+          <a:blip r:embed="rId2"/>
           <a:stretch>
             <a:fillRect/>
           </a:stretch>
         </p:blipFill>
         <p:spPr>
           <a:xfrm>
-            <a:off x="5521960" y="2351924"/>
-            <a:ext cx="5633720" cy="3360164"/>
+            <a:off x="288099" y="1960026"/>
+            <a:ext cx="11252548" cy="5064293"/>
           </a:xfrm>
           <a:prstGeom prst="rect">
             <a:avLst/>
           </a:prstGeom>
         </p:spPr>
       </p:pic>
-      <p:graphicFrame>
-        <p:nvGraphicFramePr>
-          <p:cNvPr id="12" name="Tabelle 12">
-            <a:extLst>
-              <a:ext uri="{FF2B5EF4-FFF2-40B4-BE49-F238E27FC236}">
-                <a16:creationId xmlns:a16="http://schemas.microsoft.com/office/drawing/2014/main" id="{EFDFC7C6-859D-43EA-0C24-404A0A6EA507}"/>
-              </a:ext>
-            </a:extLst>
-          </p:cNvPr>
-          <p:cNvGraphicFramePr>
-            <a:graphicFrameLocks noGrp="1"/>
-          </p:cNvGraphicFramePr>
-          <p:nvPr>
-            <p:extLst>
-              <p:ext uri="{D42A27DB-BD31-4B8C-83A1-F6EECF244321}">
-                <p14:modId xmlns:p14="http://schemas.microsoft.com/office/powerpoint/2010/main" val="735959057"/>
-              </p:ext>
-            </p:extLst>
-          </p:nvPr>
-        </p:nvGraphicFramePr>
-        <p:xfrm>
-          <a:off x="7668431" y="2116297"/>
-          <a:ext cx="3080448" cy="402609"/>
-        </p:xfrm>
-        <a:graphic>
-          <a:graphicData uri="http://schemas.openxmlformats.org/drawingml/2006/table">
-            <a:tbl>
-              <a:tblPr firstRow="1" bandRow="1">
-                <a:tableStyleId>{5C22544A-7EE6-4342-B048-85BDC9FD1C3A}</a:tableStyleId>
-              </a:tblPr>
-              <a:tblGrid>
-                <a:gridCol w="1026816">
-                  <a:extLst>
-                    <a:ext uri="{9D8B030D-6E8A-4147-A177-3AD203B41FA5}">
-                      <a16:colId xmlns:a16="http://schemas.microsoft.com/office/drawing/2014/main" val="347916201"/>
-                    </a:ext>
-                  </a:extLst>
-                </a:gridCol>
-                <a:gridCol w="1026816">
-                  <a:extLst>
-                    <a:ext uri="{9D8B030D-6E8A-4147-A177-3AD203B41FA5}">
-                      <a16:colId xmlns:a16="http://schemas.microsoft.com/office/drawing/2014/main" val="2919606168"/>
-                    </a:ext>
-                  </a:extLst>
-                </a:gridCol>
-                <a:gridCol w="1026816">
-                  <a:extLst>
-                    <a:ext uri="{9D8B030D-6E8A-4147-A177-3AD203B41FA5}">
-                      <a16:colId xmlns:a16="http://schemas.microsoft.com/office/drawing/2014/main" val="2157227492"/>
-                    </a:ext>
-                  </a:extLst>
-                </a:gridCol>
-              </a:tblGrid>
-              <a:tr h="402609">
-                <a:tc>
-                  <a:txBody>
-                    <a:bodyPr/>
-                    <a:lstStyle/>
-                    <a:p>
-                      <a:pPr algn="ctr"/>
-                      <a:r>
-                        <a:rPr lang="de-DE" sz="1800" b="1" dirty="0" err="1">
-                          <a:solidFill>
-                            <a:schemeClr val="tx1"/>
-                          </a:solidFill>
-                        </a:rPr>
-                        <a:t>Map</a:t>
-                      </a:r>
-                      <a:endParaRPr lang="de-DE" dirty="0">
-                        <a:solidFill>
-                          <a:schemeClr val="tx1"/>
-                        </a:solidFill>
-                      </a:endParaRPr>
-                    </a:p>
-                  </a:txBody>
-                  <a:tcPr>
-                    <a:lnL w="12700" cmpd="sng">
-                      <a:noFill/>
-                    </a:lnL>
-                    <a:lnR w="12700" cmpd="sng">
-                      <a:noFill/>
-                    </a:lnR>
-                    <a:lnT w="12700" cmpd="sng">
-                      <a:noFill/>
-                    </a:lnT>
-                    <a:lnB w="38100" cmpd="sng">
-                      <a:noFill/>
-                    </a:lnB>
-                    <a:lnTlToBr w="12700" cmpd="sng">
-                      <a:noFill/>
-                      <a:prstDash val="solid"/>
-                    </a:lnTlToBr>
-                    <a:lnBlToTr w="12700" cmpd="sng">
-                      <a:noFill/>
-                      <a:prstDash val="solid"/>
-                    </a:lnBlToTr>
-                    <a:noFill/>
-                  </a:tcPr>
-                </a:tc>
-                <a:tc>
-                  <a:txBody>
-                    <a:bodyPr/>
-                    <a:lstStyle/>
-                    <a:p>
-                      <a:pPr marL="0" marR="0" lvl="0" indent="0" algn="l" defTabSz="914400" rtl="0" eaLnBrk="1" fontAlgn="auto" latinLnBrk="0" hangingPunct="1">
-                        <a:lnSpc>
-                          <a:spcPct val="100000"/>
-                        </a:lnSpc>
-                        <a:spcBef>
-                          <a:spcPts val="0"/>
-                        </a:spcBef>
-                        <a:spcAft>
-                          <a:spcPts val="0"/>
-                        </a:spcAft>
-                        <a:buClrTx/>
-                        <a:buSzTx/>
-                        <a:buFontTx/>
-                        <a:buNone/>
-                        <a:tabLst/>
-                        <a:defRPr/>
-                      </a:pPr>
-                      <a:r>
-                        <a:rPr lang="de-DE" sz="1800" b="1" dirty="0">
-                          <a:solidFill>
-                            <a:schemeClr val="tx1"/>
-                          </a:solidFill>
-                        </a:rPr>
-                        <a:t>Shuffle</a:t>
-                      </a:r>
-                      <a:endParaRPr lang="de-DE" b="1" dirty="0">
-                        <a:solidFill>
-                          <a:schemeClr val="tx1"/>
-                        </a:solidFill>
-                      </a:endParaRPr>
-                    </a:p>
-                  </a:txBody>
-                  <a:tcPr>
-                    <a:lnL w="12700" cmpd="sng">
-                      <a:noFill/>
-                    </a:lnL>
-                    <a:lnR w="12700" cmpd="sng">
-                      <a:noFill/>
-                    </a:lnR>
-                    <a:lnT w="12700" cmpd="sng">
-                      <a:noFill/>
-                    </a:lnT>
-                    <a:lnB w="38100" cmpd="sng">
-                      <a:noFill/>
-                    </a:lnB>
-                    <a:lnTlToBr w="12700" cmpd="sng">
-                      <a:noFill/>
-                      <a:prstDash val="solid"/>
-                    </a:lnTlToBr>
-                    <a:lnBlToTr w="12700" cmpd="sng">
-                      <a:noFill/>
-                      <a:prstDash val="solid"/>
-                    </a:lnBlToTr>
-                    <a:noFill/>
-                  </a:tcPr>
-                </a:tc>
-                <a:tc>
-                  <a:txBody>
-                    <a:bodyPr/>
-                    <a:lstStyle/>
-                    <a:p>
-                      <a:pPr marL="0" marR="0" lvl="0" indent="0" algn="l" defTabSz="914400" rtl="0" eaLnBrk="1" fontAlgn="auto" latinLnBrk="0" hangingPunct="1">
-                        <a:lnSpc>
-                          <a:spcPct val="100000"/>
-                        </a:lnSpc>
-                        <a:spcBef>
-                          <a:spcPts val="0"/>
-                        </a:spcBef>
-                        <a:spcAft>
-                          <a:spcPts val="0"/>
-                        </a:spcAft>
-                        <a:buClrTx/>
-                        <a:buSzTx/>
-                        <a:buFontTx/>
-                        <a:buNone/>
-                        <a:tabLst/>
-                        <a:defRPr/>
-                      </a:pPr>
-                      <a:r>
-                        <a:rPr lang="de-DE" sz="1800" b="1" dirty="0" err="1">
-                          <a:solidFill>
-                            <a:schemeClr val="tx1"/>
-                          </a:solidFill>
-                        </a:rPr>
-                        <a:t>Reduce</a:t>
-                      </a:r>
-                      <a:endParaRPr lang="de-DE" b="1" dirty="0">
-                        <a:solidFill>
-                          <a:schemeClr val="tx1"/>
-                        </a:solidFill>
-                      </a:endParaRPr>
-                    </a:p>
-                  </a:txBody>
-                  <a:tcPr>
-                    <a:lnL w="12700" cmpd="sng">
-                      <a:noFill/>
-                    </a:lnL>
-                    <a:lnR w="12700" cmpd="sng">
-                      <a:noFill/>
-                    </a:lnR>
-                    <a:lnT w="12700" cmpd="sng">
-                      <a:noFill/>
-                    </a:lnT>
-                    <a:lnB w="38100" cmpd="sng">
-                      <a:noFill/>
-                    </a:lnB>
-                    <a:lnTlToBr w="12700" cmpd="sng">
-                      <a:noFill/>
-                      <a:prstDash val="solid"/>
-                    </a:lnTlToBr>
-                    <a:lnBlToTr w="12700" cmpd="sng">
-                      <a:noFill/>
-                      <a:prstDash val="solid"/>
-                    </a:lnBlToTr>
-                    <a:noFill/>
-                  </a:tcPr>
-                </a:tc>
-                <a:extLst>
-                  <a:ext uri="{0D108BD9-81ED-4DB2-BD59-A6C34878D82A}">
-                    <a16:rowId xmlns:a16="http://schemas.microsoft.com/office/drawing/2014/main" val="2006919296"/>
-                  </a:ext>
-                </a:extLst>
-              </a:tr>
-            </a:tbl>
-          </a:graphicData>
-        </a:graphic>
-      </p:graphicFrame>
     </p:spTree>
     <p:extLst>
       <p:ext uri="{BB962C8B-B14F-4D97-AF65-F5344CB8AC3E}">
-        <p14:creationId xmlns:p14="http://schemas.microsoft.com/office/powerpoint/2010/main" val="3307248920"/>
+        <p14:creationId xmlns:p14="http://schemas.microsoft.com/office/powerpoint/2010/main" val="3965996905"/>
       </p:ext>
     </p:extLst>
   </p:cSld>

--- a/Presentation.pptx
+++ b/Presentation.pptx
@@ -17,8 +17,8 @@
     <p:sldId id="265" r:id="rId5"/>
     <p:sldId id="273" r:id="rId6"/>
     <p:sldId id="275" r:id="rId7"/>
-    <p:sldId id="276" r:id="rId8"/>
-    <p:sldId id="277" r:id="rId9"/>
+    <p:sldId id="277" r:id="rId8"/>
+    <p:sldId id="276" r:id="rId9"/>
     <p:sldId id="281" r:id="rId10"/>
     <p:sldId id="280" r:id="rId11"/>
   </p:sldIdLst>
@@ -12111,6 +12111,93 @@
           <a:chExt cx="0" cy="0"/>
         </a:xfrm>
       </p:grpSpPr>
+      <p:sp>
+        <p:nvSpPr>
+          <p:cNvPr id="2" name="Titel 1">
+            <a:extLst>
+              <a:ext uri="{FF2B5EF4-FFF2-40B4-BE49-F238E27FC236}">
+                <a16:creationId xmlns:a16="http://schemas.microsoft.com/office/drawing/2014/main" id="{F51D4BF3-D89C-1532-7428-B9AF7FEE4854}"/>
+              </a:ext>
+            </a:extLst>
+          </p:cNvPr>
+          <p:cNvSpPr>
+            <a:spLocks noGrp="1"/>
+          </p:cNvSpPr>
+          <p:nvPr>
+            <p:ph type="title"/>
+          </p:nvPr>
+        </p:nvSpPr>
+        <p:spPr/>
+        <p:txBody>
+          <a:bodyPr/>
+          <a:lstStyle/>
+          <a:p>
+            <a:r>
+              <a:rPr lang="de-AT" dirty="0"/>
+              <a:t>Cluster</a:t>
+            </a:r>
+          </a:p>
+        </p:txBody>
+      </p:sp>
+      <p:pic>
+        <p:nvPicPr>
+          <p:cNvPr id="6" name="Inhaltsplatzhalter 5" descr="Ein Bild, das Text, Screenshot, Diagramm, Rechteck enthält.&#10;&#10;Automatisch generierte Beschreibung">
+            <a:extLst>
+              <a:ext uri="{FF2B5EF4-FFF2-40B4-BE49-F238E27FC236}">
+                <a16:creationId xmlns:a16="http://schemas.microsoft.com/office/drawing/2014/main" id="{007162FA-53F2-7064-661E-90CC5E899783}"/>
+              </a:ext>
+            </a:extLst>
+          </p:cNvPr>
+          <p:cNvPicPr>
+            <a:picLocks noGrp="1" noChangeAspect="1"/>
+          </p:cNvPicPr>
+          <p:nvPr>
+            <p:ph idx="1"/>
+          </p:nvPr>
+        </p:nvPicPr>
+        <p:blipFill>
+          <a:blip r:embed="rId2"/>
+          <a:stretch>
+            <a:fillRect/>
+          </a:stretch>
+        </p:blipFill>
+        <p:spPr>
+          <a:xfrm>
+            <a:off x="2457470" y="2214122"/>
+            <a:ext cx="7277060" cy="3851340"/>
+          </a:xfrm>
+        </p:spPr>
+      </p:pic>
+    </p:spTree>
+    <p:extLst>
+      <p:ext uri="{BB962C8B-B14F-4D97-AF65-F5344CB8AC3E}">
+        <p14:creationId xmlns:p14="http://schemas.microsoft.com/office/powerpoint/2010/main" val="2912699751"/>
+      </p:ext>
+    </p:extLst>
+  </p:cSld>
+  <p:clrMapOvr>
+    <a:masterClrMapping/>
+  </p:clrMapOvr>
+</p:sld>
+</file>
+
+<file path=ppt/slides/slide8.xml><?xml version="1.0" encoding="utf-8"?>
+<p:sld xmlns:a="http://schemas.openxmlformats.org/drawingml/2006/main" xmlns:r="http://schemas.openxmlformats.org/officeDocument/2006/relationships" xmlns:p="http://schemas.openxmlformats.org/presentationml/2006/main">
+  <p:cSld>
+    <p:spTree>
+      <p:nvGrpSpPr>
+        <p:cNvPr id="1" name=""/>
+        <p:cNvGrpSpPr/>
+        <p:nvPr/>
+      </p:nvGrpSpPr>
+      <p:grpSpPr>
+        <a:xfrm>
+          <a:off x="0" y="0"/>
+          <a:ext cx="0" cy="0"/>
+          <a:chOff x="0" y="0"/>
+          <a:chExt cx="0" cy="0"/>
+        </a:xfrm>
+      </p:grpSpPr>
       <p:pic>
         <p:nvPicPr>
           <p:cNvPr id="6" name="Inhaltsplatzhalter 5" descr="Ein Bild, das Text, Screenshot, Schrift, Zahl enthält.&#10;&#10;Automatisch generierte Beschreibung">
@@ -12144,93 +12231,6 @@
     <p:extLst>
       <p:ext uri="{BB962C8B-B14F-4D97-AF65-F5344CB8AC3E}">
         <p14:creationId xmlns:p14="http://schemas.microsoft.com/office/powerpoint/2010/main" val="3172063063"/>
-      </p:ext>
-    </p:extLst>
-  </p:cSld>
-  <p:clrMapOvr>
-    <a:masterClrMapping/>
-  </p:clrMapOvr>
-</p:sld>
-</file>
-
-<file path=ppt/slides/slide8.xml><?xml version="1.0" encoding="utf-8"?>
-<p:sld xmlns:a="http://schemas.openxmlformats.org/drawingml/2006/main" xmlns:r="http://schemas.openxmlformats.org/officeDocument/2006/relationships" xmlns:p="http://schemas.openxmlformats.org/presentationml/2006/main">
-  <p:cSld>
-    <p:spTree>
-      <p:nvGrpSpPr>
-        <p:cNvPr id="1" name=""/>
-        <p:cNvGrpSpPr/>
-        <p:nvPr/>
-      </p:nvGrpSpPr>
-      <p:grpSpPr>
-        <a:xfrm>
-          <a:off x="0" y="0"/>
-          <a:ext cx="0" cy="0"/>
-          <a:chOff x="0" y="0"/>
-          <a:chExt cx="0" cy="0"/>
-        </a:xfrm>
-      </p:grpSpPr>
-      <p:sp>
-        <p:nvSpPr>
-          <p:cNvPr id="2" name="Titel 1">
-            <a:extLst>
-              <a:ext uri="{FF2B5EF4-FFF2-40B4-BE49-F238E27FC236}">
-                <a16:creationId xmlns:a16="http://schemas.microsoft.com/office/drawing/2014/main" id="{F51D4BF3-D89C-1532-7428-B9AF7FEE4854}"/>
-              </a:ext>
-            </a:extLst>
-          </p:cNvPr>
-          <p:cNvSpPr>
-            <a:spLocks noGrp="1"/>
-          </p:cNvSpPr>
-          <p:nvPr>
-            <p:ph type="title"/>
-          </p:nvPr>
-        </p:nvSpPr>
-        <p:spPr/>
-        <p:txBody>
-          <a:bodyPr/>
-          <a:lstStyle/>
-          <a:p>
-            <a:r>
-              <a:rPr lang="de-AT" dirty="0"/>
-              <a:t>Cluster</a:t>
-            </a:r>
-          </a:p>
-        </p:txBody>
-      </p:sp>
-      <p:pic>
-        <p:nvPicPr>
-          <p:cNvPr id="12" name="Inhaltsplatzhalter 11" descr="Ein Bild, das Text, Screenshot, Diagramm, Rechteck enthält.&#10;&#10;Automatisch generierte Beschreibung">
-            <a:extLst>
-              <a:ext uri="{FF2B5EF4-FFF2-40B4-BE49-F238E27FC236}">
-                <a16:creationId xmlns:a16="http://schemas.microsoft.com/office/drawing/2014/main" id="{B7002139-6103-E1AA-16B4-3A89EA227C17}"/>
-              </a:ext>
-            </a:extLst>
-          </p:cNvPr>
-          <p:cNvPicPr>
-            <a:picLocks noGrp="1" noChangeAspect="1"/>
-          </p:cNvPicPr>
-          <p:nvPr>
-            <p:ph idx="1"/>
-          </p:nvPr>
-        </p:nvPicPr>
-        <p:blipFill>
-          <a:blip r:embed="rId2"/>
-          <a:stretch>
-            <a:fillRect/>
-          </a:stretch>
-        </p:blipFill>
-        <p:spPr>
-          <a:xfrm>
-            <a:off x="2022533" y="1992438"/>
-            <a:ext cx="8146933" cy="4311714"/>
-          </a:xfrm>
-        </p:spPr>
-      </p:pic>
-    </p:spTree>
-    <p:extLst>
-      <p:ext uri="{BB962C8B-B14F-4D97-AF65-F5344CB8AC3E}">
-        <p14:creationId xmlns:p14="http://schemas.microsoft.com/office/powerpoint/2010/main" val="2912699751"/>
       </p:ext>
     </p:extLst>
   </p:cSld>
